--- a/6_React.pptx
+++ b/6_React.pptx
@@ -9,20 +9,19 @@
     <p:sldId id="266" r:id="rId3"/>
     <p:sldId id="311" r:id="rId4"/>
     <p:sldId id="312" r:id="rId5"/>
-    <p:sldId id="313" r:id="rId6"/>
-    <p:sldId id="314" r:id="rId7"/>
-    <p:sldId id="315" r:id="rId8"/>
-    <p:sldId id="316" r:id="rId9"/>
-    <p:sldId id="299" r:id="rId10"/>
-    <p:sldId id="317" r:id="rId11"/>
-    <p:sldId id="319" r:id="rId12"/>
-    <p:sldId id="320" r:id="rId13"/>
-    <p:sldId id="300" r:id="rId14"/>
-    <p:sldId id="321" r:id="rId15"/>
-    <p:sldId id="322" r:id="rId16"/>
-    <p:sldId id="323" r:id="rId17"/>
-    <p:sldId id="324" r:id="rId18"/>
-    <p:sldId id="325" r:id="rId19"/>
+    <p:sldId id="314" r:id="rId6"/>
+    <p:sldId id="315" r:id="rId7"/>
+    <p:sldId id="316" r:id="rId8"/>
+    <p:sldId id="299" r:id="rId9"/>
+    <p:sldId id="317" r:id="rId10"/>
+    <p:sldId id="319" r:id="rId11"/>
+    <p:sldId id="320" r:id="rId12"/>
+    <p:sldId id="300" r:id="rId13"/>
+    <p:sldId id="321" r:id="rId14"/>
+    <p:sldId id="322" r:id="rId15"/>
+    <p:sldId id="323" r:id="rId16"/>
+    <p:sldId id="324" r:id="rId17"/>
+    <p:sldId id="325" r:id="rId18"/>
   </p:sldIdLst>
   <p:sldSz cx="12192000" cy="6858000"/>
   <p:notesSz cx="6858000" cy="9144000"/>
@@ -292,7 +291,7 @@
           <a:p>
             <a:fld id="{1160EA64-D806-43AC-9DF2-F8C432F32B4C}" type="datetimeFigureOut">
               <a:rPr lang="en-US" dirty="0"/>
-              <a:t>1/28/2024</a:t>
+              <a:t>2/15/2024</a:t>
             </a:fld>
             <a:endParaRPr lang="en-US" dirty="0"/>
           </a:p>
@@ -458,7 +457,7 @@
           <a:p>
             <a:fld id="{E9F9C37B-1D36-470B-8223-D6C91242EC14}" type="datetimeFigureOut">
               <a:rPr lang="en-US" dirty="0"/>
-              <a:t>1/28/2024</a:t>
+              <a:t>2/15/2024</a:t>
             </a:fld>
             <a:endParaRPr lang="en-US" dirty="0"/>
           </a:p>
@@ -633,7 +632,7 @@
           <a:p>
             <a:fld id="{67C6F52A-A82B-47A2-A83A-8C4C91F2D59F}" type="datetimeFigureOut">
               <a:rPr lang="en-US" dirty="0"/>
-              <a:t>1/28/2024</a:t>
+              <a:t>2/15/2024</a:t>
             </a:fld>
             <a:endParaRPr lang="en-US" dirty="0"/>
           </a:p>
@@ -798,7 +797,7 @@
           <a:p>
             <a:fld id="{F070A7B3-6521-4DCA-87E5-044747A908C1}" type="datetimeFigureOut">
               <a:rPr lang="en-US" dirty="0"/>
-              <a:t>1/28/2024</a:t>
+              <a:t>2/15/2024</a:t>
             </a:fld>
             <a:endParaRPr lang="en-US" dirty="0"/>
           </a:p>
@@ -1062,7 +1061,7 @@
           <a:p>
             <a:fld id="{1160EA64-D806-43AC-9DF2-F8C432F32B4C}" type="datetimeFigureOut">
               <a:rPr lang="en-US" dirty="0"/>
-              <a:t>1/28/2024</a:t>
+              <a:t>2/15/2024</a:t>
             </a:fld>
             <a:endParaRPr lang="en-US" dirty="0"/>
           </a:p>
@@ -1290,7 +1289,7 @@
           <a:p>
             <a:fld id="{AB134690-1557-4C89-A502-4959FE7FAD70}" type="datetimeFigureOut">
               <a:rPr lang="en-US" dirty="0"/>
-              <a:t>1/28/2024</a:t>
+              <a:t>2/15/2024</a:t>
             </a:fld>
             <a:endParaRPr lang="en-US" dirty="0"/>
           </a:p>
@@ -1644,7 +1643,7 @@
           <a:p>
             <a:fld id="{4F7D4976-E339-4826-83B7-FBD03F55ECF8}" type="datetimeFigureOut">
               <a:rPr lang="en-US" dirty="0"/>
-              <a:t>1/28/2024</a:t>
+              <a:t>2/15/2024</a:t>
             </a:fld>
             <a:endParaRPr lang="en-US" dirty="0"/>
           </a:p>
@@ -1780,7 +1779,7 @@
           <a:p>
             <a:fld id="{E1037C31-9E7A-4F99-8774-A0E530DE1A42}" type="datetimeFigureOut">
               <a:rPr lang="en-US" dirty="0"/>
-              <a:t>1/28/2024</a:t>
+              <a:t>2/15/2024</a:t>
             </a:fld>
             <a:endParaRPr lang="en-US" dirty="0"/>
           </a:p>
@@ -1870,7 +1869,7 @@
           <a:p>
             <a:fld id="{C278504F-A551-4DE0-9316-4DCD1D8CC752}" type="datetimeFigureOut">
               <a:rPr lang="en-US" dirty="0"/>
-              <a:t>1/28/2024</a:t>
+              <a:t>2/15/2024</a:t>
             </a:fld>
             <a:endParaRPr lang="en-US" dirty="0"/>
           </a:p>
@@ -2222,7 +2221,7 @@
           <a:p>
             <a:fld id="{D1BE4249-C0D0-4B06-8692-E8BB871AF643}" type="datetimeFigureOut">
               <a:rPr lang="en-US" dirty="0"/>
-              <a:t>1/28/2024</a:t>
+              <a:t>2/15/2024</a:t>
             </a:fld>
             <a:endParaRPr lang="en-US" dirty="0"/>
           </a:p>
@@ -2574,7 +2573,7 @@
           <a:p>
             <a:fld id="{042B0DB6-F5C7-45FB-8CF3-31B45F9C2DAC}" type="datetimeFigureOut">
               <a:rPr lang="en-US" dirty="0"/>
-              <a:t>1/28/2024</a:t>
+              <a:t>2/15/2024</a:t>
             </a:fld>
             <a:endParaRPr lang="en-US" dirty="0"/>
           </a:p>
@@ -2810,7 +2809,7 @@
           <a:p>
             <a:fld id="{1160EA64-D806-43AC-9DF2-F8C432F32B4C}" type="datetimeFigureOut">
               <a:rPr lang="en-US" dirty="0"/>
-              <a:t>1/28/2024</a:t>
+              <a:t>2/15/2024</a:t>
             </a:fld>
             <a:endParaRPr lang="en-US" dirty="0"/>
           </a:p>
@@ -3371,657 +3370,83 @@
           <a:lstStyle/>
           <a:p>
             <a:pPr lvl="1"/>
+            <a:r>
+              <a:rPr lang="vi-VN" dirty="0">
+                <a:latin typeface="Tahoma" panose="020B0604030504040204" pitchFamily="34" charset="0"/>
+                <a:ea typeface="Tahoma" panose="020B0604030504040204" pitchFamily="34" charset="0"/>
+                <a:cs typeface="Tahoma" panose="020B0604030504040204" pitchFamily="34" charset="0"/>
+              </a:rPr>
+              <a:t>Có 2 file js là react và react-dom</a:t>
+            </a:r>
+          </a:p>
+          <a:p>
+            <a:pPr lvl="1"/>
+            <a:r>
+              <a:rPr lang="vi-VN" dirty="0">
+                <a:latin typeface="Tahoma" panose="020B0604030504040204" pitchFamily="34" charset="0"/>
+                <a:ea typeface="Tahoma" panose="020B0604030504040204" pitchFamily="34" charset="0"/>
+                <a:cs typeface="Tahoma" panose="020B0604030504040204" pitchFamily="34" charset="0"/>
+              </a:rPr>
+              <a:t>Có thể hiểu cơ bản react dùng để tạo các </a:t>
+            </a:r>
+            <a:r>
+              <a:rPr lang="vi-VN" dirty="0" smtClean="0">
+                <a:latin typeface="Tahoma" panose="020B0604030504040204" pitchFamily="34" charset="0"/>
+                <a:ea typeface="Tahoma" panose="020B0604030504040204" pitchFamily="34" charset="0"/>
+                <a:cs typeface="Tahoma" panose="020B0604030504040204" pitchFamily="34" charset="0"/>
+              </a:rPr>
+              <a:t>element</a:t>
+            </a:r>
+            <a:r>
+              <a:rPr lang="en-US" dirty="0" smtClean="0">
+                <a:latin typeface="Tahoma" panose="020B0604030504040204" pitchFamily="34" charset="0"/>
+                <a:ea typeface="Tahoma" panose="020B0604030504040204" pitchFamily="34" charset="0"/>
+                <a:cs typeface="Tahoma" panose="020B0604030504040204" pitchFamily="34" charset="0"/>
+              </a:rPr>
+              <a:t> (Chỉ tạo, không thể render được lên màn hình)</a:t>
+            </a:r>
+          </a:p>
+          <a:p>
+            <a:pPr lvl="1"/>
+            <a:r>
+              <a:rPr lang="en-US" dirty="0" smtClean="0">
+                <a:latin typeface="Tahoma" panose="020B0604030504040204" pitchFamily="34" charset="0"/>
+                <a:ea typeface="Tahoma" panose="020B0604030504040204" pitchFamily="34" charset="0"/>
+                <a:cs typeface="Tahoma" panose="020B0604030504040204" pitchFamily="34" charset="0"/>
+              </a:rPr>
+              <a:t>Còn react-dom là cầu nối giữa react và dom, giúp render element vào dom</a:t>
+            </a:r>
+          </a:p>
+          <a:p>
+            <a:pPr lvl="1"/>
+            <a:endParaRPr lang="en-US" dirty="0">
+              <a:latin typeface="Tahoma" panose="020B0604030504040204" pitchFamily="34" charset="0"/>
+              <a:ea typeface="Tahoma" panose="020B0604030504040204" pitchFamily="34" charset="0"/>
+              <a:cs typeface="Tahoma" panose="020B0604030504040204" pitchFamily="34" charset="0"/>
+            </a:endParaRPr>
+          </a:p>
+          <a:p>
+            <a:pPr lvl="1"/>
+            <a:r>
+              <a:rPr lang="en-US" dirty="0" smtClean="0">
+                <a:latin typeface="Tahoma" panose="020B0604030504040204" pitchFamily="34" charset="0"/>
+                <a:ea typeface="Tahoma" panose="020B0604030504040204" pitchFamily="34" charset="0"/>
+                <a:cs typeface="Tahoma" panose="020B0604030504040204" pitchFamily="34" charset="0"/>
+              </a:rPr>
+              <a:t>=&gt; Tại sao không gộp chung???</a:t>
+            </a:r>
             <a:endParaRPr lang="vi-VN" dirty="0">
               <a:latin typeface="Tahoma" panose="020B0604030504040204" pitchFamily="34" charset="0"/>
               <a:ea typeface="Tahoma" panose="020B0604030504040204" pitchFamily="34" charset="0"/>
               <a:cs typeface="Tahoma" panose="020B0604030504040204" pitchFamily="34" charset="0"/>
             </a:endParaRPr>
           </a:p>
-        </p:txBody>
-      </p:sp>
-      <p:sp>
-        <p:nvSpPr>
-          <p:cNvPr id="4" name="Rectangle 3"/>
-          <p:cNvSpPr/>
-          <p:nvPr/>
-        </p:nvSpPr>
-        <p:spPr>
-          <a:xfrm>
-            <a:off x="2407920" y="3056828"/>
-            <a:ext cx="7376160" cy="2123658"/>
-          </a:xfrm>
-          <a:prstGeom prst="rect">
-            <a:avLst/>
-          </a:prstGeom>
-          <a:solidFill>
-            <a:schemeClr val="tx1"/>
-          </a:solidFill>
-        </p:spPr>
-        <p:txBody>
-          <a:bodyPr>
-            <a:spAutoFit/>
-          </a:bodyPr>
-          <a:lstStyle/>
-          <a:p>
-            <a:r>
-              <a:rPr lang="en-US" sz="1200" dirty="0">
-                <a:solidFill>
-                  <a:srgbClr val="808080"/>
-                </a:solidFill>
-                <a:latin typeface="Consolas" panose="020B0609020204030204" pitchFamily="49" charset="0"/>
-              </a:rPr>
-              <a:t>&lt;</a:t>
-            </a:r>
-            <a:r>
-              <a:rPr lang="en-US" sz="1200" dirty="0">
-                <a:solidFill>
-                  <a:srgbClr val="569CD6"/>
-                </a:solidFill>
-                <a:latin typeface="Consolas" panose="020B0609020204030204" pitchFamily="49" charset="0"/>
-              </a:rPr>
-              <a:t>head</a:t>
-            </a:r>
-            <a:r>
-              <a:rPr lang="en-US" sz="1200" dirty="0">
-                <a:solidFill>
-                  <a:srgbClr val="808080"/>
-                </a:solidFill>
-                <a:latin typeface="Consolas" panose="020B0609020204030204" pitchFamily="49" charset="0"/>
-              </a:rPr>
-              <a:t>&gt;</a:t>
-            </a:r>
-            <a:endParaRPr lang="en-US" sz="1200" dirty="0">
-              <a:solidFill>
-                <a:srgbClr val="CCCCCC"/>
-              </a:solidFill>
-              <a:latin typeface="Consolas" panose="020B0609020204030204" pitchFamily="49" charset="0"/>
-            </a:endParaRPr>
-          </a:p>
-          <a:p>
-            <a:r>
-              <a:rPr lang="en-US" sz="1200" dirty="0">
-                <a:solidFill>
-                  <a:srgbClr val="CCCCCC"/>
-                </a:solidFill>
-                <a:latin typeface="Consolas" panose="020B0609020204030204" pitchFamily="49" charset="0"/>
-              </a:rPr>
-              <a:t>    </a:t>
-            </a:r>
-            <a:r>
-              <a:rPr lang="en-US" sz="1200" dirty="0">
-                <a:solidFill>
-                  <a:srgbClr val="808080"/>
-                </a:solidFill>
-                <a:latin typeface="Consolas" panose="020B0609020204030204" pitchFamily="49" charset="0"/>
-              </a:rPr>
-              <a:t>&lt;</a:t>
-            </a:r>
-            <a:r>
-              <a:rPr lang="en-US" sz="1200" dirty="0">
-                <a:solidFill>
-                  <a:srgbClr val="569CD6"/>
-                </a:solidFill>
-                <a:latin typeface="Consolas" panose="020B0609020204030204" pitchFamily="49" charset="0"/>
-              </a:rPr>
-              <a:t>meta</a:t>
-            </a:r>
-            <a:r>
-              <a:rPr lang="en-US" sz="1200" dirty="0">
-                <a:solidFill>
-                  <a:srgbClr val="CCCCCC"/>
-                </a:solidFill>
-                <a:latin typeface="Consolas" panose="020B0609020204030204" pitchFamily="49" charset="0"/>
-              </a:rPr>
-              <a:t> </a:t>
-            </a:r>
-            <a:r>
-              <a:rPr lang="en-US" sz="1200" dirty="0">
-                <a:solidFill>
-                  <a:srgbClr val="9CDCFE"/>
-                </a:solidFill>
-                <a:latin typeface="Consolas" panose="020B0609020204030204" pitchFamily="49" charset="0"/>
-              </a:rPr>
-              <a:t>charset</a:t>
-            </a:r>
-            <a:r>
-              <a:rPr lang="en-US" sz="1200" dirty="0">
-                <a:solidFill>
-                  <a:srgbClr val="CCCCCC"/>
-                </a:solidFill>
-                <a:latin typeface="Consolas" panose="020B0609020204030204" pitchFamily="49" charset="0"/>
-              </a:rPr>
-              <a:t>=</a:t>
-            </a:r>
-            <a:r>
-              <a:rPr lang="en-US" sz="1200" dirty="0">
-                <a:solidFill>
-                  <a:srgbClr val="CE9178"/>
-                </a:solidFill>
-                <a:latin typeface="Consolas" panose="020B0609020204030204" pitchFamily="49" charset="0"/>
-              </a:rPr>
-              <a:t>"UTF-8"</a:t>
-            </a:r>
-            <a:r>
-              <a:rPr lang="en-US" sz="1200" dirty="0">
-                <a:solidFill>
-                  <a:srgbClr val="808080"/>
-                </a:solidFill>
-                <a:latin typeface="Consolas" panose="020B0609020204030204" pitchFamily="49" charset="0"/>
-              </a:rPr>
-              <a:t>&gt;</a:t>
-            </a:r>
-            <a:endParaRPr lang="en-US" sz="1200" dirty="0">
-              <a:solidFill>
-                <a:srgbClr val="CCCCCC"/>
-              </a:solidFill>
-              <a:latin typeface="Consolas" panose="020B0609020204030204" pitchFamily="49" charset="0"/>
-            </a:endParaRPr>
-          </a:p>
-          <a:p>
-            <a:r>
-              <a:rPr lang="en-US" sz="1200" dirty="0">
-                <a:solidFill>
-                  <a:srgbClr val="CCCCCC"/>
-                </a:solidFill>
-                <a:latin typeface="Consolas" panose="020B0609020204030204" pitchFamily="49" charset="0"/>
-              </a:rPr>
-              <a:t>    </a:t>
-            </a:r>
-            <a:r>
-              <a:rPr lang="en-US" sz="1200" dirty="0">
-                <a:solidFill>
-                  <a:srgbClr val="808080"/>
-                </a:solidFill>
-                <a:latin typeface="Consolas" panose="020B0609020204030204" pitchFamily="49" charset="0"/>
-              </a:rPr>
-              <a:t>&lt;</a:t>
-            </a:r>
-            <a:r>
-              <a:rPr lang="en-US" sz="1200" dirty="0">
-                <a:solidFill>
-                  <a:srgbClr val="569CD6"/>
-                </a:solidFill>
-                <a:latin typeface="Consolas" panose="020B0609020204030204" pitchFamily="49" charset="0"/>
-              </a:rPr>
-              <a:t>meta</a:t>
-            </a:r>
-            <a:r>
-              <a:rPr lang="en-US" sz="1200" dirty="0">
-                <a:solidFill>
-                  <a:srgbClr val="CCCCCC"/>
-                </a:solidFill>
-                <a:latin typeface="Consolas" panose="020B0609020204030204" pitchFamily="49" charset="0"/>
-              </a:rPr>
-              <a:t> </a:t>
-            </a:r>
-            <a:r>
-              <a:rPr lang="en-US" sz="1200" dirty="0">
-                <a:solidFill>
-                  <a:srgbClr val="9CDCFE"/>
-                </a:solidFill>
-                <a:latin typeface="Consolas" panose="020B0609020204030204" pitchFamily="49" charset="0"/>
-              </a:rPr>
-              <a:t>name</a:t>
-            </a:r>
-            <a:r>
-              <a:rPr lang="en-US" sz="1200" dirty="0">
-                <a:solidFill>
-                  <a:srgbClr val="CCCCCC"/>
-                </a:solidFill>
-                <a:latin typeface="Consolas" panose="020B0609020204030204" pitchFamily="49" charset="0"/>
-              </a:rPr>
-              <a:t>=</a:t>
-            </a:r>
-            <a:r>
-              <a:rPr lang="en-US" sz="1200" dirty="0">
-                <a:solidFill>
-                  <a:srgbClr val="CE9178"/>
-                </a:solidFill>
-                <a:latin typeface="Consolas" panose="020B0609020204030204" pitchFamily="49" charset="0"/>
-              </a:rPr>
-              <a:t>"viewport"</a:t>
-            </a:r>
-            <a:r>
-              <a:rPr lang="en-US" sz="1200" dirty="0">
-                <a:solidFill>
-                  <a:srgbClr val="CCCCCC"/>
-                </a:solidFill>
-                <a:latin typeface="Consolas" panose="020B0609020204030204" pitchFamily="49" charset="0"/>
-              </a:rPr>
-              <a:t> </a:t>
-            </a:r>
-            <a:r>
-              <a:rPr lang="en-US" sz="1200" dirty="0">
-                <a:solidFill>
-                  <a:srgbClr val="9CDCFE"/>
-                </a:solidFill>
-                <a:latin typeface="Consolas" panose="020B0609020204030204" pitchFamily="49" charset="0"/>
-              </a:rPr>
-              <a:t>content</a:t>
-            </a:r>
-            <a:r>
-              <a:rPr lang="en-US" sz="1200" dirty="0">
-                <a:solidFill>
-                  <a:srgbClr val="CCCCCC"/>
-                </a:solidFill>
-                <a:latin typeface="Consolas" panose="020B0609020204030204" pitchFamily="49" charset="0"/>
-              </a:rPr>
-              <a:t>=</a:t>
-            </a:r>
-            <a:r>
-              <a:rPr lang="en-US" sz="1200" dirty="0">
-                <a:solidFill>
-                  <a:srgbClr val="CE9178"/>
-                </a:solidFill>
-                <a:latin typeface="Consolas" panose="020B0609020204030204" pitchFamily="49" charset="0"/>
-              </a:rPr>
-              <a:t>"width=device-width, initial-scale=1.0"</a:t>
-            </a:r>
-            <a:r>
-              <a:rPr lang="en-US" sz="1200" dirty="0">
-                <a:solidFill>
-                  <a:srgbClr val="808080"/>
-                </a:solidFill>
-                <a:latin typeface="Consolas" panose="020B0609020204030204" pitchFamily="49" charset="0"/>
-              </a:rPr>
-              <a:t>&gt;</a:t>
-            </a:r>
-            <a:endParaRPr lang="en-US" sz="1200" dirty="0">
-              <a:solidFill>
-                <a:srgbClr val="CCCCCC"/>
-              </a:solidFill>
-              <a:latin typeface="Consolas" panose="020B0609020204030204" pitchFamily="49" charset="0"/>
-            </a:endParaRPr>
-          </a:p>
-          <a:p>
-            <a:r>
-              <a:rPr lang="en-US" sz="1200" dirty="0">
-                <a:solidFill>
-                  <a:srgbClr val="CCCCCC"/>
-                </a:solidFill>
-                <a:latin typeface="Consolas" panose="020B0609020204030204" pitchFamily="49" charset="0"/>
-              </a:rPr>
-              <a:t>    </a:t>
-            </a:r>
-            <a:r>
-              <a:rPr lang="en-US" sz="1200" dirty="0">
-                <a:solidFill>
-                  <a:srgbClr val="808080"/>
-                </a:solidFill>
-                <a:latin typeface="Consolas" panose="020B0609020204030204" pitchFamily="49" charset="0"/>
-              </a:rPr>
-              <a:t>&lt;</a:t>
-            </a:r>
-            <a:r>
-              <a:rPr lang="en-US" sz="1200" dirty="0">
-                <a:solidFill>
-                  <a:srgbClr val="569CD6"/>
-                </a:solidFill>
-                <a:latin typeface="Consolas" panose="020B0609020204030204" pitchFamily="49" charset="0"/>
-              </a:rPr>
-              <a:t>title</a:t>
-            </a:r>
-            <a:r>
-              <a:rPr lang="en-US" sz="1200" dirty="0">
-                <a:solidFill>
-                  <a:srgbClr val="808080"/>
-                </a:solidFill>
-                <a:latin typeface="Consolas" panose="020B0609020204030204" pitchFamily="49" charset="0"/>
-              </a:rPr>
-              <a:t>&gt;</a:t>
-            </a:r>
-            <a:r>
-              <a:rPr lang="en-US" sz="1200" dirty="0">
-                <a:solidFill>
-                  <a:srgbClr val="CCCCCC"/>
-                </a:solidFill>
-                <a:latin typeface="Consolas" panose="020B0609020204030204" pitchFamily="49" charset="0"/>
-              </a:rPr>
-              <a:t>ReactJS</a:t>
-            </a:r>
-            <a:r>
-              <a:rPr lang="en-US" sz="1200" dirty="0">
-                <a:solidFill>
-                  <a:srgbClr val="808080"/>
-                </a:solidFill>
-                <a:latin typeface="Consolas" panose="020B0609020204030204" pitchFamily="49" charset="0"/>
-              </a:rPr>
-              <a:t>&lt;/</a:t>
-            </a:r>
-            <a:r>
-              <a:rPr lang="en-US" sz="1200" dirty="0">
-                <a:solidFill>
-                  <a:srgbClr val="569CD6"/>
-                </a:solidFill>
-                <a:latin typeface="Consolas" panose="020B0609020204030204" pitchFamily="49" charset="0"/>
-              </a:rPr>
-              <a:t>title</a:t>
-            </a:r>
-            <a:r>
-              <a:rPr lang="en-US" sz="1200" dirty="0">
-                <a:solidFill>
-                  <a:srgbClr val="808080"/>
-                </a:solidFill>
-                <a:latin typeface="Consolas" panose="020B0609020204030204" pitchFamily="49" charset="0"/>
-              </a:rPr>
-              <a:t>&gt;</a:t>
-            </a:r>
-            <a:endParaRPr lang="en-US" sz="1200" dirty="0">
-              <a:solidFill>
-                <a:srgbClr val="CCCCCC"/>
-              </a:solidFill>
-              <a:latin typeface="Consolas" panose="020B0609020204030204" pitchFamily="49" charset="0"/>
-            </a:endParaRPr>
-          </a:p>
-          <a:p>
-            <a:r>
-              <a:rPr lang="en-US" sz="1200" dirty="0">
-                <a:solidFill>
-                  <a:srgbClr val="CCCCCC"/>
-                </a:solidFill>
-                <a:latin typeface="Consolas" panose="020B0609020204030204" pitchFamily="49" charset="0"/>
-              </a:rPr>
-              <a:t/>
-            </a:r>
-            <a:br>
-              <a:rPr lang="en-US" sz="1200" dirty="0">
-                <a:solidFill>
-                  <a:srgbClr val="CCCCCC"/>
-                </a:solidFill>
-                <a:latin typeface="Consolas" panose="020B0609020204030204" pitchFamily="49" charset="0"/>
-              </a:rPr>
-            </a:br>
-            <a:r>
-              <a:rPr lang="en-US" sz="1200" dirty="0">
-                <a:solidFill>
-                  <a:srgbClr val="CCCCCC"/>
-                </a:solidFill>
-                <a:latin typeface="Consolas" panose="020B0609020204030204" pitchFamily="49" charset="0"/>
-              </a:rPr>
-              <a:t>    </a:t>
-            </a:r>
-            <a:r>
-              <a:rPr lang="en-US" sz="1200" dirty="0">
-                <a:solidFill>
-                  <a:srgbClr val="6A9955"/>
-                </a:solidFill>
-                <a:latin typeface="Consolas" panose="020B0609020204030204" pitchFamily="49" charset="0"/>
-              </a:rPr>
-              <a:t>&lt;!-- Load React. --&gt;</a:t>
-            </a:r>
-            <a:endParaRPr lang="en-US" sz="1200" dirty="0">
-              <a:solidFill>
-                <a:srgbClr val="CCCCCC"/>
-              </a:solidFill>
-              <a:latin typeface="Consolas" panose="020B0609020204030204" pitchFamily="49" charset="0"/>
-            </a:endParaRPr>
-          </a:p>
-          <a:p>
-            <a:r>
-              <a:rPr lang="en-US" sz="1200" dirty="0">
-                <a:solidFill>
-                  <a:srgbClr val="CCCCCC"/>
-                </a:solidFill>
-                <a:latin typeface="Consolas" panose="020B0609020204030204" pitchFamily="49" charset="0"/>
-              </a:rPr>
-              <a:t>    </a:t>
-            </a:r>
-            <a:r>
-              <a:rPr lang="en-US" sz="1200" dirty="0">
-                <a:solidFill>
-                  <a:srgbClr val="808080"/>
-                </a:solidFill>
-                <a:latin typeface="Consolas" panose="020B0609020204030204" pitchFamily="49" charset="0"/>
-              </a:rPr>
-              <a:t>&lt;</a:t>
-            </a:r>
-            <a:r>
-              <a:rPr lang="en-US" sz="1200" dirty="0">
-                <a:solidFill>
-                  <a:srgbClr val="569CD6"/>
-                </a:solidFill>
-                <a:latin typeface="Consolas" panose="020B0609020204030204" pitchFamily="49" charset="0"/>
-              </a:rPr>
-              <a:t>script</a:t>
-            </a:r>
-            <a:r>
-              <a:rPr lang="en-US" sz="1200" dirty="0">
-                <a:solidFill>
-                  <a:srgbClr val="D4D4D4"/>
-                </a:solidFill>
-                <a:latin typeface="Consolas" panose="020B0609020204030204" pitchFamily="49" charset="0"/>
-              </a:rPr>
-              <a:t> </a:t>
-            </a:r>
-            <a:r>
-              <a:rPr lang="en-US" sz="1200" dirty="0">
-                <a:solidFill>
-                  <a:srgbClr val="9CDCFE"/>
-                </a:solidFill>
-                <a:latin typeface="Consolas" panose="020B0609020204030204" pitchFamily="49" charset="0"/>
-              </a:rPr>
-              <a:t>src</a:t>
-            </a:r>
-            <a:r>
-              <a:rPr lang="en-US" sz="1200" dirty="0">
-                <a:solidFill>
-                  <a:srgbClr val="D4D4D4"/>
-                </a:solidFill>
-                <a:latin typeface="Consolas" panose="020B0609020204030204" pitchFamily="49" charset="0"/>
-              </a:rPr>
-              <a:t>=</a:t>
-            </a:r>
-            <a:r>
-              <a:rPr lang="en-US" sz="1200" dirty="0">
-                <a:solidFill>
-                  <a:srgbClr val="CE9178"/>
-                </a:solidFill>
-                <a:latin typeface="Consolas" panose="020B0609020204030204" pitchFamily="49" charset="0"/>
-              </a:rPr>
-              <a:t>"https://unpkg.com/react@18/umd/react.development.js"</a:t>
-            </a:r>
-            <a:r>
-              <a:rPr lang="en-US" sz="1200" dirty="0">
-                <a:solidFill>
-                  <a:srgbClr val="D4D4D4"/>
-                </a:solidFill>
-                <a:latin typeface="Consolas" panose="020B0609020204030204" pitchFamily="49" charset="0"/>
-              </a:rPr>
-              <a:t> </a:t>
-            </a:r>
-            <a:r>
-              <a:rPr lang="en-US" sz="1200" dirty="0">
-                <a:solidFill>
-                  <a:srgbClr val="9CDCFE"/>
-                </a:solidFill>
-                <a:latin typeface="Consolas" panose="020B0609020204030204" pitchFamily="49" charset="0"/>
-              </a:rPr>
-              <a:t>crossorigin</a:t>
-            </a:r>
-            <a:r>
-              <a:rPr lang="en-US" sz="1200" dirty="0">
-                <a:solidFill>
-                  <a:srgbClr val="808080"/>
-                </a:solidFill>
-                <a:latin typeface="Consolas" panose="020B0609020204030204" pitchFamily="49" charset="0"/>
-              </a:rPr>
-              <a:t>&gt;&lt;/</a:t>
-            </a:r>
-            <a:r>
-              <a:rPr lang="en-US" sz="1200" dirty="0">
-                <a:solidFill>
-                  <a:srgbClr val="569CD6"/>
-                </a:solidFill>
-                <a:latin typeface="Consolas" panose="020B0609020204030204" pitchFamily="49" charset="0"/>
-              </a:rPr>
-              <a:t>script</a:t>
-            </a:r>
-            <a:r>
-              <a:rPr lang="en-US" sz="1200" dirty="0">
-                <a:solidFill>
-                  <a:srgbClr val="808080"/>
-                </a:solidFill>
-                <a:latin typeface="Consolas" panose="020B0609020204030204" pitchFamily="49" charset="0"/>
-              </a:rPr>
-              <a:t>&gt;</a:t>
-            </a:r>
-            <a:endParaRPr lang="en-US" sz="1200" dirty="0">
-              <a:solidFill>
-                <a:srgbClr val="CCCCCC"/>
-              </a:solidFill>
-              <a:latin typeface="Consolas" panose="020B0609020204030204" pitchFamily="49" charset="0"/>
-            </a:endParaRPr>
-          </a:p>
-          <a:p>
-            <a:r>
-              <a:rPr lang="en-US" sz="1200" dirty="0">
-                <a:solidFill>
-                  <a:srgbClr val="CCCCCC"/>
-                </a:solidFill>
-                <a:latin typeface="Consolas" panose="020B0609020204030204" pitchFamily="49" charset="0"/>
-              </a:rPr>
-              <a:t>    </a:t>
-            </a:r>
-            <a:r>
-              <a:rPr lang="en-US" sz="1200" dirty="0">
-                <a:solidFill>
-                  <a:srgbClr val="808080"/>
-                </a:solidFill>
-                <a:latin typeface="Consolas" panose="020B0609020204030204" pitchFamily="49" charset="0"/>
-              </a:rPr>
-              <a:t>&lt;</a:t>
-            </a:r>
-            <a:r>
-              <a:rPr lang="en-US" sz="1200" dirty="0">
-                <a:solidFill>
-                  <a:srgbClr val="569CD6"/>
-                </a:solidFill>
-                <a:latin typeface="Consolas" panose="020B0609020204030204" pitchFamily="49" charset="0"/>
-              </a:rPr>
-              <a:t>script</a:t>
-            </a:r>
-            <a:r>
-              <a:rPr lang="en-US" sz="1200" dirty="0">
-                <a:solidFill>
-                  <a:srgbClr val="D4D4D4"/>
-                </a:solidFill>
-                <a:latin typeface="Consolas" panose="020B0609020204030204" pitchFamily="49" charset="0"/>
-              </a:rPr>
-              <a:t> </a:t>
-            </a:r>
-            <a:r>
-              <a:rPr lang="en-US" sz="1200" dirty="0">
-                <a:solidFill>
-                  <a:srgbClr val="9CDCFE"/>
-                </a:solidFill>
-                <a:latin typeface="Consolas" panose="020B0609020204030204" pitchFamily="49" charset="0"/>
-              </a:rPr>
-              <a:t>src</a:t>
-            </a:r>
-            <a:r>
-              <a:rPr lang="en-US" sz="1200" dirty="0">
-                <a:solidFill>
-                  <a:srgbClr val="D4D4D4"/>
-                </a:solidFill>
-                <a:latin typeface="Consolas" panose="020B0609020204030204" pitchFamily="49" charset="0"/>
-              </a:rPr>
-              <a:t>=</a:t>
-            </a:r>
-            <a:r>
-              <a:rPr lang="en-US" sz="1200" dirty="0">
-                <a:solidFill>
-                  <a:srgbClr val="CE9178"/>
-                </a:solidFill>
-                <a:latin typeface="Consolas" panose="020B0609020204030204" pitchFamily="49" charset="0"/>
-              </a:rPr>
-              <a:t>"https://unpkg.com/react-dom@18/umd/react-dom.development.js"</a:t>
-            </a:r>
-            <a:r>
-              <a:rPr lang="en-US" sz="1200" dirty="0">
-                <a:solidFill>
-                  <a:srgbClr val="D4D4D4"/>
-                </a:solidFill>
-                <a:latin typeface="Consolas" panose="020B0609020204030204" pitchFamily="49" charset="0"/>
-              </a:rPr>
-              <a:t> </a:t>
-            </a:r>
-            <a:r>
-              <a:rPr lang="en-US" sz="1200" dirty="0">
-                <a:solidFill>
-                  <a:srgbClr val="9CDCFE"/>
-                </a:solidFill>
-                <a:latin typeface="Consolas" panose="020B0609020204030204" pitchFamily="49" charset="0"/>
-              </a:rPr>
-              <a:t>crossorigin</a:t>
-            </a:r>
-            <a:r>
-              <a:rPr lang="en-US" sz="1200" dirty="0">
-                <a:solidFill>
-                  <a:srgbClr val="808080"/>
-                </a:solidFill>
-                <a:latin typeface="Consolas" panose="020B0609020204030204" pitchFamily="49" charset="0"/>
-              </a:rPr>
-              <a:t>&gt;&lt;/</a:t>
-            </a:r>
-            <a:r>
-              <a:rPr lang="en-US" sz="1200" dirty="0">
-                <a:solidFill>
-                  <a:srgbClr val="569CD6"/>
-                </a:solidFill>
-                <a:latin typeface="Consolas" panose="020B0609020204030204" pitchFamily="49" charset="0"/>
-              </a:rPr>
-              <a:t>script</a:t>
-            </a:r>
-            <a:r>
-              <a:rPr lang="en-US" sz="1200" dirty="0">
-                <a:solidFill>
-                  <a:srgbClr val="808080"/>
-                </a:solidFill>
-                <a:latin typeface="Consolas" panose="020B0609020204030204" pitchFamily="49" charset="0"/>
-              </a:rPr>
-              <a:t>&gt;</a:t>
-            </a:r>
-            <a:endParaRPr lang="en-US" sz="1200" dirty="0">
-              <a:solidFill>
-                <a:srgbClr val="CCCCCC"/>
-              </a:solidFill>
-              <a:latin typeface="Consolas" panose="020B0609020204030204" pitchFamily="49" charset="0"/>
-            </a:endParaRPr>
-          </a:p>
-          <a:p>
-            <a:r>
-              <a:rPr lang="en-US" sz="1200" dirty="0">
-                <a:solidFill>
-                  <a:srgbClr val="808080"/>
-                </a:solidFill>
-                <a:latin typeface="Consolas" panose="020B0609020204030204" pitchFamily="49" charset="0"/>
-              </a:rPr>
-              <a:t>&lt;/</a:t>
-            </a:r>
-            <a:r>
-              <a:rPr lang="en-US" sz="1200" dirty="0">
-                <a:solidFill>
-                  <a:srgbClr val="569CD6"/>
-                </a:solidFill>
-                <a:latin typeface="Consolas" panose="020B0609020204030204" pitchFamily="49" charset="0"/>
-              </a:rPr>
-              <a:t>head</a:t>
-            </a:r>
-            <a:r>
-              <a:rPr lang="en-US" sz="1200" dirty="0">
-                <a:solidFill>
-                  <a:srgbClr val="808080"/>
-                </a:solidFill>
-                <a:latin typeface="Consolas" panose="020B0609020204030204" pitchFamily="49" charset="0"/>
-              </a:rPr>
-              <a:t>&gt;</a:t>
-            </a:r>
-            <a:endParaRPr lang="en-US" sz="1200" b="0" dirty="0">
-              <a:solidFill>
-                <a:srgbClr val="CCCCCC"/>
-              </a:solidFill>
-              <a:effectLst/>
-              <a:latin typeface="Consolas" panose="020B0609020204030204" pitchFamily="49" charset="0"/>
+          <a:p>
+            <a:pPr lvl="1"/>
+            <a:endParaRPr lang="vi-VN" dirty="0">
+              <a:latin typeface="Tahoma" panose="020B0604030504040204" pitchFamily="34" charset="0"/>
+              <a:ea typeface="Tahoma" panose="020B0604030504040204" pitchFamily="34" charset="0"/>
+              <a:cs typeface="Tahoma" panose="020B0604030504040204" pitchFamily="34" charset="0"/>
             </a:endParaRPr>
           </a:p>
         </p:txBody>
@@ -4029,7 +3454,7 @@
     </p:spTree>
     <p:extLst>
       <p:ext uri="{BB962C8B-B14F-4D97-AF65-F5344CB8AC3E}">
-        <p14:creationId xmlns:p14="http://schemas.microsoft.com/office/powerpoint/2010/main" val="637765585"/>
+        <p14:creationId xmlns:p14="http://schemas.microsoft.com/office/powerpoint/2010/main" val="2599174602"/>
       </p:ext>
     </p:extLst>
   </p:cSld>
@@ -4108,90 +3533,71 @@
           <a:p>
             <a:pPr lvl="1"/>
             <a:r>
-              <a:rPr lang="vi-VN" dirty="0">
-                <a:latin typeface="+mj-lt"/>
+              <a:rPr lang="en-US" dirty="0">
+                <a:latin typeface="Tahoma" panose="020B0604030504040204" pitchFamily="34" charset="0"/>
                 <a:ea typeface="Tahoma" panose="020B0604030504040204" pitchFamily="34" charset="0"/>
                 <a:cs typeface="Tahoma" panose="020B0604030504040204" pitchFamily="34" charset="0"/>
               </a:rPr>
-              <a:t>Có 2 file js là react và react-dom</a:t>
-            </a:r>
-          </a:p>
-          <a:p>
-            <a:pPr lvl="1"/>
-            <a:r>
-              <a:rPr lang="vi-VN" dirty="0">
-                <a:latin typeface="+mj-lt"/>
+              <a:t>=&gt; Tại sao không gộp chung</a:t>
+            </a:r>
+            <a:r>
+              <a:rPr lang="en-US" dirty="0" smtClean="0">
+                <a:latin typeface="Tahoma" panose="020B0604030504040204" pitchFamily="34" charset="0"/>
                 <a:ea typeface="Tahoma" panose="020B0604030504040204" pitchFamily="34" charset="0"/>
                 <a:cs typeface="Tahoma" panose="020B0604030504040204" pitchFamily="34" charset="0"/>
               </a:rPr>
-              <a:t>Có thể hiểu cơ bản react dùng để tạo các </a:t>
-            </a:r>
-            <a:r>
-              <a:rPr lang="vi-VN" dirty="0" smtClean="0">
-                <a:latin typeface="+mj-lt"/>
+              <a:t>???</a:t>
+            </a:r>
+          </a:p>
+          <a:p>
+            <a:pPr lvl="2"/>
+            <a:r>
+              <a:rPr lang="en-US" dirty="0" smtClean="0">
+                <a:latin typeface="Tahoma" panose="020B0604030504040204" pitchFamily="34" charset="0"/>
                 <a:ea typeface="Tahoma" panose="020B0604030504040204" pitchFamily="34" charset="0"/>
                 <a:cs typeface="Tahoma" panose="020B0604030504040204" pitchFamily="34" charset="0"/>
               </a:rPr>
-              <a:t>element</a:t>
-            </a:r>
-            <a:r>
-              <a:rPr lang="en-US" dirty="0" smtClean="0">
-                <a:latin typeface="+mj-lt"/>
+              <a:t>Trước version </a:t>
+            </a:r>
+            <a:r>
+              <a:rPr lang="vi-VN" dirty="0" smtClean="0">
+                <a:latin typeface="Tahoma" panose="020B0604030504040204" pitchFamily="34" charset="0"/>
                 <a:ea typeface="Tahoma" panose="020B0604030504040204" pitchFamily="34" charset="0"/>
                 <a:cs typeface="Tahoma" panose="020B0604030504040204" pitchFamily="34" charset="0"/>
               </a:rPr>
-              <a:t> (Chỉ tạo, không thể render được lên màn hình)</a:t>
-            </a:r>
-          </a:p>
-          <a:p>
-            <a:pPr lvl="1"/>
+              <a:t>v0.14</a:t>
+            </a:r>
             <a:r>
               <a:rPr lang="en-US" dirty="0" smtClean="0">
-                <a:latin typeface="+mj-lt"/>
+                <a:latin typeface="Tahoma" panose="020B0604030504040204" pitchFamily="34" charset="0"/>
                 <a:ea typeface="Tahoma" panose="020B0604030504040204" pitchFamily="34" charset="0"/>
                 <a:cs typeface="Tahoma" panose="020B0604030504040204" pitchFamily="34" charset="0"/>
               </a:rPr>
-              <a:t>Còn react-dom là cầu nối giữa react và dom, giúp render element vào dom</a:t>
-            </a:r>
-          </a:p>
-          <a:p>
-            <a:pPr lvl="1"/>
-            <a:endParaRPr lang="en-US" dirty="0">
-              <a:latin typeface="+mj-lt"/>
+              <a:t> thì 2 thằng này nằm chung trong react thôi, nhưng sau này xuất hiện thêm thằng react native dùng cho các thiết bị di động</a:t>
+            </a:r>
+          </a:p>
+          <a:p>
+            <a:pPr lvl="2"/>
+            <a:r>
+              <a:rPr lang="en-US" dirty="0" smtClean="0">
+                <a:latin typeface="Tahoma" panose="020B0604030504040204" pitchFamily="34" charset="0"/>
+                <a:ea typeface="Tahoma" panose="020B0604030504040204" pitchFamily="34" charset="0"/>
+                <a:cs typeface="Tahoma" panose="020B0604030504040204" pitchFamily="34" charset="0"/>
+              </a:rPr>
+              <a:t>Cho nên mới tách thành react và react dom</a:t>
+            </a:r>
+            <a:endParaRPr lang="vi-VN" dirty="0">
+              <a:latin typeface="Tahoma" panose="020B0604030504040204" pitchFamily="34" charset="0"/>
               <a:ea typeface="Tahoma" panose="020B0604030504040204" pitchFamily="34" charset="0"/>
               <a:cs typeface="Tahoma" panose="020B0604030504040204" pitchFamily="34" charset="0"/>
             </a:endParaRPr>
           </a:p>
-          <a:p>
-            <a:pPr lvl="1"/>
-            <a:r>
-              <a:rPr lang="en-US" dirty="0" smtClean="0">
-                <a:latin typeface="+mj-lt"/>
-                <a:ea typeface="Tahoma" panose="020B0604030504040204" pitchFamily="34" charset="0"/>
-                <a:cs typeface="Tahoma" panose="020B0604030504040204" pitchFamily="34" charset="0"/>
-              </a:rPr>
-              <a:t>=&gt; Tại sao không gộp chung???</a:t>
-            </a:r>
-            <a:endParaRPr lang="vi-VN" dirty="0">
-              <a:latin typeface="+mj-lt"/>
-              <a:ea typeface="Tahoma" panose="020B0604030504040204" pitchFamily="34" charset="0"/>
-              <a:cs typeface="Tahoma" panose="020B0604030504040204" pitchFamily="34" charset="0"/>
-            </a:endParaRPr>
-          </a:p>
-          <a:p>
-            <a:pPr lvl="1"/>
-            <a:endParaRPr lang="vi-VN" dirty="0">
-              <a:latin typeface="+mj-lt"/>
-              <a:ea typeface="Tahoma" panose="020B0604030504040204" pitchFamily="34" charset="0"/>
-              <a:cs typeface="Tahoma" panose="020B0604030504040204" pitchFamily="34" charset="0"/>
-            </a:endParaRPr>
-          </a:p>
         </p:txBody>
       </p:sp>
     </p:spTree>
     <p:extLst>
       <p:ext uri="{BB962C8B-B14F-4D97-AF65-F5344CB8AC3E}">
-        <p14:creationId xmlns:p14="http://schemas.microsoft.com/office/powerpoint/2010/main" val="2599174602"/>
+        <p14:creationId xmlns:p14="http://schemas.microsoft.com/office/powerpoint/2010/main" val="637196531"/>
       </p:ext>
     </p:extLst>
   </p:cSld>
@@ -4236,12 +3642,119 @@
           <a:lstStyle/>
           <a:p>
             <a:r>
+              <a:rPr lang="en-US" dirty="0">
+                <a:latin typeface="Tahoma" panose="020B0604030504040204" pitchFamily="34" charset="0"/>
+                <a:ea typeface="Tahoma" panose="020B0604030504040204" pitchFamily="34" charset="0"/>
+                <a:cs typeface="Tahoma" panose="020B0604030504040204" pitchFamily="34" charset="0"/>
+              </a:rPr>
+              <a:t>React.createElement()</a:t>
+            </a:r>
+          </a:p>
+        </p:txBody>
+      </p:sp>
+      <p:sp>
+        <p:nvSpPr>
+          <p:cNvPr id="3" name="Content Placeholder 2"/>
+          <p:cNvSpPr>
+            <a:spLocks noGrp="1"/>
+          </p:cNvSpPr>
+          <p:nvPr>
+            <p:ph idx="1"/>
+          </p:nvPr>
+        </p:nvSpPr>
+        <p:spPr/>
+        <p:txBody>
+          <a:bodyPr>
+            <a:normAutofit/>
+          </a:bodyPr>
+          <a:lstStyle/>
+          <a:p>
+            <a:r>
+              <a:rPr lang="vi-VN" dirty="0">
+                <a:ea typeface="Tahoma" panose="020B0604030504040204" pitchFamily="34" charset="0"/>
+                <a:cs typeface="Tahoma" panose="020B0604030504040204" pitchFamily="34" charset="0"/>
+                <a:hlinkClick r:id="rId2"/>
+              </a:rPr>
+              <a:t>https://</a:t>
+            </a:r>
+            <a:r>
+              <a:rPr lang="vi-VN" dirty="0" smtClean="0">
+                <a:ea typeface="Tahoma" panose="020B0604030504040204" pitchFamily="34" charset="0"/>
+                <a:cs typeface="Tahoma" panose="020B0604030504040204" pitchFamily="34" charset="0"/>
+                <a:hlinkClick r:id="rId2"/>
+              </a:rPr>
+              <a:t>react.dev/reference/react/createElement</a:t>
+            </a:r>
+            <a:endParaRPr lang="en-US" dirty="0" smtClean="0">
+              <a:ea typeface="Tahoma" panose="020B0604030504040204" pitchFamily="34" charset="0"/>
+              <a:cs typeface="Tahoma" panose="020B0604030504040204" pitchFamily="34" charset="0"/>
+            </a:endParaRPr>
+          </a:p>
+          <a:p>
+            <a:r>
+              <a:rPr lang="en-US" dirty="0">
+                <a:latin typeface="Tahoma" panose="020B0604030504040204" pitchFamily="34" charset="0"/>
+                <a:ea typeface="Tahoma" panose="020B0604030504040204" pitchFamily="34" charset="0"/>
+                <a:cs typeface="Tahoma" panose="020B0604030504040204" pitchFamily="34" charset="0"/>
+              </a:rPr>
+              <a:t>const element = createElement(type, props, ...children</a:t>
+            </a:r>
+            <a:r>
               <a:rPr lang="en-US" dirty="0" smtClean="0">
                 <a:latin typeface="Tahoma" panose="020B0604030504040204" pitchFamily="34" charset="0"/>
                 <a:ea typeface="Tahoma" panose="020B0604030504040204" pitchFamily="34" charset="0"/>
                 <a:cs typeface="Tahoma" panose="020B0604030504040204" pitchFamily="34" charset="0"/>
               </a:rPr>
-              <a:t>Add react to a website</a:t>
+              <a:t>)</a:t>
+            </a:r>
+          </a:p>
+          <a:p>
+            <a:pPr lvl="1"/>
+            <a:r>
+              <a:rPr lang="en-US" dirty="0" smtClean="0">
+                <a:latin typeface="Tahoma" panose="020B0604030504040204" pitchFamily="34" charset="0"/>
+                <a:ea typeface="Tahoma" panose="020B0604030504040204" pitchFamily="34" charset="0"/>
+                <a:cs typeface="Tahoma" panose="020B0604030504040204" pitchFamily="34" charset="0"/>
+              </a:rPr>
+              <a:t>type: Là tag name như ‘div’ ‘span’... hoặc React component (function, class...)</a:t>
+            </a:r>
+          </a:p>
+          <a:p>
+            <a:pPr lvl="1"/>
+            <a:r>
+              <a:rPr lang="en-US" dirty="0" smtClean="0">
+                <a:latin typeface="Tahoma" panose="020B0604030504040204" pitchFamily="34" charset="0"/>
+                <a:ea typeface="Tahoma" panose="020B0604030504040204" pitchFamily="34" charset="0"/>
+                <a:cs typeface="Tahoma" panose="020B0604030504040204" pitchFamily="34" charset="0"/>
+              </a:rPr>
+              <a:t>props: Là null hoặc object</a:t>
+            </a:r>
+          </a:p>
+          <a:p>
+            <a:pPr lvl="1"/>
+            <a:r>
+              <a:rPr lang="en-US" dirty="0" smtClean="0">
+                <a:latin typeface="Tahoma" panose="020B0604030504040204" pitchFamily="34" charset="0"/>
+                <a:ea typeface="Tahoma" panose="020B0604030504040204" pitchFamily="34" charset="0"/>
+                <a:cs typeface="Tahoma" panose="020B0604030504040204" pitchFamily="34" charset="0"/>
+              </a:rPr>
+              <a:t>Optional ...children: Nó có thể là React elements, string, number.... </a:t>
+            </a:r>
+            <a:r>
+              <a:rPr lang="en-US" dirty="0">
+                <a:latin typeface="Tahoma" panose="020B0604030504040204" pitchFamily="34" charset="0"/>
+                <a:ea typeface="Tahoma" panose="020B0604030504040204" pitchFamily="34" charset="0"/>
+                <a:cs typeface="Tahoma" panose="020B0604030504040204" pitchFamily="34" charset="0"/>
+              </a:rPr>
+              <a:t>n</a:t>
+            </a:r>
+            <a:r>
+              <a:rPr lang="en-US" dirty="0" smtClean="0">
+                <a:latin typeface="Tahoma" panose="020B0604030504040204" pitchFamily="34" charset="0"/>
+                <a:ea typeface="Tahoma" panose="020B0604030504040204" pitchFamily="34" charset="0"/>
+                <a:cs typeface="Tahoma" panose="020B0604030504040204" pitchFamily="34" charset="0"/>
+              </a:rPr>
+              <a:t>ằm giữa thẻ tag</a:t>
             </a:r>
             <a:endParaRPr lang="en-US" dirty="0">
               <a:latin typeface="Tahoma" panose="020B0604030504040204" pitchFamily="34" charset="0"/>
@@ -4251,93 +3764,10 @@
           </a:p>
         </p:txBody>
       </p:sp>
-      <p:sp>
-        <p:nvSpPr>
-          <p:cNvPr id="3" name="Content Placeholder 2"/>
-          <p:cNvSpPr>
-            <a:spLocks noGrp="1"/>
-          </p:cNvSpPr>
-          <p:nvPr>
-            <p:ph idx="1"/>
-          </p:nvPr>
-        </p:nvSpPr>
-        <p:spPr/>
-        <p:txBody>
-          <a:bodyPr>
-            <a:normAutofit/>
-          </a:bodyPr>
-          <a:lstStyle/>
-          <a:p>
-            <a:pPr lvl="1"/>
-            <a:r>
-              <a:rPr lang="en-US" dirty="0">
-                <a:ea typeface="Tahoma" panose="020B0604030504040204" pitchFamily="34" charset="0"/>
-                <a:cs typeface="Tahoma" panose="020B0604030504040204" pitchFamily="34" charset="0"/>
-              </a:rPr>
-              <a:t>=&gt; Tại sao không gộp chung</a:t>
-            </a:r>
-            <a:r>
-              <a:rPr lang="en-US" dirty="0" smtClean="0">
-                <a:ea typeface="Tahoma" panose="020B0604030504040204" pitchFamily="34" charset="0"/>
-                <a:cs typeface="Tahoma" panose="020B0604030504040204" pitchFamily="34" charset="0"/>
-              </a:rPr>
-              <a:t>???</a:t>
-            </a:r>
-            <a:endParaRPr lang="en-US" dirty="0" smtClean="0">
-              <a:latin typeface="Tahoma" panose="020B0604030504040204" pitchFamily="34" charset="0"/>
-              <a:ea typeface="Tahoma" panose="020B0604030504040204" pitchFamily="34" charset="0"/>
-              <a:cs typeface="Tahoma" panose="020B0604030504040204" pitchFamily="34" charset="0"/>
-            </a:endParaRPr>
-          </a:p>
-          <a:p>
-            <a:pPr lvl="2"/>
-            <a:r>
-              <a:rPr lang="en-US" dirty="0" smtClean="0">
-                <a:latin typeface="Tahoma" panose="020B0604030504040204" pitchFamily="34" charset="0"/>
-                <a:ea typeface="Tahoma" panose="020B0604030504040204" pitchFamily="34" charset="0"/>
-                <a:cs typeface="Tahoma" panose="020B0604030504040204" pitchFamily="34" charset="0"/>
-              </a:rPr>
-              <a:t>Trước version </a:t>
-            </a:r>
-            <a:r>
-              <a:rPr lang="vi-VN" dirty="0" smtClean="0">
-                <a:latin typeface="Tahoma" panose="020B0604030504040204" pitchFamily="34" charset="0"/>
-                <a:ea typeface="Tahoma" panose="020B0604030504040204" pitchFamily="34" charset="0"/>
-                <a:cs typeface="Tahoma" panose="020B0604030504040204" pitchFamily="34" charset="0"/>
-              </a:rPr>
-              <a:t>v0.14</a:t>
-            </a:r>
-            <a:r>
-              <a:rPr lang="en-US" dirty="0" smtClean="0">
-                <a:latin typeface="Tahoma" panose="020B0604030504040204" pitchFamily="34" charset="0"/>
-                <a:ea typeface="Tahoma" panose="020B0604030504040204" pitchFamily="34" charset="0"/>
-                <a:cs typeface="Tahoma" panose="020B0604030504040204" pitchFamily="34" charset="0"/>
-              </a:rPr>
-              <a:t> thì 2 thằng này nằm chung trong react thôi, nhưng sau này xuất hiện thêm thằng react native dùng cho các thiết bị di động</a:t>
-            </a:r>
-          </a:p>
-          <a:p>
-            <a:pPr lvl="2"/>
-            <a:r>
-              <a:rPr lang="en-US" dirty="0" smtClean="0">
-                <a:latin typeface="Tahoma" panose="020B0604030504040204" pitchFamily="34" charset="0"/>
-                <a:ea typeface="Tahoma" panose="020B0604030504040204" pitchFamily="34" charset="0"/>
-                <a:cs typeface="Tahoma" panose="020B0604030504040204" pitchFamily="34" charset="0"/>
-              </a:rPr>
-              <a:t>Cho nên mới tách thành react và react dom</a:t>
-            </a:r>
-            <a:endParaRPr lang="vi-VN" dirty="0">
-              <a:latin typeface="Tahoma" panose="020B0604030504040204" pitchFamily="34" charset="0"/>
-              <a:ea typeface="Tahoma" panose="020B0604030504040204" pitchFamily="34" charset="0"/>
-              <a:cs typeface="Tahoma" panose="020B0604030504040204" pitchFamily="34" charset="0"/>
-            </a:endParaRPr>
-          </a:p>
-        </p:txBody>
-      </p:sp>
     </p:spTree>
     <p:extLst>
       <p:ext uri="{BB962C8B-B14F-4D97-AF65-F5344CB8AC3E}">
-        <p14:creationId xmlns:p14="http://schemas.microsoft.com/office/powerpoint/2010/main" val="637196531"/>
+        <p14:creationId xmlns:p14="http://schemas.microsoft.com/office/powerpoint/2010/main" val="2583380370"/>
       </p:ext>
     </p:extLst>
   </p:cSld>
@@ -4410,93 +3840,16 @@
           <a:lstStyle/>
           <a:p>
             <a:r>
-              <a:rPr lang="vi-VN" dirty="0">
-                <a:ea typeface="Tahoma" panose="020B0604030504040204" pitchFamily="34" charset="0"/>
-                <a:cs typeface="Tahoma" panose="020B0604030504040204" pitchFamily="34" charset="0"/>
-                <a:hlinkClick r:id="rId2"/>
-              </a:rPr>
-              <a:t>https://</a:t>
-            </a:r>
-            <a:r>
-              <a:rPr lang="vi-VN" dirty="0" smtClean="0">
-                <a:ea typeface="Tahoma" panose="020B0604030504040204" pitchFamily="34" charset="0"/>
-                <a:cs typeface="Tahoma" panose="020B0604030504040204" pitchFamily="34" charset="0"/>
-                <a:hlinkClick r:id="rId2"/>
-              </a:rPr>
-              <a:t>react.dev/reference/react/createElement</a:t>
-            </a:r>
-            <a:endParaRPr lang="en-US" dirty="0" smtClean="0">
-              <a:ea typeface="Tahoma" panose="020B0604030504040204" pitchFamily="34" charset="0"/>
-              <a:cs typeface="Tahoma" panose="020B0604030504040204" pitchFamily="34" charset="0"/>
-            </a:endParaRPr>
-          </a:p>
-          <a:p>
-            <a:r>
-              <a:rPr lang="en-US" dirty="0">
-                <a:latin typeface="Tahoma" panose="020B0604030504040204" pitchFamily="34" charset="0"/>
-                <a:ea typeface="Tahoma" panose="020B0604030504040204" pitchFamily="34" charset="0"/>
-                <a:cs typeface="Tahoma" panose="020B0604030504040204" pitchFamily="34" charset="0"/>
-              </a:rPr>
-              <a:t>const element = createElement(type, props, ...children</a:t>
-            </a:r>
-            <a:r>
               <a:rPr lang="en-US" dirty="0" smtClean="0">
                 <a:latin typeface="Tahoma" panose="020B0604030504040204" pitchFamily="34" charset="0"/>
                 <a:ea typeface="Tahoma" panose="020B0604030504040204" pitchFamily="34" charset="0"/>
                 <a:cs typeface="Tahoma" panose="020B0604030504040204" pitchFamily="34" charset="0"/>
               </a:rPr>
-              <a:t>)</a:t>
-            </a:r>
-          </a:p>
-          <a:p>
-            <a:pPr lvl="1"/>
-            <a:r>
-              <a:rPr lang="en-US" dirty="0" smtClean="0">
-                <a:latin typeface="Tahoma" panose="020B0604030504040204" pitchFamily="34" charset="0"/>
-                <a:ea typeface="Tahoma" panose="020B0604030504040204" pitchFamily="34" charset="0"/>
-                <a:cs typeface="Tahoma" panose="020B0604030504040204" pitchFamily="34" charset="0"/>
-              </a:rPr>
-              <a:t>type: Là tag name như ‘div’ ‘span’... hoặc React component (function, class...)</a:t>
-            </a:r>
-          </a:p>
-          <a:p>
-            <a:pPr lvl="1"/>
-            <a:r>
-              <a:rPr lang="en-US" dirty="0" smtClean="0">
-                <a:latin typeface="Tahoma" panose="020B0604030504040204" pitchFamily="34" charset="0"/>
-                <a:ea typeface="Tahoma" panose="020B0604030504040204" pitchFamily="34" charset="0"/>
-                <a:cs typeface="Tahoma" panose="020B0604030504040204" pitchFamily="34" charset="0"/>
-              </a:rPr>
-              <a:t>props: Là null hoặc object</a:t>
-            </a:r>
-          </a:p>
-          <a:p>
-            <a:pPr lvl="1"/>
-            <a:r>
-              <a:rPr lang="en-US" dirty="0" smtClean="0">
-                <a:latin typeface="Tahoma" panose="020B0604030504040204" pitchFamily="34" charset="0"/>
-                <a:ea typeface="Tahoma" panose="020B0604030504040204" pitchFamily="34" charset="0"/>
-                <a:cs typeface="Tahoma" panose="020B0604030504040204" pitchFamily="34" charset="0"/>
-              </a:rPr>
-              <a:t>Optional ...children: Nó có thể là React elements, string, number.... </a:t>
-            </a:r>
-            <a:r>
-              <a:rPr lang="en-US" dirty="0">
-                <a:latin typeface="Tahoma" panose="020B0604030504040204" pitchFamily="34" charset="0"/>
-                <a:ea typeface="Tahoma" panose="020B0604030504040204" pitchFamily="34" charset="0"/>
-                <a:cs typeface="Tahoma" panose="020B0604030504040204" pitchFamily="34" charset="0"/>
-              </a:rPr>
-              <a:t>n</a:t>
-            </a:r>
-            <a:r>
-              <a:rPr lang="en-US" dirty="0" smtClean="0">
-                <a:latin typeface="Tahoma" panose="020B0604030504040204" pitchFamily="34" charset="0"/>
-                <a:ea typeface="Tahoma" panose="020B0604030504040204" pitchFamily="34" charset="0"/>
-                <a:cs typeface="Tahoma" panose="020B0604030504040204" pitchFamily="34" charset="0"/>
-              </a:rPr>
-              <a:t>ằm giữa thẻ tag</a:t>
-            </a:r>
-            <a:endParaRPr lang="en-US" dirty="0">
+              <a:t>Với nội dung tương tự khi create element bằng js</a:t>
+            </a:r>
+          </a:p>
+          <a:p>
+            <a:endParaRPr lang="vi-VN" dirty="0">
               <a:latin typeface="Tahoma" panose="020B0604030504040204" pitchFamily="34" charset="0"/>
               <a:ea typeface="Tahoma" panose="020B0604030504040204" pitchFamily="34" charset="0"/>
               <a:cs typeface="Tahoma" panose="020B0604030504040204" pitchFamily="34" charset="0"/>
@@ -4504,10 +3857,621 @@
           </a:p>
         </p:txBody>
       </p:sp>
+      <p:sp>
+        <p:nvSpPr>
+          <p:cNvPr id="4" name="Rectangle 3"/>
+          <p:cNvSpPr/>
+          <p:nvPr/>
+        </p:nvSpPr>
+        <p:spPr>
+          <a:xfrm>
+            <a:off x="3048000" y="3307853"/>
+            <a:ext cx="6096000" cy="1815882"/>
+          </a:xfrm>
+          <a:prstGeom prst="rect">
+            <a:avLst/>
+          </a:prstGeom>
+          <a:solidFill>
+            <a:schemeClr val="tx1"/>
+          </a:solidFill>
+        </p:spPr>
+        <p:txBody>
+          <a:bodyPr>
+            <a:spAutoFit/>
+          </a:bodyPr>
+          <a:lstStyle/>
+          <a:p>
+            <a:r>
+              <a:rPr lang="en-US" sz="1400" dirty="0" smtClean="0">
+                <a:solidFill>
+                  <a:srgbClr val="CCCCCC"/>
+                </a:solidFill>
+                <a:latin typeface="Consolas" panose="020B0609020204030204" pitchFamily="49" charset="0"/>
+              </a:rPr>
+              <a:t>    </a:t>
+            </a:r>
+            <a:r>
+              <a:rPr lang="en-US" sz="1400" dirty="0" smtClean="0">
+                <a:solidFill>
+                  <a:srgbClr val="808080"/>
+                </a:solidFill>
+                <a:latin typeface="Consolas" panose="020B0609020204030204" pitchFamily="49" charset="0"/>
+              </a:rPr>
+              <a:t>&lt;</a:t>
+            </a:r>
+            <a:r>
+              <a:rPr lang="en-US" sz="1400" dirty="0">
+                <a:solidFill>
+                  <a:srgbClr val="569CD6"/>
+                </a:solidFill>
+                <a:latin typeface="Consolas" panose="020B0609020204030204" pitchFamily="49" charset="0"/>
+              </a:rPr>
+              <a:t>script</a:t>
+            </a:r>
+            <a:r>
+              <a:rPr lang="en-US" sz="1400" dirty="0">
+                <a:solidFill>
+                  <a:srgbClr val="808080"/>
+                </a:solidFill>
+                <a:latin typeface="Consolas" panose="020B0609020204030204" pitchFamily="49" charset="0"/>
+              </a:rPr>
+              <a:t>&gt;</a:t>
+            </a:r>
+            <a:endParaRPr lang="en-US" sz="1400" dirty="0">
+              <a:solidFill>
+                <a:srgbClr val="CCCCCC"/>
+              </a:solidFill>
+              <a:latin typeface="Consolas" panose="020B0609020204030204" pitchFamily="49" charset="0"/>
+            </a:endParaRPr>
+          </a:p>
+          <a:p>
+            <a:r>
+              <a:rPr lang="en-US" sz="1400" dirty="0">
+                <a:solidFill>
+                  <a:srgbClr val="D4D4D4"/>
+                </a:solidFill>
+                <a:latin typeface="Consolas" panose="020B0609020204030204" pitchFamily="49" charset="0"/>
+              </a:rPr>
+              <a:t>        </a:t>
+            </a:r>
+            <a:r>
+              <a:rPr lang="en-US" sz="1400" dirty="0">
+                <a:solidFill>
+                  <a:srgbClr val="569CD6"/>
+                </a:solidFill>
+                <a:latin typeface="Consolas" panose="020B0609020204030204" pitchFamily="49" charset="0"/>
+              </a:rPr>
+              <a:t>const</a:t>
+            </a:r>
+            <a:r>
+              <a:rPr lang="en-US" sz="1400" dirty="0">
+                <a:solidFill>
+                  <a:srgbClr val="D4D4D4"/>
+                </a:solidFill>
+                <a:latin typeface="Consolas" panose="020B0609020204030204" pitchFamily="49" charset="0"/>
+              </a:rPr>
+              <a:t> </a:t>
+            </a:r>
+            <a:r>
+              <a:rPr lang="en-US" sz="1400" dirty="0">
+                <a:solidFill>
+                  <a:srgbClr val="4FC1FF"/>
+                </a:solidFill>
+                <a:latin typeface="Consolas" panose="020B0609020204030204" pitchFamily="49" charset="0"/>
+              </a:rPr>
+              <a:t>main</a:t>
+            </a:r>
+            <a:r>
+              <a:rPr lang="en-US" sz="1400" dirty="0">
+                <a:solidFill>
+                  <a:srgbClr val="D4D4D4"/>
+                </a:solidFill>
+                <a:latin typeface="Consolas" panose="020B0609020204030204" pitchFamily="49" charset="0"/>
+              </a:rPr>
+              <a:t> = </a:t>
+            </a:r>
+            <a:r>
+              <a:rPr lang="en-US" sz="1400" dirty="0">
+                <a:solidFill>
+                  <a:srgbClr val="9CDCFE"/>
+                </a:solidFill>
+                <a:latin typeface="Consolas" panose="020B0609020204030204" pitchFamily="49" charset="0"/>
+              </a:rPr>
+              <a:t>document</a:t>
+            </a:r>
+            <a:r>
+              <a:rPr lang="en-US" sz="1400" dirty="0">
+                <a:solidFill>
+                  <a:srgbClr val="D4D4D4"/>
+                </a:solidFill>
+                <a:latin typeface="Consolas" panose="020B0609020204030204" pitchFamily="49" charset="0"/>
+              </a:rPr>
+              <a:t>.</a:t>
+            </a:r>
+            <a:r>
+              <a:rPr lang="en-US" sz="1400" dirty="0">
+                <a:solidFill>
+                  <a:srgbClr val="DCDCAA"/>
+                </a:solidFill>
+                <a:latin typeface="Consolas" panose="020B0609020204030204" pitchFamily="49" charset="0"/>
+              </a:rPr>
+              <a:t>getElementById</a:t>
+            </a:r>
+            <a:r>
+              <a:rPr lang="en-US" sz="1400" dirty="0">
+                <a:solidFill>
+                  <a:srgbClr val="D4D4D4"/>
+                </a:solidFill>
+                <a:latin typeface="Consolas" panose="020B0609020204030204" pitchFamily="49" charset="0"/>
+              </a:rPr>
+              <a:t>(</a:t>
+            </a:r>
+            <a:r>
+              <a:rPr lang="en-US" sz="1400" dirty="0">
+                <a:solidFill>
+                  <a:srgbClr val="CE9178"/>
+                </a:solidFill>
+                <a:latin typeface="Consolas" panose="020B0609020204030204" pitchFamily="49" charset="0"/>
+              </a:rPr>
+              <a:t>"main"</a:t>
+            </a:r>
+            <a:r>
+              <a:rPr lang="en-US" sz="1400" dirty="0">
+                <a:solidFill>
+                  <a:srgbClr val="D4D4D4"/>
+                </a:solidFill>
+                <a:latin typeface="Consolas" panose="020B0609020204030204" pitchFamily="49" charset="0"/>
+              </a:rPr>
+              <a:t>);</a:t>
+            </a:r>
+            <a:endParaRPr lang="en-US" sz="1400" dirty="0">
+              <a:solidFill>
+                <a:srgbClr val="CCCCCC"/>
+              </a:solidFill>
+              <a:latin typeface="Consolas" panose="020B0609020204030204" pitchFamily="49" charset="0"/>
+            </a:endParaRPr>
+          </a:p>
+          <a:p>
+            <a:r>
+              <a:rPr lang="en-US" sz="1400" dirty="0">
+                <a:solidFill>
+                  <a:srgbClr val="D4D4D4"/>
+                </a:solidFill>
+                <a:latin typeface="Consolas" panose="020B0609020204030204" pitchFamily="49" charset="0"/>
+              </a:rPr>
+              <a:t>        </a:t>
+            </a:r>
+            <a:r>
+              <a:rPr lang="en-US" sz="1400" dirty="0">
+                <a:solidFill>
+                  <a:srgbClr val="569CD6"/>
+                </a:solidFill>
+                <a:latin typeface="Consolas" panose="020B0609020204030204" pitchFamily="49" charset="0"/>
+              </a:rPr>
+              <a:t>const</a:t>
+            </a:r>
+            <a:r>
+              <a:rPr lang="en-US" sz="1400" dirty="0">
+                <a:solidFill>
+                  <a:srgbClr val="D4D4D4"/>
+                </a:solidFill>
+                <a:latin typeface="Consolas" panose="020B0609020204030204" pitchFamily="49" charset="0"/>
+              </a:rPr>
+              <a:t> </a:t>
+            </a:r>
+            <a:r>
+              <a:rPr lang="en-US" sz="1400" dirty="0">
+                <a:solidFill>
+                  <a:srgbClr val="4FC1FF"/>
+                </a:solidFill>
+                <a:latin typeface="Consolas" panose="020B0609020204030204" pitchFamily="49" charset="0"/>
+              </a:rPr>
+              <a:t>h1</a:t>
+            </a:r>
+            <a:r>
+              <a:rPr lang="en-US" sz="1400" dirty="0">
+                <a:solidFill>
+                  <a:srgbClr val="D4D4D4"/>
+                </a:solidFill>
+                <a:latin typeface="Consolas" panose="020B0609020204030204" pitchFamily="49" charset="0"/>
+              </a:rPr>
+              <a:t> = </a:t>
+            </a:r>
+            <a:r>
+              <a:rPr lang="en-US" sz="1400" dirty="0">
+                <a:solidFill>
+                  <a:srgbClr val="9CDCFE"/>
+                </a:solidFill>
+                <a:latin typeface="Consolas" panose="020B0609020204030204" pitchFamily="49" charset="0"/>
+              </a:rPr>
+              <a:t>document</a:t>
+            </a:r>
+            <a:r>
+              <a:rPr lang="en-US" sz="1400" dirty="0">
+                <a:solidFill>
+                  <a:srgbClr val="D4D4D4"/>
+                </a:solidFill>
+                <a:latin typeface="Consolas" panose="020B0609020204030204" pitchFamily="49" charset="0"/>
+              </a:rPr>
+              <a:t>.</a:t>
+            </a:r>
+            <a:r>
+              <a:rPr lang="en-US" sz="1400" dirty="0">
+                <a:solidFill>
+                  <a:srgbClr val="DCDCAA"/>
+                </a:solidFill>
+                <a:latin typeface="Consolas" panose="020B0609020204030204" pitchFamily="49" charset="0"/>
+              </a:rPr>
+              <a:t>createElement</a:t>
+            </a:r>
+            <a:r>
+              <a:rPr lang="en-US" sz="1400" dirty="0">
+                <a:solidFill>
+                  <a:srgbClr val="D4D4D4"/>
+                </a:solidFill>
+                <a:latin typeface="Consolas" panose="020B0609020204030204" pitchFamily="49" charset="0"/>
+              </a:rPr>
+              <a:t>(</a:t>
+            </a:r>
+            <a:r>
+              <a:rPr lang="en-US" sz="1400" dirty="0">
+                <a:solidFill>
+                  <a:srgbClr val="CE9178"/>
+                </a:solidFill>
+                <a:latin typeface="Consolas" panose="020B0609020204030204" pitchFamily="49" charset="0"/>
+              </a:rPr>
+              <a:t>"h1"</a:t>
+            </a:r>
+            <a:r>
+              <a:rPr lang="en-US" sz="1400" dirty="0">
+                <a:solidFill>
+                  <a:srgbClr val="D4D4D4"/>
+                </a:solidFill>
+                <a:latin typeface="Consolas" panose="020B0609020204030204" pitchFamily="49" charset="0"/>
+              </a:rPr>
+              <a:t>);</a:t>
+            </a:r>
+            <a:endParaRPr lang="en-US" sz="1400" dirty="0">
+              <a:solidFill>
+                <a:srgbClr val="CCCCCC"/>
+              </a:solidFill>
+              <a:latin typeface="Consolas" panose="020B0609020204030204" pitchFamily="49" charset="0"/>
+            </a:endParaRPr>
+          </a:p>
+          <a:p>
+            <a:r>
+              <a:rPr lang="en-US" sz="1400" dirty="0">
+                <a:solidFill>
+                  <a:srgbClr val="D4D4D4"/>
+                </a:solidFill>
+                <a:latin typeface="Consolas" panose="020B0609020204030204" pitchFamily="49" charset="0"/>
+              </a:rPr>
+              <a:t>        </a:t>
+            </a:r>
+            <a:r>
+              <a:rPr lang="en-US" sz="1400" dirty="0">
+                <a:solidFill>
+                  <a:srgbClr val="4FC1FF"/>
+                </a:solidFill>
+                <a:latin typeface="Consolas" panose="020B0609020204030204" pitchFamily="49" charset="0"/>
+              </a:rPr>
+              <a:t>h1</a:t>
+            </a:r>
+            <a:r>
+              <a:rPr lang="en-US" sz="1400" dirty="0">
+                <a:solidFill>
+                  <a:srgbClr val="D4D4D4"/>
+                </a:solidFill>
+                <a:latin typeface="Consolas" panose="020B0609020204030204" pitchFamily="49" charset="0"/>
+              </a:rPr>
+              <a:t>.</a:t>
+            </a:r>
+            <a:r>
+              <a:rPr lang="en-US" sz="1400" dirty="0">
+                <a:solidFill>
+                  <a:srgbClr val="9CDCFE"/>
+                </a:solidFill>
+                <a:latin typeface="Consolas" panose="020B0609020204030204" pitchFamily="49" charset="0"/>
+              </a:rPr>
+              <a:t>textContent</a:t>
+            </a:r>
+            <a:r>
+              <a:rPr lang="en-US" sz="1400" dirty="0">
+                <a:solidFill>
+                  <a:srgbClr val="D4D4D4"/>
+                </a:solidFill>
+                <a:latin typeface="Consolas" panose="020B0609020204030204" pitchFamily="49" charset="0"/>
+              </a:rPr>
+              <a:t> = </a:t>
+            </a:r>
+            <a:r>
+              <a:rPr lang="en-US" sz="1400" dirty="0">
+                <a:solidFill>
+                  <a:srgbClr val="CE9178"/>
+                </a:solidFill>
+                <a:latin typeface="Consolas" panose="020B0609020204030204" pitchFamily="49" charset="0"/>
+              </a:rPr>
+              <a:t>"Hello World"</a:t>
+            </a:r>
+            <a:r>
+              <a:rPr lang="en-US" sz="1400" dirty="0">
+                <a:solidFill>
+                  <a:srgbClr val="D4D4D4"/>
+                </a:solidFill>
+                <a:latin typeface="Consolas" panose="020B0609020204030204" pitchFamily="49" charset="0"/>
+              </a:rPr>
+              <a:t>;</a:t>
+            </a:r>
+            <a:endParaRPr lang="en-US" sz="1400" dirty="0">
+              <a:solidFill>
+                <a:srgbClr val="CCCCCC"/>
+              </a:solidFill>
+              <a:latin typeface="Consolas" panose="020B0609020204030204" pitchFamily="49" charset="0"/>
+            </a:endParaRPr>
+          </a:p>
+          <a:p>
+            <a:r>
+              <a:rPr lang="en-US" sz="1400" dirty="0">
+                <a:solidFill>
+                  <a:srgbClr val="D4D4D4"/>
+                </a:solidFill>
+                <a:latin typeface="Consolas" panose="020B0609020204030204" pitchFamily="49" charset="0"/>
+              </a:rPr>
+              <a:t>        </a:t>
+            </a:r>
+            <a:r>
+              <a:rPr lang="en-US" sz="1400" dirty="0">
+                <a:solidFill>
+                  <a:srgbClr val="4FC1FF"/>
+                </a:solidFill>
+                <a:latin typeface="Consolas" panose="020B0609020204030204" pitchFamily="49" charset="0"/>
+              </a:rPr>
+              <a:t>h1</a:t>
+            </a:r>
+            <a:r>
+              <a:rPr lang="en-US" sz="1400" dirty="0">
+                <a:solidFill>
+                  <a:srgbClr val="D4D4D4"/>
+                </a:solidFill>
+                <a:latin typeface="Consolas" panose="020B0609020204030204" pitchFamily="49" charset="0"/>
+              </a:rPr>
+              <a:t>.</a:t>
+            </a:r>
+            <a:r>
+              <a:rPr lang="en-US" sz="1400" dirty="0">
+                <a:solidFill>
+                  <a:srgbClr val="9CDCFE"/>
+                </a:solidFill>
+                <a:latin typeface="Consolas" panose="020B0609020204030204" pitchFamily="49" charset="0"/>
+              </a:rPr>
+              <a:t>id</a:t>
+            </a:r>
+            <a:r>
+              <a:rPr lang="en-US" sz="1400" dirty="0">
+                <a:solidFill>
+                  <a:srgbClr val="D4D4D4"/>
+                </a:solidFill>
+                <a:latin typeface="Consolas" panose="020B0609020204030204" pitchFamily="49" charset="0"/>
+              </a:rPr>
+              <a:t> = </a:t>
+            </a:r>
+            <a:r>
+              <a:rPr lang="en-US" sz="1400" dirty="0">
+                <a:solidFill>
+                  <a:srgbClr val="CE9178"/>
+                </a:solidFill>
+                <a:latin typeface="Consolas" panose="020B0609020204030204" pitchFamily="49" charset="0"/>
+              </a:rPr>
+              <a:t>"heading"</a:t>
+            </a:r>
+            <a:r>
+              <a:rPr lang="en-US" sz="1400" dirty="0">
+                <a:solidFill>
+                  <a:srgbClr val="D4D4D4"/>
+                </a:solidFill>
+                <a:latin typeface="Consolas" panose="020B0609020204030204" pitchFamily="49" charset="0"/>
+              </a:rPr>
+              <a:t>;</a:t>
+            </a:r>
+            <a:endParaRPr lang="en-US" sz="1400" dirty="0">
+              <a:solidFill>
+                <a:srgbClr val="CCCCCC"/>
+              </a:solidFill>
+              <a:latin typeface="Consolas" panose="020B0609020204030204" pitchFamily="49" charset="0"/>
+            </a:endParaRPr>
+          </a:p>
+          <a:p>
+            <a:r>
+              <a:rPr lang="en-US" sz="1400" dirty="0">
+                <a:solidFill>
+                  <a:srgbClr val="D4D4D4"/>
+                </a:solidFill>
+                <a:latin typeface="Consolas" panose="020B0609020204030204" pitchFamily="49" charset="0"/>
+              </a:rPr>
+              <a:t>        </a:t>
+            </a:r>
+            <a:r>
+              <a:rPr lang="en-US" sz="1400" dirty="0">
+                <a:solidFill>
+                  <a:srgbClr val="4FC1FF"/>
+                </a:solidFill>
+                <a:latin typeface="Consolas" panose="020B0609020204030204" pitchFamily="49" charset="0"/>
+              </a:rPr>
+              <a:t>h1</a:t>
+            </a:r>
+            <a:r>
+              <a:rPr lang="en-US" sz="1400" dirty="0">
+                <a:solidFill>
+                  <a:srgbClr val="D4D4D4"/>
+                </a:solidFill>
+                <a:latin typeface="Consolas" panose="020B0609020204030204" pitchFamily="49" charset="0"/>
+              </a:rPr>
+              <a:t>.</a:t>
+            </a:r>
+            <a:r>
+              <a:rPr lang="en-US" sz="1400" dirty="0">
+                <a:solidFill>
+                  <a:srgbClr val="9CDCFE"/>
+                </a:solidFill>
+                <a:latin typeface="Consolas" panose="020B0609020204030204" pitchFamily="49" charset="0"/>
+              </a:rPr>
+              <a:t>className</a:t>
+            </a:r>
+            <a:r>
+              <a:rPr lang="en-US" sz="1400" dirty="0">
+                <a:solidFill>
+                  <a:srgbClr val="D4D4D4"/>
+                </a:solidFill>
+                <a:latin typeface="Consolas" panose="020B0609020204030204" pitchFamily="49" charset="0"/>
+              </a:rPr>
+              <a:t> = </a:t>
+            </a:r>
+            <a:r>
+              <a:rPr lang="en-US" sz="1400" dirty="0">
+                <a:solidFill>
+                  <a:srgbClr val="CE9178"/>
+                </a:solidFill>
+                <a:latin typeface="Consolas" panose="020B0609020204030204" pitchFamily="49" charset="0"/>
+              </a:rPr>
+              <a:t>"headingClass"</a:t>
+            </a:r>
+            <a:r>
+              <a:rPr lang="en-US" sz="1400" dirty="0">
+                <a:solidFill>
+                  <a:srgbClr val="D4D4D4"/>
+                </a:solidFill>
+                <a:latin typeface="Consolas" panose="020B0609020204030204" pitchFamily="49" charset="0"/>
+              </a:rPr>
+              <a:t>;</a:t>
+            </a:r>
+            <a:endParaRPr lang="en-US" sz="1400" dirty="0">
+              <a:solidFill>
+                <a:srgbClr val="CCCCCC"/>
+              </a:solidFill>
+              <a:latin typeface="Consolas" panose="020B0609020204030204" pitchFamily="49" charset="0"/>
+            </a:endParaRPr>
+          </a:p>
+          <a:p>
+            <a:r>
+              <a:rPr lang="en-US" sz="1400" dirty="0">
+                <a:solidFill>
+                  <a:srgbClr val="D4D4D4"/>
+                </a:solidFill>
+                <a:latin typeface="Consolas" panose="020B0609020204030204" pitchFamily="49" charset="0"/>
+              </a:rPr>
+              <a:t>        </a:t>
+            </a:r>
+            <a:r>
+              <a:rPr lang="en-US" sz="1400" dirty="0">
+                <a:solidFill>
+                  <a:srgbClr val="4FC1FF"/>
+                </a:solidFill>
+                <a:latin typeface="Consolas" panose="020B0609020204030204" pitchFamily="49" charset="0"/>
+              </a:rPr>
+              <a:t>main</a:t>
+            </a:r>
+            <a:r>
+              <a:rPr lang="en-US" sz="1400" dirty="0">
+                <a:solidFill>
+                  <a:srgbClr val="D4D4D4"/>
+                </a:solidFill>
+                <a:latin typeface="Consolas" panose="020B0609020204030204" pitchFamily="49" charset="0"/>
+              </a:rPr>
+              <a:t>.</a:t>
+            </a:r>
+            <a:r>
+              <a:rPr lang="en-US" sz="1400" dirty="0">
+                <a:solidFill>
+                  <a:srgbClr val="DCDCAA"/>
+                </a:solidFill>
+                <a:latin typeface="Consolas" panose="020B0609020204030204" pitchFamily="49" charset="0"/>
+              </a:rPr>
+              <a:t>appendChild</a:t>
+            </a:r>
+            <a:r>
+              <a:rPr lang="en-US" sz="1400" dirty="0">
+                <a:solidFill>
+                  <a:srgbClr val="D4D4D4"/>
+                </a:solidFill>
+                <a:latin typeface="Consolas" panose="020B0609020204030204" pitchFamily="49" charset="0"/>
+              </a:rPr>
+              <a:t>(</a:t>
+            </a:r>
+            <a:r>
+              <a:rPr lang="en-US" sz="1400" dirty="0">
+                <a:solidFill>
+                  <a:srgbClr val="4FC1FF"/>
+                </a:solidFill>
+                <a:latin typeface="Consolas" panose="020B0609020204030204" pitchFamily="49" charset="0"/>
+              </a:rPr>
+              <a:t>h1</a:t>
+            </a:r>
+            <a:r>
+              <a:rPr lang="en-US" sz="1400" dirty="0">
+                <a:solidFill>
+                  <a:srgbClr val="D4D4D4"/>
+                </a:solidFill>
+                <a:latin typeface="Consolas" panose="020B0609020204030204" pitchFamily="49" charset="0"/>
+              </a:rPr>
+              <a:t>)</a:t>
+            </a:r>
+            <a:endParaRPr lang="en-US" sz="1400" dirty="0">
+              <a:solidFill>
+                <a:srgbClr val="CCCCCC"/>
+              </a:solidFill>
+              <a:latin typeface="Consolas" panose="020B0609020204030204" pitchFamily="49" charset="0"/>
+            </a:endParaRPr>
+          </a:p>
+          <a:p>
+            <a:r>
+              <a:rPr lang="en-US" sz="1400" dirty="0">
+                <a:solidFill>
+                  <a:srgbClr val="D4D4D4"/>
+                </a:solidFill>
+                <a:latin typeface="Consolas" panose="020B0609020204030204" pitchFamily="49" charset="0"/>
+              </a:rPr>
+              <a:t>    </a:t>
+            </a:r>
+            <a:r>
+              <a:rPr lang="en-US" sz="1400" dirty="0">
+                <a:solidFill>
+                  <a:srgbClr val="808080"/>
+                </a:solidFill>
+                <a:latin typeface="Consolas" panose="020B0609020204030204" pitchFamily="49" charset="0"/>
+              </a:rPr>
+              <a:t>&lt;/</a:t>
+            </a:r>
+            <a:r>
+              <a:rPr lang="en-US" sz="1400" dirty="0">
+                <a:solidFill>
+                  <a:srgbClr val="569CD6"/>
+                </a:solidFill>
+                <a:latin typeface="Consolas" panose="020B0609020204030204" pitchFamily="49" charset="0"/>
+              </a:rPr>
+              <a:t>script</a:t>
+            </a:r>
+            <a:r>
+              <a:rPr lang="en-US" sz="1400" dirty="0" smtClean="0">
+                <a:solidFill>
+                  <a:srgbClr val="808080"/>
+                </a:solidFill>
+                <a:latin typeface="Consolas" panose="020B0609020204030204" pitchFamily="49" charset="0"/>
+              </a:rPr>
+              <a:t>&gt;</a:t>
+            </a:r>
+            <a:endParaRPr lang="en-US" sz="1400" dirty="0">
+              <a:solidFill>
+                <a:srgbClr val="CCCCCC"/>
+              </a:solidFill>
+              <a:latin typeface="Consolas" panose="020B0609020204030204" pitchFamily="49" charset="0"/>
+            </a:endParaRPr>
+          </a:p>
+        </p:txBody>
+      </p:sp>
     </p:spTree>
     <p:extLst>
       <p:ext uri="{BB962C8B-B14F-4D97-AF65-F5344CB8AC3E}">
-        <p14:creationId xmlns:p14="http://schemas.microsoft.com/office/powerpoint/2010/main" val="2583380370"/>
+        <p14:creationId xmlns:p14="http://schemas.microsoft.com/office/powerpoint/2010/main" val="1802384"/>
       </p:ext>
     </p:extLst>
   </p:cSld>
@@ -4585,7 +4549,7 @@
                 <a:ea typeface="Tahoma" panose="020B0604030504040204" pitchFamily="34" charset="0"/>
                 <a:cs typeface="Tahoma" panose="020B0604030504040204" pitchFamily="34" charset="0"/>
               </a:rPr>
-              <a:t>Với nội dung tương tự khi create element bằng js</a:t>
+              <a:t>Với react</a:t>
             </a:r>
           </a:p>
           <a:p>
@@ -4622,7 +4586,7 @@
           <a:lstStyle/>
           <a:p>
             <a:r>
-              <a:rPr lang="en-US" sz="1400" dirty="0" smtClean="0">
+              <a:rPr lang="en-US" sz="1400" dirty="0">
                 <a:solidFill>
                   <a:srgbClr val="CCCCCC"/>
                 </a:solidFill>
@@ -4631,7 +4595,7 @@
               <a:t>    </a:t>
             </a:r>
             <a:r>
-              <a:rPr lang="en-US" sz="1400" dirty="0" smtClean="0">
+              <a:rPr lang="en-US" sz="1400" dirty="0">
                 <a:solidFill>
                   <a:srgbClr val="808080"/>
                 </a:solidFill>
@@ -4806,7 +4770,7 @@
                 </a:solidFill>
                 <a:latin typeface="Consolas" panose="020B0609020204030204" pitchFamily="49" charset="0"/>
               </a:rPr>
-              <a:t>h1</a:t>
+              <a:t>h1React</a:t>
             </a:r>
             <a:r>
               <a:rPr lang="en-US" sz="1400" dirty="0">
@@ -4824,7 +4788,7 @@
                 </a:solidFill>
                 <a:latin typeface="Consolas" panose="020B0609020204030204" pitchFamily="49" charset="0"/>
               </a:rPr>
-              <a:t>document</a:t>
+              <a:t>React</a:t>
             </a:r>
             <a:r>
               <a:rPr lang="en-US" sz="1400" dirty="0">
@@ -4860,16 +4824,16 @@
                 </a:solidFill>
                 <a:latin typeface="Consolas" panose="020B0609020204030204" pitchFamily="49" charset="0"/>
               </a:rPr>
-              <a:t>"h1"</a:t>
-            </a:r>
-            <a:r>
-              <a:rPr lang="en-US" sz="1400" dirty="0">
-                <a:solidFill>
-                  <a:srgbClr val="D4D4D4"/>
-                </a:solidFill>
-                <a:latin typeface="Consolas" panose="020B0609020204030204" pitchFamily="49" charset="0"/>
-              </a:rPr>
-              <a:t>);</a:t>
+              <a:t>'h1'</a:t>
+            </a:r>
+            <a:r>
+              <a:rPr lang="en-US" sz="1400" dirty="0">
+                <a:solidFill>
+                  <a:srgbClr val="D4D4D4"/>
+                </a:solidFill>
+                <a:latin typeface="Consolas" panose="020B0609020204030204" pitchFamily="49" charset="0"/>
+              </a:rPr>
+              <a:t>, {</a:t>
             </a:r>
             <a:endParaRPr lang="en-US" sz="1400" dirty="0">
               <a:solidFill>
@@ -4886,25 +4850,7 @@
                 </a:solidFill>
                 <a:latin typeface="Consolas" panose="020B0609020204030204" pitchFamily="49" charset="0"/>
               </a:rPr>
-              <a:t>        </a:t>
-            </a:r>
-            <a:r>
-              <a:rPr lang="en-US" sz="1400" dirty="0">
-                <a:solidFill>
-                  <a:srgbClr val="4FC1FF"/>
-                </a:solidFill>
-                <a:latin typeface="Consolas" panose="020B0609020204030204" pitchFamily="49" charset="0"/>
-              </a:rPr>
-              <a:t>h1</a:t>
-            </a:r>
-            <a:r>
-              <a:rPr lang="en-US" sz="1400" dirty="0">
-                <a:solidFill>
-                  <a:srgbClr val="D4D4D4"/>
-                </a:solidFill>
-                <a:latin typeface="Consolas" panose="020B0609020204030204" pitchFamily="49" charset="0"/>
-              </a:rPr>
-              <a:t>.</a:t>
+              <a:t>            </a:t>
             </a:r>
             <a:r>
               <a:rPr lang="en-US" sz="1400" dirty="0">
@@ -4913,16 +4859,16 @@
                 </a:solidFill>
                 <a:latin typeface="Consolas" panose="020B0609020204030204" pitchFamily="49" charset="0"/>
               </a:rPr>
-              <a:t>textContent</a:t>
-            </a:r>
-            <a:r>
-              <a:rPr lang="en-US" sz="1400" dirty="0">
-                <a:solidFill>
-                  <a:srgbClr val="D4D4D4"/>
-                </a:solidFill>
-                <a:latin typeface="Consolas" panose="020B0609020204030204" pitchFamily="49" charset="0"/>
-              </a:rPr>
-              <a:t> = </a:t>
+              <a:t>id:</a:t>
+            </a:r>
+            <a:r>
+              <a:rPr lang="en-US" sz="1400" dirty="0">
+                <a:solidFill>
+                  <a:srgbClr val="D4D4D4"/>
+                </a:solidFill>
+                <a:latin typeface="Consolas" panose="020B0609020204030204" pitchFamily="49" charset="0"/>
+              </a:rPr>
+              <a:t> </a:t>
             </a:r>
             <a:r>
               <a:rPr lang="en-US" sz="1400" dirty="0">
@@ -4931,16 +4877,16 @@
                 </a:solidFill>
                 <a:latin typeface="Consolas" panose="020B0609020204030204" pitchFamily="49" charset="0"/>
               </a:rPr>
-              <a:t>"Hello World"</a:t>
-            </a:r>
-            <a:r>
-              <a:rPr lang="en-US" sz="1400" dirty="0">
-                <a:solidFill>
-                  <a:srgbClr val="D4D4D4"/>
-                </a:solidFill>
-                <a:latin typeface="Consolas" panose="020B0609020204030204" pitchFamily="49" charset="0"/>
-              </a:rPr>
-              <a:t>;</a:t>
+              <a:t>'heading'</a:t>
+            </a:r>
+            <a:r>
+              <a:rPr lang="en-US" sz="1400" dirty="0">
+                <a:solidFill>
+                  <a:srgbClr val="D4D4D4"/>
+                </a:solidFill>
+                <a:latin typeface="Consolas" panose="020B0609020204030204" pitchFamily="49" charset="0"/>
+              </a:rPr>
+              <a:t>,</a:t>
             </a:r>
             <a:endParaRPr lang="en-US" sz="1400" dirty="0">
               <a:solidFill>
@@ -4957,25 +4903,7 @@
                 </a:solidFill>
                 <a:latin typeface="Consolas" panose="020B0609020204030204" pitchFamily="49" charset="0"/>
               </a:rPr>
-              <a:t>        </a:t>
-            </a:r>
-            <a:r>
-              <a:rPr lang="en-US" sz="1400" dirty="0">
-                <a:solidFill>
-                  <a:srgbClr val="4FC1FF"/>
-                </a:solidFill>
-                <a:latin typeface="Consolas" panose="020B0609020204030204" pitchFamily="49" charset="0"/>
-              </a:rPr>
-              <a:t>h1</a:t>
-            </a:r>
-            <a:r>
-              <a:rPr lang="en-US" sz="1400" dirty="0">
-                <a:solidFill>
-                  <a:srgbClr val="D4D4D4"/>
-                </a:solidFill>
-                <a:latin typeface="Consolas" panose="020B0609020204030204" pitchFamily="49" charset="0"/>
-              </a:rPr>
-              <a:t>.</a:t>
+              <a:t>            </a:t>
             </a:r>
             <a:r>
               <a:rPr lang="en-US" sz="1400" dirty="0">
@@ -4984,16 +4912,16 @@
                 </a:solidFill>
                 <a:latin typeface="Consolas" panose="020B0609020204030204" pitchFamily="49" charset="0"/>
               </a:rPr>
-              <a:t>id</a:t>
-            </a:r>
-            <a:r>
-              <a:rPr lang="en-US" sz="1400" dirty="0">
-                <a:solidFill>
-                  <a:srgbClr val="D4D4D4"/>
-                </a:solidFill>
-                <a:latin typeface="Consolas" panose="020B0609020204030204" pitchFamily="49" charset="0"/>
-              </a:rPr>
-              <a:t> = </a:t>
+              <a:t>className:</a:t>
+            </a:r>
+            <a:r>
+              <a:rPr lang="en-US" sz="1400" dirty="0">
+                <a:solidFill>
+                  <a:srgbClr val="D4D4D4"/>
+                </a:solidFill>
+                <a:latin typeface="Consolas" panose="020B0609020204030204" pitchFamily="49" charset="0"/>
+              </a:rPr>
+              <a:t> </a:t>
             </a:r>
             <a:r>
               <a:rPr lang="en-US" sz="1400" dirty="0">
@@ -5002,16 +4930,7 @@
                 </a:solidFill>
                 <a:latin typeface="Consolas" panose="020B0609020204030204" pitchFamily="49" charset="0"/>
               </a:rPr>
-              <a:t>"heading"</a:t>
-            </a:r>
-            <a:r>
-              <a:rPr lang="en-US" sz="1400" dirty="0">
-                <a:solidFill>
-                  <a:srgbClr val="D4D4D4"/>
-                </a:solidFill>
-                <a:latin typeface="Consolas" panose="020B0609020204030204" pitchFamily="49" charset="0"/>
-              </a:rPr>
-              <a:t>;</a:t>
+              <a:t>'headingClass'</a:t>
             </a:r>
             <a:endParaRPr lang="en-US" sz="1400" dirty="0">
               <a:solidFill>
@@ -5028,43 +4947,7 @@
                 </a:solidFill>
                 <a:latin typeface="Consolas" panose="020B0609020204030204" pitchFamily="49" charset="0"/>
               </a:rPr>
-              <a:t>        </a:t>
-            </a:r>
-            <a:r>
-              <a:rPr lang="en-US" sz="1400" dirty="0">
-                <a:solidFill>
-                  <a:srgbClr val="4FC1FF"/>
-                </a:solidFill>
-                <a:latin typeface="Consolas" panose="020B0609020204030204" pitchFamily="49" charset="0"/>
-              </a:rPr>
-              <a:t>h1</a:t>
-            </a:r>
-            <a:r>
-              <a:rPr lang="en-US" sz="1400" dirty="0">
-                <a:solidFill>
-                  <a:srgbClr val="D4D4D4"/>
-                </a:solidFill>
-                <a:latin typeface="Consolas" panose="020B0609020204030204" pitchFamily="49" charset="0"/>
-              </a:rPr>
-              <a:t>.</a:t>
-            </a:r>
-            <a:r>
-              <a:rPr lang="en-US" sz="1400" dirty="0">
-                <a:solidFill>
-                  <a:srgbClr val="9CDCFE"/>
-                </a:solidFill>
-                <a:latin typeface="Consolas" panose="020B0609020204030204" pitchFamily="49" charset="0"/>
-              </a:rPr>
-              <a:t>className</a:t>
-            </a:r>
-            <a:r>
-              <a:rPr lang="en-US" sz="1400" dirty="0">
-                <a:solidFill>
-                  <a:srgbClr val="D4D4D4"/>
-                </a:solidFill>
-                <a:latin typeface="Consolas" panose="020B0609020204030204" pitchFamily="49" charset="0"/>
-              </a:rPr>
-              <a:t> = </a:t>
+              <a:t>        }, </a:t>
             </a:r>
             <a:r>
               <a:rPr lang="en-US" sz="1400" dirty="0">
@@ -5073,16 +4956,25 @@
                 </a:solidFill>
                 <a:latin typeface="Consolas" panose="020B0609020204030204" pitchFamily="49" charset="0"/>
               </a:rPr>
-              <a:t>"headingClass"</a:t>
-            </a:r>
-            <a:r>
-              <a:rPr lang="en-US" sz="1400" dirty="0">
-                <a:solidFill>
-                  <a:srgbClr val="D4D4D4"/>
-                </a:solidFill>
-                <a:latin typeface="Consolas" panose="020B0609020204030204" pitchFamily="49" charset="0"/>
-              </a:rPr>
-              <a:t>;</a:t>
+              <a:t>'Hello </a:t>
+            </a:r>
+            <a:r>
+              <a:rPr lang="en-US" sz="1400" dirty="0" smtClean="0">
+                <a:solidFill>
+                  <a:srgbClr val="CE9178"/>
+                </a:solidFill>
+                <a:latin typeface="Consolas" panose="020B0609020204030204" pitchFamily="49" charset="0"/>
+              </a:rPr>
+              <a:t>World'</a:t>
+            </a:r>
+            <a:r>
+              <a:rPr lang="en-US" sz="1400" dirty="0" smtClean="0">
+                <a:solidFill>
+                  <a:srgbClr val="D4D4D4"/>
+                </a:solidFill>
+                <a:latin typeface="Consolas" panose="020B0609020204030204" pitchFamily="49" charset="0"/>
+              </a:rPr>
+              <a:t>)</a:t>
             </a:r>
             <a:endParaRPr lang="en-US" sz="1400" dirty="0">
               <a:solidFill>
@@ -5104,6 +4996,42 @@
             <a:r>
               <a:rPr lang="en-US" sz="1400" dirty="0">
                 <a:solidFill>
+                  <a:srgbClr val="9CDCFE"/>
+                </a:solidFill>
+                <a:latin typeface="Consolas" panose="020B0609020204030204" pitchFamily="49" charset="0"/>
+              </a:rPr>
+              <a:t>ReactDOM</a:t>
+            </a:r>
+            <a:r>
+              <a:rPr lang="en-US" sz="1400" dirty="0">
+                <a:solidFill>
+                  <a:srgbClr val="D4D4D4"/>
+                </a:solidFill>
+                <a:latin typeface="Consolas" panose="020B0609020204030204" pitchFamily="49" charset="0"/>
+              </a:rPr>
+              <a:t>.</a:t>
+            </a:r>
+            <a:r>
+              <a:rPr lang="en-US" sz="1400" dirty="0">
+                <a:solidFill>
+                  <a:srgbClr val="DCDCAA"/>
+                </a:solidFill>
+                <a:latin typeface="Consolas" panose="020B0609020204030204" pitchFamily="49" charset="0"/>
+              </a:rPr>
+              <a:t>createRoot</a:t>
+            </a:r>
+            <a:r>
+              <a:rPr lang="en-US" sz="1400" dirty="0">
+                <a:solidFill>
+                  <a:srgbClr val="D4D4D4"/>
+                </a:solidFill>
+                <a:latin typeface="Consolas" panose="020B0609020204030204" pitchFamily="49" charset="0"/>
+              </a:rPr>
+              <a:t>(</a:t>
+            </a:r>
+            <a:r>
+              <a:rPr lang="en-US" sz="1400" dirty="0">
+                <a:solidFill>
                   <a:srgbClr val="4FC1FF"/>
                 </a:solidFill>
                 <a:latin typeface="Consolas" panose="020B0609020204030204" pitchFamily="49" charset="0"/>
@@ -5111,25 +5039,25 @@
               <a:t>main</a:t>
             </a:r>
             <a:r>
-              <a:rPr lang="en-US" sz="1400" dirty="0">
-                <a:solidFill>
-                  <a:srgbClr val="D4D4D4"/>
-                </a:solidFill>
-                <a:latin typeface="Consolas" panose="020B0609020204030204" pitchFamily="49" charset="0"/>
-              </a:rPr>
-              <a:t>.</a:t>
-            </a:r>
-            <a:r>
-              <a:rPr lang="en-US" sz="1400" dirty="0">
+              <a:rPr lang="en-US" sz="1400" dirty="0" smtClean="0">
+                <a:solidFill>
+                  <a:srgbClr val="D4D4D4"/>
+                </a:solidFill>
+                <a:latin typeface="Consolas" panose="020B0609020204030204" pitchFamily="49" charset="0"/>
+              </a:rPr>
+              <a:t>).</a:t>
+            </a:r>
+            <a:r>
+              <a:rPr lang="en-US" sz="1400" dirty="0" smtClean="0">
                 <a:solidFill>
                   <a:srgbClr val="DCDCAA"/>
                 </a:solidFill>
                 <a:latin typeface="Consolas" panose="020B0609020204030204" pitchFamily="49" charset="0"/>
               </a:rPr>
-              <a:t>appendChild</a:t>
-            </a:r>
-            <a:r>
-              <a:rPr lang="en-US" sz="1400" dirty="0">
+              <a:t>render</a:t>
+            </a:r>
+            <a:r>
+              <a:rPr lang="en-US" sz="1400" dirty="0" smtClean="0">
                 <a:solidFill>
                   <a:srgbClr val="D4D4D4"/>
                 </a:solidFill>
@@ -5138,22 +5066,22 @@
               <a:t>(</a:t>
             </a:r>
             <a:r>
-              <a:rPr lang="en-US" sz="1400" dirty="0">
+              <a:rPr lang="en-US" sz="1400" dirty="0" smtClean="0">
                 <a:solidFill>
                   <a:srgbClr val="4FC1FF"/>
                 </a:solidFill>
                 <a:latin typeface="Consolas" panose="020B0609020204030204" pitchFamily="49" charset="0"/>
               </a:rPr>
-              <a:t>h1</a:t>
-            </a:r>
-            <a:r>
-              <a:rPr lang="en-US" sz="1400" dirty="0">
-                <a:solidFill>
-                  <a:srgbClr val="D4D4D4"/>
-                </a:solidFill>
-                <a:latin typeface="Consolas" panose="020B0609020204030204" pitchFamily="49" charset="0"/>
-              </a:rPr>
-              <a:t>)</a:t>
+              <a:t>h1React</a:t>
+            </a:r>
+            <a:r>
+              <a:rPr lang="en-US" sz="1400" dirty="0" smtClean="0">
+                <a:solidFill>
+                  <a:srgbClr val="D4D4D4"/>
+                </a:solidFill>
+                <a:latin typeface="Consolas" panose="020B0609020204030204" pitchFamily="49" charset="0"/>
+              </a:rPr>
+              <a:t>);</a:t>
             </a:r>
             <a:endParaRPr lang="en-US" sz="1400" dirty="0">
               <a:solidFill>
@@ -5182,7 +5110,7 @@
               <a:t>&lt;/</a:t>
             </a:r>
             <a:r>
-              <a:rPr lang="en-US" sz="1400" dirty="0">
+              <a:rPr lang="en-US" sz="1400" dirty="0" smtClean="0">
                 <a:solidFill>
                   <a:srgbClr val="569CD6"/>
                 </a:solidFill>
@@ -5199,10 +5127,11 @@
               </a:rPr>
               <a:t>&gt;</a:t>
             </a:r>
-            <a:endParaRPr lang="en-US" sz="1400" dirty="0">
+            <a:endParaRPr lang="en-US" sz="1400" b="0" dirty="0">
               <a:solidFill>
                 <a:srgbClr val="CCCCCC"/>
               </a:solidFill>
+              <a:effectLst/>
               <a:latin typeface="Consolas" panose="020B0609020204030204" pitchFamily="49" charset="0"/>
             </a:endParaRPr>
           </a:p>
@@ -5211,7 +5140,7 @@
     </p:spTree>
     <p:extLst>
       <p:ext uri="{BB962C8B-B14F-4D97-AF65-F5344CB8AC3E}">
-        <p14:creationId xmlns:p14="http://schemas.microsoft.com/office/powerpoint/2010/main" val="1802384"/>
+        <p14:creationId xmlns:p14="http://schemas.microsoft.com/office/powerpoint/2010/main" val="718968184"/>
       </p:ext>
     </p:extLst>
   </p:cSld>
@@ -5284,15 +5213,21 @@
           <a:lstStyle/>
           <a:p>
             <a:r>
+              <a:rPr lang="en-US" dirty="0">
+                <a:latin typeface="Tahoma" panose="020B0604030504040204" pitchFamily="34" charset="0"/>
+                <a:ea typeface="Tahoma" panose="020B0604030504040204" pitchFamily="34" charset="0"/>
+                <a:cs typeface="Tahoma" panose="020B0604030504040204" pitchFamily="34" charset="0"/>
+              </a:rPr>
+              <a:t>Console log </a:t>
+            </a:r>
+            <a:r>
               <a:rPr lang="en-US" dirty="0" smtClean="0">
                 <a:latin typeface="Tahoma" panose="020B0604030504040204" pitchFamily="34" charset="0"/>
                 <a:ea typeface="Tahoma" panose="020B0604030504040204" pitchFamily="34" charset="0"/>
                 <a:cs typeface="Tahoma" panose="020B0604030504040204" pitchFamily="34" charset="0"/>
               </a:rPr>
-              <a:t>Với react</a:t>
-            </a:r>
-          </a:p>
-          <a:p>
+              <a:t>h1React sẽ có thông tin về type, props và children</a:t>
+            </a:r>
             <a:endParaRPr lang="vi-VN" dirty="0">
               <a:latin typeface="Tahoma" panose="020B0604030504040204" pitchFamily="34" charset="0"/>
               <a:ea typeface="Tahoma" panose="020B0604030504040204" pitchFamily="34" charset="0"/>
@@ -5301,577 +5236,34 @@
           </a:p>
         </p:txBody>
       </p:sp>
-      <p:sp>
-        <p:nvSpPr>
-          <p:cNvPr id="4" name="Rectangle 3"/>
-          <p:cNvSpPr/>
+      <p:pic>
+        <p:nvPicPr>
+          <p:cNvPr id="4" name="Picture 3"/>
+          <p:cNvPicPr>
+            <a:picLocks noChangeAspect="1"/>
+          </p:cNvPicPr>
           <p:nvPr/>
-        </p:nvSpPr>
+        </p:nvPicPr>
+        <p:blipFill>
+          <a:blip r:embed="rId2"/>
+          <a:stretch>
+            <a:fillRect/>
+          </a:stretch>
+        </p:blipFill>
         <p:spPr>
           <a:xfrm>
-            <a:off x="3048000" y="3307853"/>
-            <a:ext cx="6096000" cy="1815882"/>
+            <a:off x="2424112" y="3005209"/>
+            <a:ext cx="7343775" cy="3219450"/>
           </a:xfrm>
           <a:prstGeom prst="rect">
             <a:avLst/>
           </a:prstGeom>
-          <a:solidFill>
-            <a:schemeClr val="tx1"/>
-          </a:solidFill>
         </p:spPr>
-        <p:txBody>
-          <a:bodyPr>
-            <a:spAutoFit/>
-          </a:bodyPr>
-          <a:lstStyle/>
-          <a:p>
-            <a:r>
-              <a:rPr lang="en-US" sz="1400" dirty="0">
-                <a:solidFill>
-                  <a:srgbClr val="CCCCCC"/>
-                </a:solidFill>
-                <a:latin typeface="Consolas" panose="020B0609020204030204" pitchFamily="49" charset="0"/>
-              </a:rPr>
-              <a:t>    </a:t>
-            </a:r>
-            <a:r>
-              <a:rPr lang="en-US" sz="1400" dirty="0">
-                <a:solidFill>
-                  <a:srgbClr val="808080"/>
-                </a:solidFill>
-                <a:latin typeface="Consolas" panose="020B0609020204030204" pitchFamily="49" charset="0"/>
-              </a:rPr>
-              <a:t>&lt;</a:t>
-            </a:r>
-            <a:r>
-              <a:rPr lang="en-US" sz="1400" dirty="0">
-                <a:solidFill>
-                  <a:srgbClr val="569CD6"/>
-                </a:solidFill>
-                <a:latin typeface="Consolas" panose="020B0609020204030204" pitchFamily="49" charset="0"/>
-              </a:rPr>
-              <a:t>script</a:t>
-            </a:r>
-            <a:r>
-              <a:rPr lang="en-US" sz="1400" dirty="0">
-                <a:solidFill>
-                  <a:srgbClr val="808080"/>
-                </a:solidFill>
-                <a:latin typeface="Consolas" panose="020B0609020204030204" pitchFamily="49" charset="0"/>
-              </a:rPr>
-              <a:t>&gt;</a:t>
-            </a:r>
-            <a:endParaRPr lang="en-US" sz="1400" dirty="0">
-              <a:solidFill>
-                <a:srgbClr val="CCCCCC"/>
-              </a:solidFill>
-              <a:latin typeface="Consolas" panose="020B0609020204030204" pitchFamily="49" charset="0"/>
-            </a:endParaRPr>
-          </a:p>
-          <a:p>
-            <a:r>
-              <a:rPr lang="en-US" sz="1400" dirty="0">
-                <a:solidFill>
-                  <a:srgbClr val="D4D4D4"/>
-                </a:solidFill>
-                <a:latin typeface="Consolas" panose="020B0609020204030204" pitchFamily="49" charset="0"/>
-              </a:rPr>
-              <a:t>        </a:t>
-            </a:r>
-            <a:r>
-              <a:rPr lang="en-US" sz="1400" dirty="0">
-                <a:solidFill>
-                  <a:srgbClr val="569CD6"/>
-                </a:solidFill>
-                <a:latin typeface="Consolas" panose="020B0609020204030204" pitchFamily="49" charset="0"/>
-              </a:rPr>
-              <a:t>const</a:t>
-            </a:r>
-            <a:r>
-              <a:rPr lang="en-US" sz="1400" dirty="0">
-                <a:solidFill>
-                  <a:srgbClr val="D4D4D4"/>
-                </a:solidFill>
-                <a:latin typeface="Consolas" panose="020B0609020204030204" pitchFamily="49" charset="0"/>
-              </a:rPr>
-              <a:t> </a:t>
-            </a:r>
-            <a:r>
-              <a:rPr lang="en-US" sz="1400" dirty="0">
-                <a:solidFill>
-                  <a:srgbClr val="4FC1FF"/>
-                </a:solidFill>
-                <a:latin typeface="Consolas" panose="020B0609020204030204" pitchFamily="49" charset="0"/>
-              </a:rPr>
-              <a:t>main</a:t>
-            </a:r>
-            <a:r>
-              <a:rPr lang="en-US" sz="1400" dirty="0">
-                <a:solidFill>
-                  <a:srgbClr val="D4D4D4"/>
-                </a:solidFill>
-                <a:latin typeface="Consolas" panose="020B0609020204030204" pitchFamily="49" charset="0"/>
-              </a:rPr>
-              <a:t> = </a:t>
-            </a:r>
-            <a:r>
-              <a:rPr lang="en-US" sz="1400" dirty="0">
-                <a:solidFill>
-                  <a:srgbClr val="9CDCFE"/>
-                </a:solidFill>
-                <a:latin typeface="Consolas" panose="020B0609020204030204" pitchFamily="49" charset="0"/>
-              </a:rPr>
-              <a:t>document</a:t>
-            </a:r>
-            <a:r>
-              <a:rPr lang="en-US" sz="1400" dirty="0">
-                <a:solidFill>
-                  <a:srgbClr val="D4D4D4"/>
-                </a:solidFill>
-                <a:latin typeface="Consolas" panose="020B0609020204030204" pitchFamily="49" charset="0"/>
-              </a:rPr>
-              <a:t>.</a:t>
-            </a:r>
-            <a:r>
-              <a:rPr lang="en-US" sz="1400" dirty="0">
-                <a:solidFill>
-                  <a:srgbClr val="DCDCAA"/>
-                </a:solidFill>
-                <a:latin typeface="Consolas" panose="020B0609020204030204" pitchFamily="49" charset="0"/>
-              </a:rPr>
-              <a:t>getElementById</a:t>
-            </a:r>
-            <a:r>
-              <a:rPr lang="en-US" sz="1400" dirty="0">
-                <a:solidFill>
-                  <a:srgbClr val="D4D4D4"/>
-                </a:solidFill>
-                <a:latin typeface="Consolas" panose="020B0609020204030204" pitchFamily="49" charset="0"/>
-              </a:rPr>
-              <a:t>(</a:t>
-            </a:r>
-            <a:r>
-              <a:rPr lang="en-US" sz="1400" dirty="0">
-                <a:solidFill>
-                  <a:srgbClr val="CE9178"/>
-                </a:solidFill>
-                <a:latin typeface="Consolas" panose="020B0609020204030204" pitchFamily="49" charset="0"/>
-              </a:rPr>
-              <a:t>"main"</a:t>
-            </a:r>
-            <a:r>
-              <a:rPr lang="en-US" sz="1400" dirty="0">
-                <a:solidFill>
-                  <a:srgbClr val="D4D4D4"/>
-                </a:solidFill>
-                <a:latin typeface="Consolas" panose="020B0609020204030204" pitchFamily="49" charset="0"/>
-              </a:rPr>
-              <a:t>);</a:t>
-            </a:r>
-            <a:endParaRPr lang="en-US" sz="1400" dirty="0">
-              <a:solidFill>
-                <a:srgbClr val="CCCCCC"/>
-              </a:solidFill>
-              <a:latin typeface="Consolas" panose="020B0609020204030204" pitchFamily="49" charset="0"/>
-            </a:endParaRPr>
-          </a:p>
-          <a:p>
-            <a:r>
-              <a:rPr lang="en-US" sz="1400" dirty="0">
-                <a:solidFill>
-                  <a:srgbClr val="D4D4D4"/>
-                </a:solidFill>
-                <a:latin typeface="Consolas" panose="020B0609020204030204" pitchFamily="49" charset="0"/>
-              </a:rPr>
-              <a:t>        </a:t>
-            </a:r>
-            <a:r>
-              <a:rPr lang="en-US" sz="1400" dirty="0">
-                <a:solidFill>
-                  <a:srgbClr val="569CD6"/>
-                </a:solidFill>
-                <a:latin typeface="Consolas" panose="020B0609020204030204" pitchFamily="49" charset="0"/>
-              </a:rPr>
-              <a:t>const</a:t>
-            </a:r>
-            <a:r>
-              <a:rPr lang="en-US" sz="1400" dirty="0">
-                <a:solidFill>
-                  <a:srgbClr val="D4D4D4"/>
-                </a:solidFill>
-                <a:latin typeface="Consolas" panose="020B0609020204030204" pitchFamily="49" charset="0"/>
-              </a:rPr>
-              <a:t> </a:t>
-            </a:r>
-            <a:r>
-              <a:rPr lang="en-US" sz="1400" dirty="0">
-                <a:solidFill>
-                  <a:srgbClr val="4FC1FF"/>
-                </a:solidFill>
-                <a:latin typeface="Consolas" panose="020B0609020204030204" pitchFamily="49" charset="0"/>
-              </a:rPr>
-              <a:t>h1React</a:t>
-            </a:r>
-            <a:r>
-              <a:rPr lang="en-US" sz="1400" dirty="0">
-                <a:solidFill>
-                  <a:srgbClr val="D4D4D4"/>
-                </a:solidFill>
-                <a:latin typeface="Consolas" panose="020B0609020204030204" pitchFamily="49" charset="0"/>
-              </a:rPr>
-              <a:t> = </a:t>
-            </a:r>
-            <a:r>
-              <a:rPr lang="en-US" sz="1400" dirty="0">
-                <a:solidFill>
-                  <a:srgbClr val="9CDCFE"/>
-                </a:solidFill>
-                <a:latin typeface="Consolas" panose="020B0609020204030204" pitchFamily="49" charset="0"/>
-              </a:rPr>
-              <a:t>React</a:t>
-            </a:r>
-            <a:r>
-              <a:rPr lang="en-US" sz="1400" dirty="0">
-                <a:solidFill>
-                  <a:srgbClr val="D4D4D4"/>
-                </a:solidFill>
-                <a:latin typeface="Consolas" panose="020B0609020204030204" pitchFamily="49" charset="0"/>
-              </a:rPr>
-              <a:t>.</a:t>
-            </a:r>
-            <a:r>
-              <a:rPr lang="en-US" sz="1400" dirty="0">
-                <a:solidFill>
-                  <a:srgbClr val="DCDCAA"/>
-                </a:solidFill>
-                <a:latin typeface="Consolas" panose="020B0609020204030204" pitchFamily="49" charset="0"/>
-              </a:rPr>
-              <a:t>createElement</a:t>
-            </a:r>
-            <a:r>
-              <a:rPr lang="en-US" sz="1400" dirty="0">
-                <a:solidFill>
-                  <a:srgbClr val="D4D4D4"/>
-                </a:solidFill>
-                <a:latin typeface="Consolas" panose="020B0609020204030204" pitchFamily="49" charset="0"/>
-              </a:rPr>
-              <a:t>(</a:t>
-            </a:r>
-            <a:r>
-              <a:rPr lang="en-US" sz="1400" dirty="0">
-                <a:solidFill>
-                  <a:srgbClr val="CE9178"/>
-                </a:solidFill>
-                <a:latin typeface="Consolas" panose="020B0609020204030204" pitchFamily="49" charset="0"/>
-              </a:rPr>
-              <a:t>'h1'</a:t>
-            </a:r>
-            <a:r>
-              <a:rPr lang="en-US" sz="1400" dirty="0">
-                <a:solidFill>
-                  <a:srgbClr val="D4D4D4"/>
-                </a:solidFill>
-                <a:latin typeface="Consolas" panose="020B0609020204030204" pitchFamily="49" charset="0"/>
-              </a:rPr>
-              <a:t>, {</a:t>
-            </a:r>
-            <a:endParaRPr lang="en-US" sz="1400" dirty="0">
-              <a:solidFill>
-                <a:srgbClr val="CCCCCC"/>
-              </a:solidFill>
-              <a:latin typeface="Consolas" panose="020B0609020204030204" pitchFamily="49" charset="0"/>
-            </a:endParaRPr>
-          </a:p>
-          <a:p>
-            <a:r>
-              <a:rPr lang="en-US" sz="1400" dirty="0">
-                <a:solidFill>
-                  <a:srgbClr val="D4D4D4"/>
-                </a:solidFill>
-                <a:latin typeface="Consolas" panose="020B0609020204030204" pitchFamily="49" charset="0"/>
-              </a:rPr>
-              <a:t>            </a:t>
-            </a:r>
-            <a:r>
-              <a:rPr lang="en-US" sz="1400" dirty="0">
-                <a:solidFill>
-                  <a:srgbClr val="9CDCFE"/>
-                </a:solidFill>
-                <a:latin typeface="Consolas" panose="020B0609020204030204" pitchFamily="49" charset="0"/>
-              </a:rPr>
-              <a:t>id:</a:t>
-            </a:r>
-            <a:r>
-              <a:rPr lang="en-US" sz="1400" dirty="0">
-                <a:solidFill>
-                  <a:srgbClr val="D4D4D4"/>
-                </a:solidFill>
-                <a:latin typeface="Consolas" panose="020B0609020204030204" pitchFamily="49" charset="0"/>
-              </a:rPr>
-              <a:t> </a:t>
-            </a:r>
-            <a:r>
-              <a:rPr lang="en-US" sz="1400" dirty="0">
-                <a:solidFill>
-                  <a:srgbClr val="CE9178"/>
-                </a:solidFill>
-                <a:latin typeface="Consolas" panose="020B0609020204030204" pitchFamily="49" charset="0"/>
-              </a:rPr>
-              <a:t>'heading'</a:t>
-            </a:r>
-            <a:r>
-              <a:rPr lang="en-US" sz="1400" dirty="0">
-                <a:solidFill>
-                  <a:srgbClr val="D4D4D4"/>
-                </a:solidFill>
-                <a:latin typeface="Consolas" panose="020B0609020204030204" pitchFamily="49" charset="0"/>
-              </a:rPr>
-              <a:t>,</a:t>
-            </a:r>
-            <a:endParaRPr lang="en-US" sz="1400" dirty="0">
-              <a:solidFill>
-                <a:srgbClr val="CCCCCC"/>
-              </a:solidFill>
-              <a:latin typeface="Consolas" panose="020B0609020204030204" pitchFamily="49" charset="0"/>
-            </a:endParaRPr>
-          </a:p>
-          <a:p>
-            <a:r>
-              <a:rPr lang="en-US" sz="1400" dirty="0">
-                <a:solidFill>
-                  <a:srgbClr val="D4D4D4"/>
-                </a:solidFill>
-                <a:latin typeface="Consolas" panose="020B0609020204030204" pitchFamily="49" charset="0"/>
-              </a:rPr>
-              <a:t>            </a:t>
-            </a:r>
-            <a:r>
-              <a:rPr lang="en-US" sz="1400" dirty="0">
-                <a:solidFill>
-                  <a:srgbClr val="9CDCFE"/>
-                </a:solidFill>
-                <a:latin typeface="Consolas" panose="020B0609020204030204" pitchFamily="49" charset="0"/>
-              </a:rPr>
-              <a:t>className:</a:t>
-            </a:r>
-            <a:r>
-              <a:rPr lang="en-US" sz="1400" dirty="0">
-                <a:solidFill>
-                  <a:srgbClr val="D4D4D4"/>
-                </a:solidFill>
-                <a:latin typeface="Consolas" panose="020B0609020204030204" pitchFamily="49" charset="0"/>
-              </a:rPr>
-              <a:t> </a:t>
-            </a:r>
-            <a:r>
-              <a:rPr lang="en-US" sz="1400" dirty="0">
-                <a:solidFill>
-                  <a:srgbClr val="CE9178"/>
-                </a:solidFill>
-                <a:latin typeface="Consolas" panose="020B0609020204030204" pitchFamily="49" charset="0"/>
-              </a:rPr>
-              <a:t>'headingClass'</a:t>
-            </a:r>
-            <a:endParaRPr lang="en-US" sz="1400" dirty="0">
-              <a:solidFill>
-                <a:srgbClr val="CCCCCC"/>
-              </a:solidFill>
-              <a:latin typeface="Consolas" panose="020B0609020204030204" pitchFamily="49" charset="0"/>
-            </a:endParaRPr>
-          </a:p>
-          <a:p>
-            <a:r>
-              <a:rPr lang="en-US" sz="1400" dirty="0">
-                <a:solidFill>
-                  <a:srgbClr val="D4D4D4"/>
-                </a:solidFill>
-                <a:latin typeface="Consolas" panose="020B0609020204030204" pitchFamily="49" charset="0"/>
-              </a:rPr>
-              <a:t>        }, </a:t>
-            </a:r>
-            <a:r>
-              <a:rPr lang="en-US" sz="1400" dirty="0">
-                <a:solidFill>
-                  <a:srgbClr val="CE9178"/>
-                </a:solidFill>
-                <a:latin typeface="Consolas" panose="020B0609020204030204" pitchFamily="49" charset="0"/>
-              </a:rPr>
-              <a:t>'Hello React'</a:t>
-            </a:r>
-            <a:r>
-              <a:rPr lang="en-US" sz="1400" dirty="0">
-                <a:solidFill>
-                  <a:srgbClr val="D4D4D4"/>
-                </a:solidFill>
-                <a:latin typeface="Consolas" panose="020B0609020204030204" pitchFamily="49" charset="0"/>
-              </a:rPr>
-              <a:t>)</a:t>
-            </a:r>
-            <a:endParaRPr lang="en-US" sz="1400" dirty="0">
-              <a:solidFill>
-                <a:srgbClr val="CCCCCC"/>
-              </a:solidFill>
-              <a:latin typeface="Consolas" panose="020B0609020204030204" pitchFamily="49" charset="0"/>
-            </a:endParaRPr>
-          </a:p>
-          <a:p>
-            <a:r>
-              <a:rPr lang="en-US" sz="1400" dirty="0">
-                <a:solidFill>
-                  <a:srgbClr val="D4D4D4"/>
-                </a:solidFill>
-                <a:latin typeface="Consolas" panose="020B0609020204030204" pitchFamily="49" charset="0"/>
-              </a:rPr>
-              <a:t>        </a:t>
-            </a:r>
-            <a:r>
-              <a:rPr lang="en-US" sz="1400" dirty="0">
-                <a:solidFill>
-                  <a:srgbClr val="9CDCFE"/>
-                </a:solidFill>
-                <a:latin typeface="Consolas" panose="020B0609020204030204" pitchFamily="49" charset="0"/>
-              </a:rPr>
-              <a:t>ReactDOM</a:t>
-            </a:r>
-            <a:r>
-              <a:rPr lang="en-US" sz="1400" dirty="0">
-                <a:solidFill>
-                  <a:srgbClr val="D4D4D4"/>
-                </a:solidFill>
-                <a:latin typeface="Consolas" panose="020B0609020204030204" pitchFamily="49" charset="0"/>
-              </a:rPr>
-              <a:t>.</a:t>
-            </a:r>
-            <a:r>
-              <a:rPr lang="en-US" sz="1400" dirty="0">
-                <a:solidFill>
-                  <a:srgbClr val="DCDCAA"/>
-                </a:solidFill>
-                <a:latin typeface="Consolas" panose="020B0609020204030204" pitchFamily="49" charset="0"/>
-              </a:rPr>
-              <a:t>createRoot</a:t>
-            </a:r>
-            <a:r>
-              <a:rPr lang="en-US" sz="1400" dirty="0">
-                <a:solidFill>
-                  <a:srgbClr val="D4D4D4"/>
-                </a:solidFill>
-                <a:latin typeface="Consolas" panose="020B0609020204030204" pitchFamily="49" charset="0"/>
-              </a:rPr>
-              <a:t>(</a:t>
-            </a:r>
-            <a:r>
-              <a:rPr lang="en-US" sz="1400" dirty="0">
-                <a:solidFill>
-                  <a:srgbClr val="4FC1FF"/>
-                </a:solidFill>
-                <a:latin typeface="Consolas" panose="020B0609020204030204" pitchFamily="49" charset="0"/>
-              </a:rPr>
-              <a:t>main</a:t>
-            </a:r>
-            <a:r>
-              <a:rPr lang="en-US" sz="1400" dirty="0" smtClean="0">
-                <a:solidFill>
-                  <a:srgbClr val="D4D4D4"/>
-                </a:solidFill>
-                <a:latin typeface="Consolas" panose="020B0609020204030204" pitchFamily="49" charset="0"/>
-              </a:rPr>
-              <a:t>).</a:t>
-            </a:r>
-            <a:r>
-              <a:rPr lang="en-US" sz="1400" dirty="0" smtClean="0">
-                <a:solidFill>
-                  <a:srgbClr val="DCDCAA"/>
-                </a:solidFill>
-                <a:latin typeface="Consolas" panose="020B0609020204030204" pitchFamily="49" charset="0"/>
-              </a:rPr>
-              <a:t>render</a:t>
-            </a:r>
-            <a:r>
-              <a:rPr lang="en-US" sz="1400" dirty="0" smtClean="0">
-                <a:solidFill>
-                  <a:srgbClr val="D4D4D4"/>
-                </a:solidFill>
-                <a:latin typeface="Consolas" panose="020B0609020204030204" pitchFamily="49" charset="0"/>
-              </a:rPr>
-              <a:t>(</a:t>
-            </a:r>
-            <a:r>
-              <a:rPr lang="en-US" sz="1400" dirty="0" smtClean="0">
-                <a:solidFill>
-                  <a:srgbClr val="4FC1FF"/>
-                </a:solidFill>
-                <a:latin typeface="Consolas" panose="020B0609020204030204" pitchFamily="49" charset="0"/>
-              </a:rPr>
-              <a:t>h1React</a:t>
-            </a:r>
-            <a:r>
-              <a:rPr lang="en-US" sz="1400" dirty="0" smtClean="0">
-                <a:solidFill>
-                  <a:srgbClr val="D4D4D4"/>
-                </a:solidFill>
-                <a:latin typeface="Consolas" panose="020B0609020204030204" pitchFamily="49" charset="0"/>
-              </a:rPr>
-              <a:t>);</a:t>
-            </a:r>
-            <a:endParaRPr lang="en-US" sz="1400" dirty="0">
-              <a:solidFill>
-                <a:srgbClr val="CCCCCC"/>
-              </a:solidFill>
-              <a:latin typeface="Consolas" panose="020B0609020204030204" pitchFamily="49" charset="0"/>
-            </a:endParaRPr>
-          </a:p>
-          <a:p>
-            <a:r>
-              <a:rPr lang="en-US" sz="1400" dirty="0">
-                <a:solidFill>
-                  <a:srgbClr val="D4D4D4"/>
-                </a:solidFill>
-                <a:latin typeface="Consolas" panose="020B0609020204030204" pitchFamily="49" charset="0"/>
-              </a:rPr>
-              <a:t>    </a:t>
-            </a:r>
-            <a:r>
-              <a:rPr lang="en-US" sz="1400" dirty="0">
-                <a:solidFill>
-                  <a:srgbClr val="808080"/>
-                </a:solidFill>
-                <a:latin typeface="Consolas" panose="020B0609020204030204" pitchFamily="49" charset="0"/>
-              </a:rPr>
-              <a:t>&lt;/</a:t>
-            </a:r>
-            <a:r>
-              <a:rPr lang="en-US" sz="1400" dirty="0" smtClean="0">
-                <a:solidFill>
-                  <a:srgbClr val="569CD6"/>
-                </a:solidFill>
-                <a:latin typeface="Consolas" panose="020B0609020204030204" pitchFamily="49" charset="0"/>
-              </a:rPr>
-              <a:t>script</a:t>
-            </a:r>
-            <a:r>
-              <a:rPr lang="en-US" sz="1400" dirty="0" smtClean="0">
-                <a:solidFill>
-                  <a:srgbClr val="808080"/>
-                </a:solidFill>
-                <a:latin typeface="Consolas" panose="020B0609020204030204" pitchFamily="49" charset="0"/>
-              </a:rPr>
-              <a:t>&gt;</a:t>
-            </a:r>
-            <a:endParaRPr lang="en-US" sz="1400" b="0" dirty="0">
-              <a:solidFill>
-                <a:srgbClr val="CCCCCC"/>
-              </a:solidFill>
-              <a:effectLst/>
-              <a:latin typeface="Consolas" panose="020B0609020204030204" pitchFamily="49" charset="0"/>
-            </a:endParaRPr>
-          </a:p>
-        </p:txBody>
-      </p:sp>
+      </p:pic>
     </p:spTree>
     <p:extLst>
       <p:ext uri="{BB962C8B-B14F-4D97-AF65-F5344CB8AC3E}">
-        <p14:creationId xmlns:p14="http://schemas.microsoft.com/office/powerpoint/2010/main" val="718968184"/>
+        <p14:creationId xmlns:p14="http://schemas.microsoft.com/office/powerpoint/2010/main" val="1720659937"/>
       </p:ext>
     </p:extLst>
   </p:cSld>
@@ -5944,129 +5336,6 @@
           <a:lstStyle/>
           <a:p>
             <a:r>
-              <a:rPr lang="en-US" dirty="0">
-                <a:latin typeface="Tahoma" panose="020B0604030504040204" pitchFamily="34" charset="0"/>
-                <a:ea typeface="Tahoma" panose="020B0604030504040204" pitchFamily="34" charset="0"/>
-                <a:cs typeface="Tahoma" panose="020B0604030504040204" pitchFamily="34" charset="0"/>
-              </a:rPr>
-              <a:t>Console log </a:t>
-            </a:r>
-            <a:r>
-              <a:rPr lang="en-US" dirty="0" smtClean="0">
-                <a:latin typeface="Tahoma" panose="020B0604030504040204" pitchFamily="34" charset="0"/>
-                <a:ea typeface="Tahoma" panose="020B0604030504040204" pitchFamily="34" charset="0"/>
-                <a:cs typeface="Tahoma" panose="020B0604030504040204" pitchFamily="34" charset="0"/>
-              </a:rPr>
-              <a:t>h1React sẽ có thông tin về type, props và children</a:t>
-            </a:r>
-            <a:endParaRPr lang="vi-VN" dirty="0">
-              <a:latin typeface="Tahoma" panose="020B0604030504040204" pitchFamily="34" charset="0"/>
-              <a:ea typeface="Tahoma" panose="020B0604030504040204" pitchFamily="34" charset="0"/>
-              <a:cs typeface="Tahoma" panose="020B0604030504040204" pitchFamily="34" charset="0"/>
-            </a:endParaRPr>
-          </a:p>
-        </p:txBody>
-      </p:sp>
-      <p:pic>
-        <p:nvPicPr>
-          <p:cNvPr id="5" name="Picture 4"/>
-          <p:cNvPicPr>
-            <a:picLocks noChangeAspect="1"/>
-          </p:cNvPicPr>
-          <p:nvPr/>
-        </p:nvPicPr>
-        <p:blipFill>
-          <a:blip r:embed="rId2"/>
-          <a:stretch>
-            <a:fillRect/>
-          </a:stretch>
-        </p:blipFill>
-        <p:spPr>
-          <a:xfrm>
-            <a:off x="3005137" y="3139702"/>
-            <a:ext cx="6181725" cy="2600325"/>
-          </a:xfrm>
-          <a:prstGeom prst="rect">
-            <a:avLst/>
-          </a:prstGeom>
-        </p:spPr>
-      </p:pic>
-    </p:spTree>
-    <p:extLst>
-      <p:ext uri="{BB962C8B-B14F-4D97-AF65-F5344CB8AC3E}">
-        <p14:creationId xmlns:p14="http://schemas.microsoft.com/office/powerpoint/2010/main" val="1720659937"/>
-      </p:ext>
-    </p:extLst>
-  </p:cSld>
-  <p:clrMapOvr>
-    <a:masterClrMapping/>
-  </p:clrMapOvr>
-</p:sld>
-</file>
-
-<file path=ppt/slides/slide17.xml><?xml version="1.0" encoding="utf-8"?>
-<p:sld xmlns:a="http://schemas.openxmlformats.org/drawingml/2006/main" xmlns:r="http://schemas.openxmlformats.org/officeDocument/2006/relationships" xmlns:p="http://schemas.openxmlformats.org/presentationml/2006/main">
-  <p:cSld>
-    <p:spTree>
-      <p:nvGrpSpPr>
-        <p:cNvPr id="1" name=""/>
-        <p:cNvGrpSpPr/>
-        <p:nvPr/>
-      </p:nvGrpSpPr>
-      <p:grpSpPr>
-        <a:xfrm>
-          <a:off x="0" y="0"/>
-          <a:ext cx="0" cy="0"/>
-          <a:chOff x="0" y="0"/>
-          <a:chExt cx="0" cy="0"/>
-        </a:xfrm>
-      </p:grpSpPr>
-      <p:sp>
-        <p:nvSpPr>
-          <p:cNvPr id="2" name="Title 1"/>
-          <p:cNvSpPr>
-            <a:spLocks noGrp="1"/>
-          </p:cNvSpPr>
-          <p:nvPr>
-            <p:ph type="title"/>
-          </p:nvPr>
-        </p:nvSpPr>
-        <p:spPr/>
-        <p:txBody>
-          <a:bodyPr>
-            <a:normAutofit/>
-          </a:bodyPr>
-          <a:lstStyle/>
-          <a:p>
-            <a:r>
-              <a:rPr lang="en-US" dirty="0">
-                <a:latin typeface="Tahoma" panose="020B0604030504040204" pitchFamily="34" charset="0"/>
-                <a:ea typeface="Tahoma" panose="020B0604030504040204" pitchFamily="34" charset="0"/>
-                <a:cs typeface="Tahoma" panose="020B0604030504040204" pitchFamily="34" charset="0"/>
-              </a:rPr>
-              <a:t>React.createElement()</a:t>
-            </a:r>
-          </a:p>
-        </p:txBody>
-      </p:sp>
-      <p:sp>
-        <p:nvSpPr>
-          <p:cNvPr id="3" name="Content Placeholder 2"/>
-          <p:cNvSpPr>
-            <a:spLocks noGrp="1"/>
-          </p:cNvSpPr>
-          <p:nvPr>
-            <p:ph idx="1"/>
-          </p:nvPr>
-        </p:nvSpPr>
-        <p:spPr/>
-        <p:txBody>
-          <a:bodyPr>
-            <a:normAutofit/>
-          </a:bodyPr>
-          <a:lstStyle/>
-          <a:p>
-            <a:r>
               <a:rPr lang="en-US" dirty="0" smtClean="0">
                 <a:latin typeface="Tahoma" panose="020B0604030504040204" pitchFamily="34" charset="0"/>
                 <a:ea typeface="Tahoma" panose="020B0604030504040204" pitchFamily="34" charset="0"/>
@@ -6573,7 +5842,7 @@
 </p:sld>
 </file>
 
-<file path=ppt/slides/slide18.xml><?xml version="1.0" encoding="utf-8"?>
+<file path=ppt/slides/slide17.xml><?xml version="1.0" encoding="utf-8"?>
 <p:sld xmlns:a="http://schemas.openxmlformats.org/drawingml/2006/main" xmlns:r="http://schemas.openxmlformats.org/officeDocument/2006/relationships" xmlns:p="http://schemas.openxmlformats.org/presentationml/2006/main">
   <p:cSld>
     <p:spTree>
@@ -8034,187 +7303,6 @@
           </a:bodyPr>
           <a:lstStyle/>
           <a:p>
-            <a:r>
-              <a:rPr lang="en-US" dirty="0" smtClean="0">
-                <a:latin typeface="Tahoma" panose="020B0604030504040204" pitchFamily="34" charset="0"/>
-                <a:ea typeface="Tahoma" panose="020B0604030504040204" pitchFamily="34" charset="0"/>
-                <a:cs typeface="Tahoma" panose="020B0604030504040204" pitchFamily="34" charset="0"/>
-              </a:rPr>
-              <a:t>unpkg</a:t>
-            </a:r>
-          </a:p>
-          <a:p>
-            <a:pPr lvl="2"/>
-            <a:r>
-              <a:rPr lang="vi-VN" dirty="0">
-                <a:ea typeface="Tahoma" panose="020B0604030504040204" pitchFamily="34" charset="0"/>
-                <a:cs typeface="Tahoma" panose="020B0604030504040204" pitchFamily="34" charset="0"/>
-                <a:hlinkClick r:id="rId2"/>
-              </a:rPr>
-              <a:t>https://www.unpkg.com</a:t>
-            </a:r>
-            <a:r>
-              <a:rPr lang="vi-VN" dirty="0" smtClean="0">
-                <a:ea typeface="Tahoma" panose="020B0604030504040204" pitchFamily="34" charset="0"/>
-                <a:cs typeface="Tahoma" panose="020B0604030504040204" pitchFamily="34" charset="0"/>
-                <a:hlinkClick r:id="rId2"/>
-              </a:rPr>
-              <a:t>/</a:t>
-            </a:r>
-            <a:endParaRPr lang="en-US" dirty="0" smtClean="0">
-              <a:ea typeface="Tahoma" panose="020B0604030504040204" pitchFamily="34" charset="0"/>
-              <a:cs typeface="Tahoma" panose="020B0604030504040204" pitchFamily="34" charset="0"/>
-            </a:endParaRPr>
-          </a:p>
-          <a:p>
-            <a:pPr lvl="2"/>
-            <a:r>
-              <a:rPr lang="vi-VN" dirty="0">
-                <a:ea typeface="Tahoma" panose="020B0604030504040204" pitchFamily="34" charset="0"/>
-                <a:cs typeface="Tahoma" panose="020B0604030504040204" pitchFamily="34" charset="0"/>
-              </a:rPr>
-              <a:t>unpkg là mạng phân phối nội dung toàn </a:t>
-            </a:r>
-            <a:r>
-              <a:rPr lang="vi-VN" dirty="0" smtClean="0">
-                <a:ea typeface="Tahoma" panose="020B0604030504040204" pitchFamily="34" charset="0"/>
-                <a:cs typeface="Tahoma" panose="020B0604030504040204" pitchFamily="34" charset="0"/>
-              </a:rPr>
-              <a:t>cầu. </a:t>
-            </a:r>
-            <a:r>
-              <a:rPr lang="vi-VN" dirty="0">
-                <a:ea typeface="Tahoma" panose="020B0604030504040204" pitchFamily="34" charset="0"/>
-                <a:cs typeface="Tahoma" panose="020B0604030504040204" pitchFamily="34" charset="0"/>
-              </a:rPr>
-              <a:t>Sử dụng nó để tải nhanh chóng và dễ dàng bất kỳ tệp nào từ bất kỳ gói nào bằng URL </a:t>
-            </a:r>
-            <a:r>
-              <a:rPr lang="en-US" dirty="0" smtClean="0">
-                <a:ea typeface="Tahoma" panose="020B0604030504040204" pitchFamily="34" charset="0"/>
-                <a:cs typeface="Tahoma" panose="020B0604030504040204" pitchFamily="34" charset="0"/>
-              </a:rPr>
-              <a:t>trên npm</a:t>
-            </a:r>
-            <a:r>
-              <a:rPr lang="vi-VN" dirty="0" smtClean="0">
-                <a:ea typeface="Tahoma" panose="020B0604030504040204" pitchFamily="34" charset="0"/>
-                <a:cs typeface="Tahoma" panose="020B0604030504040204" pitchFamily="34" charset="0"/>
-              </a:rPr>
-              <a:t>:</a:t>
-            </a:r>
-            <a:endParaRPr lang="vi-VN" dirty="0">
-              <a:latin typeface="Tahoma" panose="020B0604030504040204" pitchFamily="34" charset="0"/>
-              <a:ea typeface="Tahoma" panose="020B0604030504040204" pitchFamily="34" charset="0"/>
-              <a:cs typeface="Tahoma" panose="020B0604030504040204" pitchFamily="34" charset="0"/>
-            </a:endParaRPr>
-          </a:p>
-        </p:txBody>
-      </p:sp>
-      <p:pic>
-        <p:nvPicPr>
-          <p:cNvPr id="4" name="Picture 3"/>
-          <p:cNvPicPr>
-            <a:picLocks noChangeAspect="1"/>
-          </p:cNvPicPr>
-          <p:nvPr/>
-        </p:nvPicPr>
-        <p:blipFill>
-          <a:blip r:embed="rId3"/>
-          <a:stretch>
-            <a:fillRect/>
-          </a:stretch>
-        </p:blipFill>
-        <p:spPr>
-          <a:xfrm>
-            <a:off x="2714625" y="4060185"/>
-            <a:ext cx="6762750" cy="447675"/>
-          </a:xfrm>
-          <a:prstGeom prst="rect">
-            <a:avLst/>
-          </a:prstGeom>
-        </p:spPr>
-      </p:pic>
-    </p:spTree>
-    <p:extLst>
-      <p:ext uri="{BB962C8B-B14F-4D97-AF65-F5344CB8AC3E}">
-        <p14:creationId xmlns:p14="http://schemas.microsoft.com/office/powerpoint/2010/main" val="1426370010"/>
-      </p:ext>
-    </p:extLst>
-  </p:cSld>
-  <p:clrMapOvr>
-    <a:masterClrMapping/>
-  </p:clrMapOvr>
-</p:sld>
-</file>
-
-<file path=ppt/slides/slide6.xml><?xml version="1.0" encoding="utf-8"?>
-<p:sld xmlns:a="http://schemas.openxmlformats.org/drawingml/2006/main" xmlns:r="http://schemas.openxmlformats.org/officeDocument/2006/relationships" xmlns:p="http://schemas.openxmlformats.org/presentationml/2006/main">
-  <p:cSld>
-    <p:spTree>
-      <p:nvGrpSpPr>
-        <p:cNvPr id="1" name=""/>
-        <p:cNvGrpSpPr/>
-        <p:nvPr/>
-      </p:nvGrpSpPr>
-      <p:grpSpPr>
-        <a:xfrm>
-          <a:off x="0" y="0"/>
-          <a:ext cx="0" cy="0"/>
-          <a:chOff x="0" y="0"/>
-          <a:chExt cx="0" cy="0"/>
-        </a:xfrm>
-      </p:grpSpPr>
-      <p:sp>
-        <p:nvSpPr>
-          <p:cNvPr id="2" name="Title 1"/>
-          <p:cNvSpPr>
-            <a:spLocks noGrp="1"/>
-          </p:cNvSpPr>
-          <p:nvPr>
-            <p:ph type="title"/>
-          </p:nvPr>
-        </p:nvSpPr>
-        <p:spPr/>
-        <p:txBody>
-          <a:bodyPr>
-            <a:normAutofit/>
-          </a:bodyPr>
-          <a:lstStyle/>
-          <a:p>
-            <a:r>
-              <a:rPr lang="en-US" dirty="0" smtClean="0">
-                <a:latin typeface="Tahoma" panose="020B0604030504040204" pitchFamily="34" charset="0"/>
-                <a:ea typeface="Tahoma" panose="020B0604030504040204" pitchFamily="34" charset="0"/>
-                <a:cs typeface="Tahoma" panose="020B0604030504040204" pitchFamily="34" charset="0"/>
-              </a:rPr>
-              <a:t>Add react to a website</a:t>
-            </a:r>
-            <a:endParaRPr lang="en-US" dirty="0">
-              <a:latin typeface="Tahoma" panose="020B0604030504040204" pitchFamily="34" charset="0"/>
-              <a:ea typeface="Tahoma" panose="020B0604030504040204" pitchFamily="34" charset="0"/>
-              <a:cs typeface="Tahoma" panose="020B0604030504040204" pitchFamily="34" charset="0"/>
-            </a:endParaRPr>
-          </a:p>
-        </p:txBody>
-      </p:sp>
-      <p:sp>
-        <p:nvSpPr>
-          <p:cNvPr id="3" name="Content Placeholder 2"/>
-          <p:cNvSpPr>
-            <a:spLocks noGrp="1"/>
-          </p:cNvSpPr>
-          <p:nvPr>
-            <p:ph idx="1"/>
-          </p:nvPr>
-        </p:nvSpPr>
-        <p:spPr/>
-        <p:txBody>
-          <a:bodyPr>
-            <a:normAutofit/>
-          </a:bodyPr>
-          <a:lstStyle/>
-          <a:p>
             <a:endParaRPr lang="vi-VN" dirty="0">
               <a:latin typeface="Tahoma" panose="020B0604030504040204" pitchFamily="34" charset="0"/>
               <a:ea typeface="Tahoma" panose="020B0604030504040204" pitchFamily="34" charset="0"/>
@@ -8260,6 +7348,140 @@
 </p:sld>
 </file>
 
+<file path=ppt/slides/slide6.xml><?xml version="1.0" encoding="utf-8"?>
+<p:sld xmlns:a="http://schemas.openxmlformats.org/drawingml/2006/main" xmlns:r="http://schemas.openxmlformats.org/officeDocument/2006/relationships" xmlns:p="http://schemas.openxmlformats.org/presentationml/2006/main">
+  <p:cSld>
+    <p:spTree>
+      <p:nvGrpSpPr>
+        <p:cNvPr id="1" name=""/>
+        <p:cNvGrpSpPr/>
+        <p:nvPr/>
+      </p:nvGrpSpPr>
+      <p:grpSpPr>
+        <a:xfrm>
+          <a:off x="0" y="0"/>
+          <a:ext cx="0" cy="0"/>
+          <a:chOff x="0" y="0"/>
+          <a:chExt cx="0" cy="0"/>
+        </a:xfrm>
+      </p:grpSpPr>
+      <p:sp>
+        <p:nvSpPr>
+          <p:cNvPr id="2" name="Title 1"/>
+          <p:cNvSpPr>
+            <a:spLocks noGrp="1"/>
+          </p:cNvSpPr>
+          <p:nvPr>
+            <p:ph type="title"/>
+          </p:nvPr>
+        </p:nvSpPr>
+        <p:spPr/>
+        <p:txBody>
+          <a:bodyPr>
+            <a:normAutofit/>
+          </a:bodyPr>
+          <a:lstStyle/>
+          <a:p>
+            <a:r>
+              <a:rPr lang="en-US" dirty="0" smtClean="0">
+                <a:latin typeface="Tahoma" panose="020B0604030504040204" pitchFamily="34" charset="0"/>
+                <a:ea typeface="Tahoma" panose="020B0604030504040204" pitchFamily="34" charset="0"/>
+                <a:cs typeface="Tahoma" panose="020B0604030504040204" pitchFamily="34" charset="0"/>
+              </a:rPr>
+              <a:t>Add react to a website</a:t>
+            </a:r>
+            <a:endParaRPr lang="en-US" dirty="0">
+              <a:latin typeface="Tahoma" panose="020B0604030504040204" pitchFamily="34" charset="0"/>
+              <a:ea typeface="Tahoma" panose="020B0604030504040204" pitchFamily="34" charset="0"/>
+              <a:cs typeface="Tahoma" panose="020B0604030504040204" pitchFamily="34" charset="0"/>
+            </a:endParaRPr>
+          </a:p>
+        </p:txBody>
+      </p:sp>
+      <p:sp>
+        <p:nvSpPr>
+          <p:cNvPr id="3" name="Content Placeholder 2"/>
+          <p:cNvSpPr>
+            <a:spLocks noGrp="1"/>
+          </p:cNvSpPr>
+          <p:nvPr>
+            <p:ph idx="1"/>
+          </p:nvPr>
+        </p:nvSpPr>
+        <p:spPr/>
+        <p:txBody>
+          <a:bodyPr>
+            <a:normAutofit/>
+          </a:bodyPr>
+          <a:lstStyle/>
+          <a:p>
+            <a:r>
+              <a:rPr lang="en-US" dirty="0" smtClean="0">
+                <a:latin typeface="Tahoma" panose="020B0604030504040204" pitchFamily="34" charset="0"/>
+                <a:ea typeface="Tahoma" panose="020B0604030504040204" pitchFamily="34" charset="0"/>
+                <a:cs typeface="Tahoma" panose="020B0604030504040204" pitchFamily="34" charset="0"/>
+              </a:rPr>
+              <a:t>ReactJS sẽ có 2 phiên bản là production và development</a:t>
+            </a:r>
+          </a:p>
+          <a:p>
+            <a:pPr lvl="1"/>
+            <a:r>
+              <a:rPr lang="en-US" dirty="0" smtClean="0">
+                <a:latin typeface="Tahoma" panose="020B0604030504040204" pitchFamily="34" charset="0"/>
+                <a:ea typeface="Tahoma" panose="020B0604030504040204" pitchFamily="34" charset="0"/>
+                <a:cs typeface="Tahoma" panose="020B0604030504040204" pitchFamily="34" charset="0"/>
+              </a:rPr>
+              <a:t>Chúng ta code sẽ sử dụng phiên bản development cho dễ dàng đọc source </a:t>
+            </a:r>
+            <a:r>
+              <a:rPr lang="en-US" dirty="0" smtClean="0">
+                <a:latin typeface="Tahoma" panose="020B0604030504040204" pitchFamily="34" charset="0"/>
+                <a:ea typeface="Tahoma" panose="020B0604030504040204" pitchFamily="34" charset="0"/>
+                <a:cs typeface="Tahoma" panose="020B0604030504040204" pitchFamily="34" charset="0"/>
+              </a:rPr>
+              <a:t>và debug khi </a:t>
+            </a:r>
+            <a:r>
+              <a:rPr lang="en-US" dirty="0" smtClean="0">
+                <a:latin typeface="Tahoma" panose="020B0604030504040204" pitchFamily="34" charset="0"/>
+                <a:ea typeface="Tahoma" panose="020B0604030504040204" pitchFamily="34" charset="0"/>
+                <a:cs typeface="Tahoma" panose="020B0604030504040204" pitchFamily="34" charset="0"/>
+              </a:rPr>
+              <a:t>có lỗi</a:t>
+            </a:r>
+          </a:p>
+          <a:p>
+            <a:pPr lvl="1"/>
+            <a:r>
+              <a:rPr lang="en-US" dirty="0" smtClean="0">
+                <a:latin typeface="Tahoma" panose="020B0604030504040204" pitchFamily="34" charset="0"/>
+                <a:ea typeface="Tahoma" panose="020B0604030504040204" pitchFamily="34" charset="0"/>
+                <a:cs typeface="Tahoma" panose="020B0604030504040204" pitchFamily="34" charset="0"/>
+              </a:rPr>
+              <a:t>Khi deploy cho end user thì sẽ dùng bản production</a:t>
+            </a:r>
+            <a:endParaRPr lang="vi-VN" dirty="0">
+              <a:latin typeface="Tahoma" panose="020B0604030504040204" pitchFamily="34" charset="0"/>
+              <a:ea typeface="Tahoma" panose="020B0604030504040204" pitchFamily="34" charset="0"/>
+              <a:cs typeface="Tahoma" panose="020B0604030504040204" pitchFamily="34" charset="0"/>
+            </a:endParaRPr>
+          </a:p>
+        </p:txBody>
+      </p:sp>
+    </p:spTree>
+    <p:extLst>
+      <p:ext uri="{BB962C8B-B14F-4D97-AF65-F5344CB8AC3E}">
+        <p14:creationId xmlns:p14="http://schemas.microsoft.com/office/powerpoint/2010/main" val="2268088554"/>
+      </p:ext>
+    </p:extLst>
+  </p:cSld>
+  <p:clrMapOvr>
+    <a:masterClrMapping/>
+  </p:clrMapOvr>
+</p:sld>
+</file>
+
 <file path=ppt/slides/slide7.xml><?xml version="1.0" encoding="utf-8"?>
 <p:sld xmlns:a="http://schemas.openxmlformats.org/drawingml/2006/main" xmlns:r="http://schemas.openxmlformats.org/officeDocument/2006/relationships" xmlns:p="http://schemas.openxmlformats.org/presentationml/2006/main">
   <p:cSld>
@@ -8333,30 +7555,49 @@
                 <a:ea typeface="Tahoma" panose="020B0604030504040204" pitchFamily="34" charset="0"/>
                 <a:cs typeface="Tahoma" panose="020B0604030504040204" pitchFamily="34" charset="0"/>
               </a:rPr>
-              <a:t>ReactJS sẽ có 2 phiên bản là production và development</a:t>
+              <a:t>Vì sao lại dùng bản development?</a:t>
             </a:r>
           </a:p>
           <a:p>
             <a:pPr lvl="1"/>
             <a:r>
-              <a:rPr lang="en-US" dirty="0" smtClean="0">
-                <a:latin typeface="Tahoma" panose="020B0604030504040204" pitchFamily="34" charset="0"/>
+              <a:rPr lang="vi-VN" dirty="0">
                 <a:ea typeface="Tahoma" panose="020B0604030504040204" pitchFamily="34" charset="0"/>
                 <a:cs typeface="Tahoma" panose="020B0604030504040204" pitchFamily="34" charset="0"/>
-              </a:rPr>
-              <a:t>Chúng ta code sẽ sử dụng phiên bản development cho dễ dàng đọc source khi có lỗi</a:t>
-            </a:r>
-          </a:p>
-          <a:p>
-            <a:pPr lvl="1"/>
-            <a:r>
-              <a:rPr lang="en-US" dirty="0" smtClean="0">
-                <a:latin typeface="Tahoma" panose="020B0604030504040204" pitchFamily="34" charset="0"/>
+                <a:hlinkClick r:id="rId2"/>
+              </a:rPr>
+              <a:t>https://</a:t>
+            </a:r>
+            <a:r>
+              <a:rPr lang="vi-VN" dirty="0" smtClean="0">
                 <a:ea typeface="Tahoma" panose="020B0604030504040204" pitchFamily="34" charset="0"/>
                 <a:cs typeface="Tahoma" panose="020B0604030504040204" pitchFamily="34" charset="0"/>
-              </a:rPr>
-              <a:t>Khi deploy cho end user thì sẽ dùng bản production</a:t>
-            </a:r>
+                <a:hlinkClick r:id="rId2"/>
+              </a:rPr>
+              <a:t>www.unpkg.com/browse/react@18.2.0/umd/react.development.js</a:t>
+            </a:r>
+            <a:endParaRPr lang="en-US" dirty="0" smtClean="0">
+              <a:ea typeface="Tahoma" panose="020B0604030504040204" pitchFamily="34" charset="0"/>
+              <a:cs typeface="Tahoma" panose="020B0604030504040204" pitchFamily="34" charset="0"/>
+            </a:endParaRPr>
+          </a:p>
+          <a:p>
+            <a:pPr lvl="1"/>
+            <a:r>
+              <a:rPr lang="vi-VN" dirty="0" smtClean="0">
+                <a:ea typeface="Tahoma" panose="020B0604030504040204" pitchFamily="34" charset="0"/>
+                <a:cs typeface="Tahoma" panose="020B0604030504040204" pitchFamily="34" charset="0"/>
+                <a:hlinkClick r:id="rId3"/>
+              </a:rPr>
+              <a:t>https://www.unpkg.com/browse/react@18.2.0/umd/react.production.min.js</a:t>
+            </a:r>
+            <a:endParaRPr lang="en-US" dirty="0" smtClean="0">
+              <a:ea typeface="Tahoma" panose="020B0604030504040204" pitchFamily="34" charset="0"/>
+              <a:cs typeface="Tahoma" panose="020B0604030504040204" pitchFamily="34" charset="0"/>
+            </a:endParaRPr>
+          </a:p>
+          <a:p>
+            <a:pPr lvl="1"/>
             <a:endParaRPr lang="vi-VN" dirty="0">
               <a:latin typeface="Tahoma" panose="020B0604030504040204" pitchFamily="34" charset="0"/>
               <a:ea typeface="Tahoma" panose="020B0604030504040204" pitchFamily="34" charset="0"/>
@@ -8368,7 +7609,7 @@
     </p:spTree>
     <p:extLst>
       <p:ext uri="{BB962C8B-B14F-4D97-AF65-F5344CB8AC3E}">
-        <p14:creationId xmlns:p14="http://schemas.microsoft.com/office/powerpoint/2010/main" val="2268088554"/>
+        <p14:creationId xmlns:p14="http://schemas.microsoft.com/office/powerpoint/2010/main" val="690267572"/>
       </p:ext>
     </p:extLst>
   </p:cSld>
@@ -8413,87 +7654,115 @@
           <a:lstStyle/>
           <a:p>
             <a:r>
+              <a:rPr lang="en-US" dirty="0">
+                <a:latin typeface="Tahoma" panose="020B0604030504040204" pitchFamily="34" charset="0"/>
+                <a:ea typeface="Tahoma" panose="020B0604030504040204" pitchFamily="34" charset="0"/>
+                <a:cs typeface="Tahoma" panose="020B0604030504040204" pitchFamily="34" charset="0"/>
+              </a:rPr>
+              <a:t>Add react to a website</a:t>
+            </a:r>
+          </a:p>
+        </p:txBody>
+      </p:sp>
+      <p:sp>
+        <p:nvSpPr>
+          <p:cNvPr id="3" name="Content Placeholder 2"/>
+          <p:cNvSpPr>
+            <a:spLocks noGrp="1"/>
+          </p:cNvSpPr>
+          <p:nvPr>
+            <p:ph idx="1"/>
+          </p:nvPr>
+        </p:nvSpPr>
+        <p:spPr/>
+        <p:txBody>
+          <a:bodyPr>
+            <a:normAutofit/>
+          </a:bodyPr>
+          <a:lstStyle/>
+          <a:p>
+            <a:r>
               <a:rPr lang="en-US" dirty="0" smtClean="0">
                 <a:latin typeface="Tahoma" panose="020B0604030504040204" pitchFamily="34" charset="0"/>
                 <a:ea typeface="Tahoma" panose="020B0604030504040204" pitchFamily="34" charset="0"/>
                 <a:cs typeface="Tahoma" panose="020B0604030504040204" pitchFamily="34" charset="0"/>
               </a:rPr>
-              <a:t>Add react to a website</a:t>
-            </a:r>
+              <a:t>Giờ làm sao để add vào page html?</a:t>
+            </a:r>
+          </a:p>
+          <a:p>
+            <a:pPr lvl="1"/>
+            <a:r>
+              <a:rPr lang="vi-VN" dirty="0">
+                <a:ea typeface="Tahoma" panose="020B0604030504040204" pitchFamily="34" charset="0"/>
+                <a:cs typeface="Tahoma" panose="020B0604030504040204" pitchFamily="34" charset="0"/>
+                <a:hlinkClick r:id="rId2"/>
+              </a:rPr>
+              <a:t>https://</a:t>
+            </a:r>
+            <a:r>
+              <a:rPr lang="vi-VN" dirty="0" smtClean="0">
+                <a:ea typeface="Tahoma" panose="020B0604030504040204" pitchFamily="34" charset="0"/>
+                <a:cs typeface="Tahoma" panose="020B0604030504040204" pitchFamily="34" charset="0"/>
+                <a:hlinkClick r:id="rId2"/>
+              </a:rPr>
+              <a:t>legacy.reactjs.org/docs/add-react-to-a-website.html#add-react-in-one-minute</a:t>
+            </a:r>
+            <a:endParaRPr lang="en-US" dirty="0" smtClean="0">
+              <a:ea typeface="Tahoma" panose="020B0604030504040204" pitchFamily="34" charset="0"/>
+              <a:cs typeface="Tahoma" panose="020B0604030504040204" pitchFamily="34" charset="0"/>
+            </a:endParaRPr>
+          </a:p>
+          <a:p>
+            <a:pPr lvl="1"/>
+            <a:endParaRPr lang="en-US" dirty="0" smtClean="0">
+              <a:latin typeface="Tahoma" panose="020B0604030504040204" pitchFamily="34" charset="0"/>
+              <a:ea typeface="Tahoma" panose="020B0604030504040204" pitchFamily="34" charset="0"/>
+              <a:cs typeface="Tahoma" panose="020B0604030504040204" pitchFamily="34" charset="0"/>
+            </a:endParaRPr>
+          </a:p>
+          <a:p>
+            <a:pPr lvl="1"/>
             <a:endParaRPr lang="en-US" dirty="0">
               <a:latin typeface="Tahoma" panose="020B0604030504040204" pitchFamily="34" charset="0"/>
               <a:ea typeface="Tahoma" panose="020B0604030504040204" pitchFamily="34" charset="0"/>
               <a:cs typeface="Tahoma" panose="020B0604030504040204" pitchFamily="34" charset="0"/>
             </a:endParaRPr>
           </a:p>
-        </p:txBody>
-      </p:sp>
-      <p:sp>
-        <p:nvSpPr>
-          <p:cNvPr id="3" name="Content Placeholder 2"/>
-          <p:cNvSpPr>
-            <a:spLocks noGrp="1"/>
-          </p:cNvSpPr>
-          <p:nvPr>
-            <p:ph idx="1"/>
-          </p:nvPr>
-        </p:nvSpPr>
-        <p:spPr/>
-        <p:txBody>
-          <a:bodyPr>
-            <a:normAutofit/>
-          </a:bodyPr>
-          <a:lstStyle/>
-          <a:p>
+          <a:p>
+            <a:pPr lvl="1"/>
+            <a:endParaRPr lang="en-US" dirty="0" smtClean="0">
+              <a:latin typeface="Tahoma" panose="020B0604030504040204" pitchFamily="34" charset="0"/>
+              <a:ea typeface="Tahoma" panose="020B0604030504040204" pitchFamily="34" charset="0"/>
+              <a:cs typeface="Tahoma" panose="020B0604030504040204" pitchFamily="34" charset="0"/>
+            </a:endParaRPr>
+          </a:p>
+          <a:p>
+            <a:pPr lvl="1"/>
+            <a:endParaRPr lang="en-US" dirty="0">
+              <a:latin typeface="Tahoma" panose="020B0604030504040204" pitchFamily="34" charset="0"/>
+              <a:ea typeface="Tahoma" panose="020B0604030504040204" pitchFamily="34" charset="0"/>
+              <a:cs typeface="Tahoma" panose="020B0604030504040204" pitchFamily="34" charset="0"/>
+            </a:endParaRPr>
+          </a:p>
+          <a:p>
+            <a:pPr lvl="1"/>
+            <a:r>
+              <a:rPr lang="en-US" dirty="0">
+                <a:latin typeface="Tahoma" panose="020B0604030504040204" pitchFamily="34" charset="0"/>
+                <a:ea typeface="Tahoma" panose="020B0604030504040204" pitchFamily="34" charset="0"/>
+                <a:cs typeface="Tahoma" panose="020B0604030504040204" pitchFamily="34" charset="0"/>
+              </a:rPr>
+              <a:t>Copy </a:t>
+            </a:r>
             <a:r>
               <a:rPr lang="en-US" dirty="0" smtClean="0">
                 <a:latin typeface="Tahoma" panose="020B0604030504040204" pitchFamily="34" charset="0"/>
                 <a:ea typeface="Tahoma" panose="020B0604030504040204" pitchFamily="34" charset="0"/>
                 <a:cs typeface="Tahoma" panose="020B0604030504040204" pitchFamily="34" charset="0"/>
               </a:rPr>
-              <a:t>Vì sao lại dùng bản development?</a:t>
-            </a:r>
-          </a:p>
-          <a:p>
-            <a:pPr lvl="1"/>
-            <a:r>
-              <a:rPr lang="vi-VN" dirty="0">
-                <a:ea typeface="Tahoma" panose="020B0604030504040204" pitchFamily="34" charset="0"/>
-                <a:cs typeface="Tahoma" panose="020B0604030504040204" pitchFamily="34" charset="0"/>
-                <a:hlinkClick r:id="rId2"/>
-              </a:rPr>
-              <a:t>https://</a:t>
-            </a:r>
-            <a:r>
-              <a:rPr lang="vi-VN" dirty="0" smtClean="0">
-                <a:ea typeface="Tahoma" panose="020B0604030504040204" pitchFamily="34" charset="0"/>
-                <a:cs typeface="Tahoma" panose="020B0604030504040204" pitchFamily="34" charset="0"/>
-                <a:hlinkClick r:id="rId2"/>
-              </a:rPr>
-              <a:t>www.unpkg.com/browse/react@18.2.0/umd/react.development.js</a:t>
-            </a:r>
-            <a:endParaRPr lang="en-US" dirty="0" smtClean="0">
-              <a:ea typeface="Tahoma" panose="020B0604030504040204" pitchFamily="34" charset="0"/>
-              <a:cs typeface="Tahoma" panose="020B0604030504040204" pitchFamily="34" charset="0"/>
-            </a:endParaRPr>
-          </a:p>
-          <a:p>
-            <a:pPr lvl="1"/>
-            <a:r>
-              <a:rPr lang="vi-VN" dirty="0" smtClean="0">
-                <a:ea typeface="Tahoma" panose="020B0604030504040204" pitchFamily="34" charset="0"/>
-                <a:cs typeface="Tahoma" panose="020B0604030504040204" pitchFamily="34" charset="0"/>
-                <a:hlinkClick r:id="rId3"/>
-              </a:rPr>
-              <a:t>https://www.unpkg.com/browse/react@18.2.0/umd/react.production.min.js</a:t>
-            </a:r>
-            <a:endParaRPr lang="en-US" dirty="0" smtClean="0">
-              <a:ea typeface="Tahoma" panose="020B0604030504040204" pitchFamily="34" charset="0"/>
-              <a:cs typeface="Tahoma" panose="020B0604030504040204" pitchFamily="34" charset="0"/>
-            </a:endParaRPr>
-          </a:p>
-          <a:p>
-            <a:pPr lvl="1"/>
+              <a:t>react vào trong page html là xong</a:t>
+            </a:r>
             <a:endParaRPr lang="vi-VN" dirty="0">
               <a:latin typeface="Tahoma" panose="020B0604030504040204" pitchFamily="34" charset="0"/>
               <a:ea typeface="Tahoma" panose="020B0604030504040204" pitchFamily="34" charset="0"/>
@@ -8502,10 +7771,34 @@
           </a:p>
         </p:txBody>
       </p:sp>
+      <p:pic>
+        <p:nvPicPr>
+          <p:cNvPr id="5" name="Picture 4"/>
+          <p:cNvPicPr>
+            <a:picLocks noChangeAspect="1"/>
+          </p:cNvPicPr>
+          <p:nvPr/>
+        </p:nvPicPr>
+        <p:blipFill>
+          <a:blip r:embed="rId3"/>
+          <a:stretch>
+            <a:fillRect/>
+          </a:stretch>
+        </p:blipFill>
+        <p:spPr>
+          <a:xfrm>
+            <a:off x="3845153" y="3706422"/>
+            <a:ext cx="4501693" cy="1314826"/>
+          </a:xfrm>
+          <a:prstGeom prst="rect">
+            <a:avLst/>
+          </a:prstGeom>
+        </p:spPr>
+      </p:pic>
     </p:spTree>
     <p:extLst>
       <p:ext uri="{BB962C8B-B14F-4D97-AF65-F5344CB8AC3E}">
-        <p14:creationId xmlns:p14="http://schemas.microsoft.com/office/powerpoint/2010/main" val="690267572"/>
+        <p14:creationId xmlns:p14="http://schemas.microsoft.com/office/powerpoint/2010/main" val="2363082673"/>
       </p:ext>
     </p:extLst>
   </p:cSld>
@@ -8550,115 +7843,39 @@
           <a:lstStyle/>
           <a:p>
             <a:r>
-              <a:rPr lang="en-US" dirty="0">
-                <a:latin typeface="Tahoma" panose="020B0604030504040204" pitchFamily="34" charset="0"/>
-                <a:ea typeface="Tahoma" panose="020B0604030504040204" pitchFamily="34" charset="0"/>
-                <a:cs typeface="Tahoma" panose="020B0604030504040204" pitchFamily="34" charset="0"/>
-              </a:rPr>
-              <a:t>Add react to a website</a:t>
-            </a:r>
-          </a:p>
-        </p:txBody>
-      </p:sp>
-      <p:sp>
-        <p:nvSpPr>
-          <p:cNvPr id="3" name="Content Placeholder 2"/>
-          <p:cNvSpPr>
-            <a:spLocks noGrp="1"/>
-          </p:cNvSpPr>
-          <p:nvPr>
-            <p:ph idx="1"/>
-          </p:nvPr>
-        </p:nvSpPr>
-        <p:spPr/>
-        <p:txBody>
-          <a:bodyPr>
-            <a:normAutofit/>
-          </a:bodyPr>
-          <a:lstStyle/>
-          <a:p>
-            <a:r>
               <a:rPr lang="en-US" dirty="0" smtClean="0">
                 <a:latin typeface="Tahoma" panose="020B0604030504040204" pitchFamily="34" charset="0"/>
                 <a:ea typeface="Tahoma" panose="020B0604030504040204" pitchFamily="34" charset="0"/>
                 <a:cs typeface="Tahoma" panose="020B0604030504040204" pitchFamily="34" charset="0"/>
               </a:rPr>
-              <a:t>Giờ làm sao để add vào page html?</a:t>
-            </a:r>
-          </a:p>
-          <a:p>
-            <a:pPr lvl="1"/>
-            <a:r>
-              <a:rPr lang="vi-VN" dirty="0">
-                <a:ea typeface="Tahoma" panose="020B0604030504040204" pitchFamily="34" charset="0"/>
-                <a:cs typeface="Tahoma" panose="020B0604030504040204" pitchFamily="34" charset="0"/>
-                <a:hlinkClick r:id="rId2"/>
-              </a:rPr>
-              <a:t>https://</a:t>
-            </a:r>
-            <a:r>
-              <a:rPr lang="vi-VN" dirty="0" smtClean="0">
-                <a:ea typeface="Tahoma" panose="020B0604030504040204" pitchFamily="34" charset="0"/>
-                <a:cs typeface="Tahoma" panose="020B0604030504040204" pitchFamily="34" charset="0"/>
-                <a:hlinkClick r:id="rId2"/>
-              </a:rPr>
-              <a:t>legacy.reactjs.org/docs/add-react-to-a-website.html#add-react-in-one-minute</a:t>
-            </a:r>
-            <a:endParaRPr lang="en-US" dirty="0" smtClean="0">
-              <a:ea typeface="Tahoma" panose="020B0604030504040204" pitchFamily="34" charset="0"/>
-              <a:cs typeface="Tahoma" panose="020B0604030504040204" pitchFamily="34" charset="0"/>
-            </a:endParaRPr>
-          </a:p>
-          <a:p>
-            <a:pPr lvl="1"/>
-            <a:endParaRPr lang="en-US" dirty="0" smtClean="0">
-              <a:latin typeface="Tahoma" panose="020B0604030504040204" pitchFamily="34" charset="0"/>
-              <a:ea typeface="Tahoma" panose="020B0604030504040204" pitchFamily="34" charset="0"/>
-              <a:cs typeface="Tahoma" panose="020B0604030504040204" pitchFamily="34" charset="0"/>
-            </a:endParaRPr>
-          </a:p>
-          <a:p>
-            <a:pPr lvl="1"/>
+              <a:t>Add react to a website</a:t>
+            </a:r>
             <a:endParaRPr lang="en-US" dirty="0">
               <a:latin typeface="Tahoma" panose="020B0604030504040204" pitchFamily="34" charset="0"/>
               <a:ea typeface="Tahoma" panose="020B0604030504040204" pitchFamily="34" charset="0"/>
               <a:cs typeface="Tahoma" panose="020B0604030504040204" pitchFamily="34" charset="0"/>
             </a:endParaRPr>
           </a:p>
+        </p:txBody>
+      </p:sp>
+      <p:sp>
+        <p:nvSpPr>
+          <p:cNvPr id="3" name="Content Placeholder 2"/>
+          <p:cNvSpPr>
+            <a:spLocks noGrp="1"/>
+          </p:cNvSpPr>
+          <p:nvPr>
+            <p:ph idx="1"/>
+          </p:nvPr>
+        </p:nvSpPr>
+        <p:spPr/>
+        <p:txBody>
+          <a:bodyPr>
+            <a:normAutofit/>
+          </a:bodyPr>
+          <a:lstStyle/>
           <a:p>
             <a:pPr lvl="1"/>
-            <a:endParaRPr lang="en-US" dirty="0" smtClean="0">
-              <a:latin typeface="Tahoma" panose="020B0604030504040204" pitchFamily="34" charset="0"/>
-              <a:ea typeface="Tahoma" panose="020B0604030504040204" pitchFamily="34" charset="0"/>
-              <a:cs typeface="Tahoma" panose="020B0604030504040204" pitchFamily="34" charset="0"/>
-            </a:endParaRPr>
-          </a:p>
-          <a:p>
-            <a:pPr lvl="1"/>
-            <a:endParaRPr lang="en-US" dirty="0">
-              <a:latin typeface="Tahoma" panose="020B0604030504040204" pitchFamily="34" charset="0"/>
-              <a:ea typeface="Tahoma" panose="020B0604030504040204" pitchFamily="34" charset="0"/>
-              <a:cs typeface="Tahoma" panose="020B0604030504040204" pitchFamily="34" charset="0"/>
-            </a:endParaRPr>
-          </a:p>
-          <a:p>
-            <a:pPr lvl="1"/>
-            <a:r>
-              <a:rPr lang="en-US" dirty="0">
-                <a:latin typeface="Tahoma" panose="020B0604030504040204" pitchFamily="34" charset="0"/>
-                <a:ea typeface="Tahoma" panose="020B0604030504040204" pitchFamily="34" charset="0"/>
-                <a:cs typeface="Tahoma" panose="020B0604030504040204" pitchFamily="34" charset="0"/>
-              </a:rPr>
-              <a:t>Copy </a:t>
-            </a:r>
-            <a:r>
-              <a:rPr lang="en-US" dirty="0" smtClean="0">
-                <a:latin typeface="Tahoma" panose="020B0604030504040204" pitchFamily="34" charset="0"/>
-                <a:ea typeface="Tahoma" panose="020B0604030504040204" pitchFamily="34" charset="0"/>
-                <a:cs typeface="Tahoma" panose="020B0604030504040204" pitchFamily="34" charset="0"/>
-              </a:rPr>
-              <a:t>react vào trong page html là xong</a:t>
-            </a:r>
             <a:endParaRPr lang="vi-VN" dirty="0">
               <a:latin typeface="Tahoma" panose="020B0604030504040204" pitchFamily="34" charset="0"/>
               <a:ea typeface="Tahoma" panose="020B0604030504040204" pitchFamily="34" charset="0"/>
@@ -8667,34 +7884,657 @@
           </a:p>
         </p:txBody>
       </p:sp>
-      <p:pic>
-        <p:nvPicPr>
-          <p:cNvPr id="5" name="Picture 4"/>
-          <p:cNvPicPr>
-            <a:picLocks noChangeAspect="1"/>
-          </p:cNvPicPr>
+      <p:sp>
+        <p:nvSpPr>
+          <p:cNvPr id="4" name="Rectangle 3"/>
+          <p:cNvSpPr/>
           <p:nvPr/>
-        </p:nvPicPr>
-        <p:blipFill>
-          <a:blip r:embed="rId3"/>
-          <a:stretch>
-            <a:fillRect/>
-          </a:stretch>
-        </p:blipFill>
+        </p:nvSpPr>
         <p:spPr>
           <a:xfrm>
-            <a:off x="3845153" y="3409538"/>
-            <a:ext cx="4501693" cy="1314826"/>
+            <a:off x="2407920" y="3056828"/>
+            <a:ext cx="7376160" cy="2123658"/>
           </a:xfrm>
           <a:prstGeom prst="rect">
             <a:avLst/>
           </a:prstGeom>
+          <a:solidFill>
+            <a:schemeClr val="tx1"/>
+          </a:solidFill>
         </p:spPr>
-      </p:pic>
+        <p:txBody>
+          <a:bodyPr>
+            <a:spAutoFit/>
+          </a:bodyPr>
+          <a:lstStyle/>
+          <a:p>
+            <a:r>
+              <a:rPr lang="en-US" sz="1200" dirty="0">
+                <a:solidFill>
+                  <a:srgbClr val="808080"/>
+                </a:solidFill>
+                <a:latin typeface="Consolas" panose="020B0609020204030204" pitchFamily="49" charset="0"/>
+              </a:rPr>
+              <a:t>&lt;</a:t>
+            </a:r>
+            <a:r>
+              <a:rPr lang="en-US" sz="1200" dirty="0">
+                <a:solidFill>
+                  <a:srgbClr val="569CD6"/>
+                </a:solidFill>
+                <a:latin typeface="Consolas" panose="020B0609020204030204" pitchFamily="49" charset="0"/>
+              </a:rPr>
+              <a:t>head</a:t>
+            </a:r>
+            <a:r>
+              <a:rPr lang="en-US" sz="1200" dirty="0">
+                <a:solidFill>
+                  <a:srgbClr val="808080"/>
+                </a:solidFill>
+                <a:latin typeface="Consolas" panose="020B0609020204030204" pitchFamily="49" charset="0"/>
+              </a:rPr>
+              <a:t>&gt;</a:t>
+            </a:r>
+            <a:endParaRPr lang="en-US" sz="1200" dirty="0">
+              <a:solidFill>
+                <a:srgbClr val="CCCCCC"/>
+              </a:solidFill>
+              <a:latin typeface="Consolas" panose="020B0609020204030204" pitchFamily="49" charset="0"/>
+            </a:endParaRPr>
+          </a:p>
+          <a:p>
+            <a:r>
+              <a:rPr lang="en-US" sz="1200" dirty="0">
+                <a:solidFill>
+                  <a:srgbClr val="CCCCCC"/>
+                </a:solidFill>
+                <a:latin typeface="Consolas" panose="020B0609020204030204" pitchFamily="49" charset="0"/>
+              </a:rPr>
+              <a:t>    </a:t>
+            </a:r>
+            <a:r>
+              <a:rPr lang="en-US" sz="1200" dirty="0">
+                <a:solidFill>
+                  <a:srgbClr val="808080"/>
+                </a:solidFill>
+                <a:latin typeface="Consolas" panose="020B0609020204030204" pitchFamily="49" charset="0"/>
+              </a:rPr>
+              <a:t>&lt;</a:t>
+            </a:r>
+            <a:r>
+              <a:rPr lang="en-US" sz="1200" dirty="0">
+                <a:solidFill>
+                  <a:srgbClr val="569CD6"/>
+                </a:solidFill>
+                <a:latin typeface="Consolas" panose="020B0609020204030204" pitchFamily="49" charset="0"/>
+              </a:rPr>
+              <a:t>meta</a:t>
+            </a:r>
+            <a:r>
+              <a:rPr lang="en-US" sz="1200" dirty="0">
+                <a:solidFill>
+                  <a:srgbClr val="CCCCCC"/>
+                </a:solidFill>
+                <a:latin typeface="Consolas" panose="020B0609020204030204" pitchFamily="49" charset="0"/>
+              </a:rPr>
+              <a:t> </a:t>
+            </a:r>
+            <a:r>
+              <a:rPr lang="en-US" sz="1200" dirty="0">
+                <a:solidFill>
+                  <a:srgbClr val="9CDCFE"/>
+                </a:solidFill>
+                <a:latin typeface="Consolas" panose="020B0609020204030204" pitchFamily="49" charset="0"/>
+              </a:rPr>
+              <a:t>charset</a:t>
+            </a:r>
+            <a:r>
+              <a:rPr lang="en-US" sz="1200" dirty="0">
+                <a:solidFill>
+                  <a:srgbClr val="CCCCCC"/>
+                </a:solidFill>
+                <a:latin typeface="Consolas" panose="020B0609020204030204" pitchFamily="49" charset="0"/>
+              </a:rPr>
+              <a:t>=</a:t>
+            </a:r>
+            <a:r>
+              <a:rPr lang="en-US" sz="1200" dirty="0">
+                <a:solidFill>
+                  <a:srgbClr val="CE9178"/>
+                </a:solidFill>
+                <a:latin typeface="Consolas" panose="020B0609020204030204" pitchFamily="49" charset="0"/>
+              </a:rPr>
+              <a:t>"UTF-8"</a:t>
+            </a:r>
+            <a:r>
+              <a:rPr lang="en-US" sz="1200" dirty="0">
+                <a:solidFill>
+                  <a:srgbClr val="808080"/>
+                </a:solidFill>
+                <a:latin typeface="Consolas" panose="020B0609020204030204" pitchFamily="49" charset="0"/>
+              </a:rPr>
+              <a:t>&gt;</a:t>
+            </a:r>
+            <a:endParaRPr lang="en-US" sz="1200" dirty="0">
+              <a:solidFill>
+                <a:srgbClr val="CCCCCC"/>
+              </a:solidFill>
+              <a:latin typeface="Consolas" panose="020B0609020204030204" pitchFamily="49" charset="0"/>
+            </a:endParaRPr>
+          </a:p>
+          <a:p>
+            <a:r>
+              <a:rPr lang="en-US" sz="1200" dirty="0">
+                <a:solidFill>
+                  <a:srgbClr val="CCCCCC"/>
+                </a:solidFill>
+                <a:latin typeface="Consolas" panose="020B0609020204030204" pitchFamily="49" charset="0"/>
+              </a:rPr>
+              <a:t>    </a:t>
+            </a:r>
+            <a:r>
+              <a:rPr lang="en-US" sz="1200" dirty="0">
+                <a:solidFill>
+                  <a:srgbClr val="808080"/>
+                </a:solidFill>
+                <a:latin typeface="Consolas" panose="020B0609020204030204" pitchFamily="49" charset="0"/>
+              </a:rPr>
+              <a:t>&lt;</a:t>
+            </a:r>
+            <a:r>
+              <a:rPr lang="en-US" sz="1200" dirty="0">
+                <a:solidFill>
+                  <a:srgbClr val="569CD6"/>
+                </a:solidFill>
+                <a:latin typeface="Consolas" panose="020B0609020204030204" pitchFamily="49" charset="0"/>
+              </a:rPr>
+              <a:t>meta</a:t>
+            </a:r>
+            <a:r>
+              <a:rPr lang="en-US" sz="1200" dirty="0">
+                <a:solidFill>
+                  <a:srgbClr val="CCCCCC"/>
+                </a:solidFill>
+                <a:latin typeface="Consolas" panose="020B0609020204030204" pitchFamily="49" charset="0"/>
+              </a:rPr>
+              <a:t> </a:t>
+            </a:r>
+            <a:r>
+              <a:rPr lang="en-US" sz="1200" dirty="0">
+                <a:solidFill>
+                  <a:srgbClr val="9CDCFE"/>
+                </a:solidFill>
+                <a:latin typeface="Consolas" panose="020B0609020204030204" pitchFamily="49" charset="0"/>
+              </a:rPr>
+              <a:t>name</a:t>
+            </a:r>
+            <a:r>
+              <a:rPr lang="en-US" sz="1200" dirty="0">
+                <a:solidFill>
+                  <a:srgbClr val="CCCCCC"/>
+                </a:solidFill>
+                <a:latin typeface="Consolas" panose="020B0609020204030204" pitchFamily="49" charset="0"/>
+              </a:rPr>
+              <a:t>=</a:t>
+            </a:r>
+            <a:r>
+              <a:rPr lang="en-US" sz="1200" dirty="0">
+                <a:solidFill>
+                  <a:srgbClr val="CE9178"/>
+                </a:solidFill>
+                <a:latin typeface="Consolas" panose="020B0609020204030204" pitchFamily="49" charset="0"/>
+              </a:rPr>
+              <a:t>"viewport"</a:t>
+            </a:r>
+            <a:r>
+              <a:rPr lang="en-US" sz="1200" dirty="0">
+                <a:solidFill>
+                  <a:srgbClr val="CCCCCC"/>
+                </a:solidFill>
+                <a:latin typeface="Consolas" panose="020B0609020204030204" pitchFamily="49" charset="0"/>
+              </a:rPr>
+              <a:t> </a:t>
+            </a:r>
+            <a:r>
+              <a:rPr lang="en-US" sz="1200" dirty="0">
+                <a:solidFill>
+                  <a:srgbClr val="9CDCFE"/>
+                </a:solidFill>
+                <a:latin typeface="Consolas" panose="020B0609020204030204" pitchFamily="49" charset="0"/>
+              </a:rPr>
+              <a:t>content</a:t>
+            </a:r>
+            <a:r>
+              <a:rPr lang="en-US" sz="1200" dirty="0">
+                <a:solidFill>
+                  <a:srgbClr val="CCCCCC"/>
+                </a:solidFill>
+                <a:latin typeface="Consolas" panose="020B0609020204030204" pitchFamily="49" charset="0"/>
+              </a:rPr>
+              <a:t>=</a:t>
+            </a:r>
+            <a:r>
+              <a:rPr lang="en-US" sz="1200" dirty="0">
+                <a:solidFill>
+                  <a:srgbClr val="CE9178"/>
+                </a:solidFill>
+                <a:latin typeface="Consolas" panose="020B0609020204030204" pitchFamily="49" charset="0"/>
+              </a:rPr>
+              <a:t>"width=device-width, initial-scale=1.0"</a:t>
+            </a:r>
+            <a:r>
+              <a:rPr lang="en-US" sz="1200" dirty="0">
+                <a:solidFill>
+                  <a:srgbClr val="808080"/>
+                </a:solidFill>
+                <a:latin typeface="Consolas" panose="020B0609020204030204" pitchFamily="49" charset="0"/>
+              </a:rPr>
+              <a:t>&gt;</a:t>
+            </a:r>
+            <a:endParaRPr lang="en-US" sz="1200" dirty="0">
+              <a:solidFill>
+                <a:srgbClr val="CCCCCC"/>
+              </a:solidFill>
+              <a:latin typeface="Consolas" panose="020B0609020204030204" pitchFamily="49" charset="0"/>
+            </a:endParaRPr>
+          </a:p>
+          <a:p>
+            <a:r>
+              <a:rPr lang="en-US" sz="1200" dirty="0">
+                <a:solidFill>
+                  <a:srgbClr val="CCCCCC"/>
+                </a:solidFill>
+                <a:latin typeface="Consolas" panose="020B0609020204030204" pitchFamily="49" charset="0"/>
+              </a:rPr>
+              <a:t>    </a:t>
+            </a:r>
+            <a:r>
+              <a:rPr lang="en-US" sz="1200" dirty="0">
+                <a:solidFill>
+                  <a:srgbClr val="808080"/>
+                </a:solidFill>
+                <a:latin typeface="Consolas" panose="020B0609020204030204" pitchFamily="49" charset="0"/>
+              </a:rPr>
+              <a:t>&lt;</a:t>
+            </a:r>
+            <a:r>
+              <a:rPr lang="en-US" sz="1200" dirty="0">
+                <a:solidFill>
+                  <a:srgbClr val="569CD6"/>
+                </a:solidFill>
+                <a:latin typeface="Consolas" panose="020B0609020204030204" pitchFamily="49" charset="0"/>
+              </a:rPr>
+              <a:t>title</a:t>
+            </a:r>
+            <a:r>
+              <a:rPr lang="en-US" sz="1200" dirty="0">
+                <a:solidFill>
+                  <a:srgbClr val="808080"/>
+                </a:solidFill>
+                <a:latin typeface="Consolas" panose="020B0609020204030204" pitchFamily="49" charset="0"/>
+              </a:rPr>
+              <a:t>&gt;</a:t>
+            </a:r>
+            <a:r>
+              <a:rPr lang="en-US" sz="1200" dirty="0">
+                <a:solidFill>
+                  <a:srgbClr val="CCCCCC"/>
+                </a:solidFill>
+                <a:latin typeface="Consolas" panose="020B0609020204030204" pitchFamily="49" charset="0"/>
+              </a:rPr>
+              <a:t>ReactJS</a:t>
+            </a:r>
+            <a:r>
+              <a:rPr lang="en-US" sz="1200" dirty="0">
+                <a:solidFill>
+                  <a:srgbClr val="808080"/>
+                </a:solidFill>
+                <a:latin typeface="Consolas" panose="020B0609020204030204" pitchFamily="49" charset="0"/>
+              </a:rPr>
+              <a:t>&lt;/</a:t>
+            </a:r>
+            <a:r>
+              <a:rPr lang="en-US" sz="1200" dirty="0">
+                <a:solidFill>
+                  <a:srgbClr val="569CD6"/>
+                </a:solidFill>
+                <a:latin typeface="Consolas" panose="020B0609020204030204" pitchFamily="49" charset="0"/>
+              </a:rPr>
+              <a:t>title</a:t>
+            </a:r>
+            <a:r>
+              <a:rPr lang="en-US" sz="1200" dirty="0">
+                <a:solidFill>
+                  <a:srgbClr val="808080"/>
+                </a:solidFill>
+                <a:latin typeface="Consolas" panose="020B0609020204030204" pitchFamily="49" charset="0"/>
+              </a:rPr>
+              <a:t>&gt;</a:t>
+            </a:r>
+            <a:endParaRPr lang="en-US" sz="1200" dirty="0">
+              <a:solidFill>
+                <a:srgbClr val="CCCCCC"/>
+              </a:solidFill>
+              <a:latin typeface="Consolas" panose="020B0609020204030204" pitchFamily="49" charset="0"/>
+            </a:endParaRPr>
+          </a:p>
+          <a:p>
+            <a:r>
+              <a:rPr lang="en-US" sz="1200" dirty="0">
+                <a:solidFill>
+                  <a:srgbClr val="CCCCCC"/>
+                </a:solidFill>
+                <a:latin typeface="Consolas" panose="020B0609020204030204" pitchFamily="49" charset="0"/>
+              </a:rPr>
+              <a:t/>
+            </a:r>
+            <a:br>
+              <a:rPr lang="en-US" sz="1200" dirty="0">
+                <a:solidFill>
+                  <a:srgbClr val="CCCCCC"/>
+                </a:solidFill>
+                <a:latin typeface="Consolas" panose="020B0609020204030204" pitchFamily="49" charset="0"/>
+              </a:rPr>
+            </a:br>
+            <a:r>
+              <a:rPr lang="en-US" sz="1200" dirty="0">
+                <a:solidFill>
+                  <a:srgbClr val="CCCCCC"/>
+                </a:solidFill>
+                <a:latin typeface="Consolas" panose="020B0609020204030204" pitchFamily="49" charset="0"/>
+              </a:rPr>
+              <a:t>    </a:t>
+            </a:r>
+            <a:r>
+              <a:rPr lang="en-US" sz="1200" dirty="0">
+                <a:solidFill>
+                  <a:srgbClr val="6A9955"/>
+                </a:solidFill>
+                <a:latin typeface="Consolas" panose="020B0609020204030204" pitchFamily="49" charset="0"/>
+              </a:rPr>
+              <a:t>&lt;!-- Load React. --&gt;</a:t>
+            </a:r>
+            <a:endParaRPr lang="en-US" sz="1200" dirty="0">
+              <a:solidFill>
+                <a:srgbClr val="CCCCCC"/>
+              </a:solidFill>
+              <a:latin typeface="Consolas" panose="020B0609020204030204" pitchFamily="49" charset="0"/>
+            </a:endParaRPr>
+          </a:p>
+          <a:p>
+            <a:r>
+              <a:rPr lang="en-US" sz="1200" dirty="0">
+                <a:solidFill>
+                  <a:srgbClr val="CCCCCC"/>
+                </a:solidFill>
+                <a:latin typeface="Consolas" panose="020B0609020204030204" pitchFamily="49" charset="0"/>
+              </a:rPr>
+              <a:t>    </a:t>
+            </a:r>
+            <a:r>
+              <a:rPr lang="en-US" sz="1200" dirty="0">
+                <a:solidFill>
+                  <a:srgbClr val="808080"/>
+                </a:solidFill>
+                <a:latin typeface="Consolas" panose="020B0609020204030204" pitchFamily="49" charset="0"/>
+              </a:rPr>
+              <a:t>&lt;</a:t>
+            </a:r>
+            <a:r>
+              <a:rPr lang="en-US" sz="1200" dirty="0">
+                <a:solidFill>
+                  <a:srgbClr val="569CD6"/>
+                </a:solidFill>
+                <a:latin typeface="Consolas" panose="020B0609020204030204" pitchFamily="49" charset="0"/>
+              </a:rPr>
+              <a:t>script</a:t>
+            </a:r>
+            <a:r>
+              <a:rPr lang="en-US" sz="1200" dirty="0">
+                <a:solidFill>
+                  <a:srgbClr val="D4D4D4"/>
+                </a:solidFill>
+                <a:latin typeface="Consolas" panose="020B0609020204030204" pitchFamily="49" charset="0"/>
+              </a:rPr>
+              <a:t> </a:t>
+            </a:r>
+            <a:r>
+              <a:rPr lang="en-US" sz="1200" dirty="0">
+                <a:solidFill>
+                  <a:srgbClr val="9CDCFE"/>
+                </a:solidFill>
+                <a:latin typeface="Consolas" panose="020B0609020204030204" pitchFamily="49" charset="0"/>
+              </a:rPr>
+              <a:t>src</a:t>
+            </a:r>
+            <a:r>
+              <a:rPr lang="en-US" sz="1200" dirty="0">
+                <a:solidFill>
+                  <a:srgbClr val="D4D4D4"/>
+                </a:solidFill>
+                <a:latin typeface="Consolas" panose="020B0609020204030204" pitchFamily="49" charset="0"/>
+              </a:rPr>
+              <a:t>=</a:t>
+            </a:r>
+            <a:r>
+              <a:rPr lang="en-US" sz="1200" dirty="0">
+                <a:solidFill>
+                  <a:srgbClr val="CE9178"/>
+                </a:solidFill>
+                <a:latin typeface="Consolas" panose="020B0609020204030204" pitchFamily="49" charset="0"/>
+              </a:rPr>
+              <a:t>"https://unpkg.com/react@18/umd/react.development.js"</a:t>
+            </a:r>
+            <a:r>
+              <a:rPr lang="en-US" sz="1200" dirty="0">
+                <a:solidFill>
+                  <a:srgbClr val="D4D4D4"/>
+                </a:solidFill>
+                <a:latin typeface="Consolas" panose="020B0609020204030204" pitchFamily="49" charset="0"/>
+              </a:rPr>
+              <a:t> </a:t>
+            </a:r>
+            <a:r>
+              <a:rPr lang="en-US" sz="1200" dirty="0">
+                <a:solidFill>
+                  <a:srgbClr val="9CDCFE"/>
+                </a:solidFill>
+                <a:latin typeface="Consolas" panose="020B0609020204030204" pitchFamily="49" charset="0"/>
+              </a:rPr>
+              <a:t>crossorigin</a:t>
+            </a:r>
+            <a:r>
+              <a:rPr lang="en-US" sz="1200" dirty="0">
+                <a:solidFill>
+                  <a:srgbClr val="808080"/>
+                </a:solidFill>
+                <a:latin typeface="Consolas" panose="020B0609020204030204" pitchFamily="49" charset="0"/>
+              </a:rPr>
+              <a:t>&gt;&lt;/</a:t>
+            </a:r>
+            <a:r>
+              <a:rPr lang="en-US" sz="1200" dirty="0">
+                <a:solidFill>
+                  <a:srgbClr val="569CD6"/>
+                </a:solidFill>
+                <a:latin typeface="Consolas" panose="020B0609020204030204" pitchFamily="49" charset="0"/>
+              </a:rPr>
+              <a:t>script</a:t>
+            </a:r>
+            <a:r>
+              <a:rPr lang="en-US" sz="1200" dirty="0">
+                <a:solidFill>
+                  <a:srgbClr val="808080"/>
+                </a:solidFill>
+                <a:latin typeface="Consolas" panose="020B0609020204030204" pitchFamily="49" charset="0"/>
+              </a:rPr>
+              <a:t>&gt;</a:t>
+            </a:r>
+            <a:endParaRPr lang="en-US" sz="1200" dirty="0">
+              <a:solidFill>
+                <a:srgbClr val="CCCCCC"/>
+              </a:solidFill>
+              <a:latin typeface="Consolas" panose="020B0609020204030204" pitchFamily="49" charset="0"/>
+            </a:endParaRPr>
+          </a:p>
+          <a:p>
+            <a:r>
+              <a:rPr lang="en-US" sz="1200" dirty="0">
+                <a:solidFill>
+                  <a:srgbClr val="CCCCCC"/>
+                </a:solidFill>
+                <a:latin typeface="Consolas" panose="020B0609020204030204" pitchFamily="49" charset="0"/>
+              </a:rPr>
+              <a:t>    </a:t>
+            </a:r>
+            <a:r>
+              <a:rPr lang="en-US" sz="1200" dirty="0">
+                <a:solidFill>
+                  <a:srgbClr val="808080"/>
+                </a:solidFill>
+                <a:latin typeface="Consolas" panose="020B0609020204030204" pitchFamily="49" charset="0"/>
+              </a:rPr>
+              <a:t>&lt;</a:t>
+            </a:r>
+            <a:r>
+              <a:rPr lang="en-US" sz="1200" dirty="0">
+                <a:solidFill>
+                  <a:srgbClr val="569CD6"/>
+                </a:solidFill>
+                <a:latin typeface="Consolas" panose="020B0609020204030204" pitchFamily="49" charset="0"/>
+              </a:rPr>
+              <a:t>script</a:t>
+            </a:r>
+            <a:r>
+              <a:rPr lang="en-US" sz="1200" dirty="0">
+                <a:solidFill>
+                  <a:srgbClr val="D4D4D4"/>
+                </a:solidFill>
+                <a:latin typeface="Consolas" panose="020B0609020204030204" pitchFamily="49" charset="0"/>
+              </a:rPr>
+              <a:t> </a:t>
+            </a:r>
+            <a:r>
+              <a:rPr lang="en-US" sz="1200" dirty="0">
+                <a:solidFill>
+                  <a:srgbClr val="9CDCFE"/>
+                </a:solidFill>
+                <a:latin typeface="Consolas" panose="020B0609020204030204" pitchFamily="49" charset="0"/>
+              </a:rPr>
+              <a:t>src</a:t>
+            </a:r>
+            <a:r>
+              <a:rPr lang="en-US" sz="1200" dirty="0">
+                <a:solidFill>
+                  <a:srgbClr val="D4D4D4"/>
+                </a:solidFill>
+                <a:latin typeface="Consolas" panose="020B0609020204030204" pitchFamily="49" charset="0"/>
+              </a:rPr>
+              <a:t>=</a:t>
+            </a:r>
+            <a:r>
+              <a:rPr lang="en-US" sz="1200" dirty="0">
+                <a:solidFill>
+                  <a:srgbClr val="CE9178"/>
+                </a:solidFill>
+                <a:latin typeface="Consolas" panose="020B0609020204030204" pitchFamily="49" charset="0"/>
+              </a:rPr>
+              <a:t>"https://unpkg.com/react-dom@18/umd/react-dom.development.js"</a:t>
+            </a:r>
+            <a:r>
+              <a:rPr lang="en-US" sz="1200" dirty="0">
+                <a:solidFill>
+                  <a:srgbClr val="D4D4D4"/>
+                </a:solidFill>
+                <a:latin typeface="Consolas" panose="020B0609020204030204" pitchFamily="49" charset="0"/>
+              </a:rPr>
+              <a:t> </a:t>
+            </a:r>
+            <a:r>
+              <a:rPr lang="en-US" sz="1200" dirty="0">
+                <a:solidFill>
+                  <a:srgbClr val="9CDCFE"/>
+                </a:solidFill>
+                <a:latin typeface="Consolas" panose="020B0609020204030204" pitchFamily="49" charset="0"/>
+              </a:rPr>
+              <a:t>crossorigin</a:t>
+            </a:r>
+            <a:r>
+              <a:rPr lang="en-US" sz="1200" dirty="0">
+                <a:solidFill>
+                  <a:srgbClr val="808080"/>
+                </a:solidFill>
+                <a:latin typeface="Consolas" panose="020B0609020204030204" pitchFamily="49" charset="0"/>
+              </a:rPr>
+              <a:t>&gt;&lt;/</a:t>
+            </a:r>
+            <a:r>
+              <a:rPr lang="en-US" sz="1200" dirty="0">
+                <a:solidFill>
+                  <a:srgbClr val="569CD6"/>
+                </a:solidFill>
+                <a:latin typeface="Consolas" panose="020B0609020204030204" pitchFamily="49" charset="0"/>
+              </a:rPr>
+              <a:t>script</a:t>
+            </a:r>
+            <a:r>
+              <a:rPr lang="en-US" sz="1200" dirty="0">
+                <a:solidFill>
+                  <a:srgbClr val="808080"/>
+                </a:solidFill>
+                <a:latin typeface="Consolas" panose="020B0609020204030204" pitchFamily="49" charset="0"/>
+              </a:rPr>
+              <a:t>&gt;</a:t>
+            </a:r>
+            <a:endParaRPr lang="en-US" sz="1200" dirty="0">
+              <a:solidFill>
+                <a:srgbClr val="CCCCCC"/>
+              </a:solidFill>
+              <a:latin typeface="Consolas" panose="020B0609020204030204" pitchFamily="49" charset="0"/>
+            </a:endParaRPr>
+          </a:p>
+          <a:p>
+            <a:r>
+              <a:rPr lang="en-US" sz="1200" dirty="0">
+                <a:solidFill>
+                  <a:srgbClr val="808080"/>
+                </a:solidFill>
+                <a:latin typeface="Consolas" panose="020B0609020204030204" pitchFamily="49" charset="0"/>
+              </a:rPr>
+              <a:t>&lt;/</a:t>
+            </a:r>
+            <a:r>
+              <a:rPr lang="en-US" sz="1200" dirty="0">
+                <a:solidFill>
+                  <a:srgbClr val="569CD6"/>
+                </a:solidFill>
+                <a:latin typeface="Consolas" panose="020B0609020204030204" pitchFamily="49" charset="0"/>
+              </a:rPr>
+              <a:t>head</a:t>
+            </a:r>
+            <a:r>
+              <a:rPr lang="en-US" sz="1200" dirty="0">
+                <a:solidFill>
+                  <a:srgbClr val="808080"/>
+                </a:solidFill>
+                <a:latin typeface="Consolas" panose="020B0609020204030204" pitchFamily="49" charset="0"/>
+              </a:rPr>
+              <a:t>&gt;</a:t>
+            </a:r>
+            <a:endParaRPr lang="en-US" sz="1200" b="0" dirty="0">
+              <a:solidFill>
+                <a:srgbClr val="CCCCCC"/>
+              </a:solidFill>
+              <a:effectLst/>
+              <a:latin typeface="Consolas" panose="020B0609020204030204" pitchFamily="49" charset="0"/>
+            </a:endParaRPr>
+          </a:p>
+        </p:txBody>
+      </p:sp>
     </p:spTree>
     <p:extLst>
       <p:ext uri="{BB962C8B-B14F-4D97-AF65-F5344CB8AC3E}">
-        <p14:creationId xmlns:p14="http://schemas.microsoft.com/office/powerpoint/2010/main" val="2363082673"/>
+        <p14:creationId xmlns:p14="http://schemas.microsoft.com/office/powerpoint/2010/main" val="637765585"/>
       </p:ext>
     </p:extLst>
   </p:cSld>

--- a/6_React.pptx
+++ b/6_React.pptx
@@ -22,6 +22,7 @@
     <p:sldId id="323" r:id="rId16"/>
     <p:sldId id="324" r:id="rId17"/>
     <p:sldId id="325" r:id="rId18"/>
+    <p:sldId id="326" r:id="rId19"/>
   </p:sldIdLst>
   <p:sldSz cx="12192000" cy="6858000"/>
   <p:notesSz cx="6858000" cy="9144000"/>
@@ -291,7 +292,7 @@
           <a:p>
             <a:fld id="{1160EA64-D806-43AC-9DF2-F8C432F32B4C}" type="datetimeFigureOut">
               <a:rPr lang="en-US" dirty="0"/>
-              <a:t>2/15/2024</a:t>
+              <a:t>2/20/2024</a:t>
             </a:fld>
             <a:endParaRPr lang="en-US" dirty="0"/>
           </a:p>
@@ -457,7 +458,7 @@
           <a:p>
             <a:fld id="{E9F9C37B-1D36-470B-8223-D6C91242EC14}" type="datetimeFigureOut">
               <a:rPr lang="en-US" dirty="0"/>
-              <a:t>2/15/2024</a:t>
+              <a:t>2/20/2024</a:t>
             </a:fld>
             <a:endParaRPr lang="en-US" dirty="0"/>
           </a:p>
@@ -632,7 +633,7 @@
           <a:p>
             <a:fld id="{67C6F52A-A82B-47A2-A83A-8C4C91F2D59F}" type="datetimeFigureOut">
               <a:rPr lang="en-US" dirty="0"/>
-              <a:t>2/15/2024</a:t>
+              <a:t>2/20/2024</a:t>
             </a:fld>
             <a:endParaRPr lang="en-US" dirty="0"/>
           </a:p>
@@ -797,7 +798,7 @@
           <a:p>
             <a:fld id="{F070A7B3-6521-4DCA-87E5-044747A908C1}" type="datetimeFigureOut">
               <a:rPr lang="en-US" dirty="0"/>
-              <a:t>2/15/2024</a:t>
+              <a:t>2/20/2024</a:t>
             </a:fld>
             <a:endParaRPr lang="en-US" dirty="0"/>
           </a:p>
@@ -1061,7 +1062,7 @@
           <a:p>
             <a:fld id="{1160EA64-D806-43AC-9DF2-F8C432F32B4C}" type="datetimeFigureOut">
               <a:rPr lang="en-US" dirty="0"/>
-              <a:t>2/15/2024</a:t>
+              <a:t>2/20/2024</a:t>
             </a:fld>
             <a:endParaRPr lang="en-US" dirty="0"/>
           </a:p>
@@ -1289,7 +1290,7 @@
           <a:p>
             <a:fld id="{AB134690-1557-4C89-A502-4959FE7FAD70}" type="datetimeFigureOut">
               <a:rPr lang="en-US" dirty="0"/>
-              <a:t>2/15/2024</a:t>
+              <a:t>2/20/2024</a:t>
             </a:fld>
             <a:endParaRPr lang="en-US" dirty="0"/>
           </a:p>
@@ -1643,7 +1644,7 @@
           <a:p>
             <a:fld id="{4F7D4976-E339-4826-83B7-FBD03F55ECF8}" type="datetimeFigureOut">
               <a:rPr lang="en-US" dirty="0"/>
-              <a:t>2/15/2024</a:t>
+              <a:t>2/20/2024</a:t>
             </a:fld>
             <a:endParaRPr lang="en-US" dirty="0"/>
           </a:p>
@@ -1779,7 +1780,7 @@
           <a:p>
             <a:fld id="{E1037C31-9E7A-4F99-8774-A0E530DE1A42}" type="datetimeFigureOut">
               <a:rPr lang="en-US" dirty="0"/>
-              <a:t>2/15/2024</a:t>
+              <a:t>2/20/2024</a:t>
             </a:fld>
             <a:endParaRPr lang="en-US" dirty="0"/>
           </a:p>
@@ -1869,7 +1870,7 @@
           <a:p>
             <a:fld id="{C278504F-A551-4DE0-9316-4DCD1D8CC752}" type="datetimeFigureOut">
               <a:rPr lang="en-US" dirty="0"/>
-              <a:t>2/15/2024</a:t>
+              <a:t>2/20/2024</a:t>
             </a:fld>
             <a:endParaRPr lang="en-US" dirty="0"/>
           </a:p>
@@ -2221,7 +2222,7 @@
           <a:p>
             <a:fld id="{D1BE4249-C0D0-4B06-8692-E8BB871AF643}" type="datetimeFigureOut">
               <a:rPr lang="en-US" dirty="0"/>
-              <a:t>2/15/2024</a:t>
+              <a:t>2/20/2024</a:t>
             </a:fld>
             <a:endParaRPr lang="en-US" dirty="0"/>
           </a:p>
@@ -2573,7 +2574,7 @@
           <a:p>
             <a:fld id="{042B0DB6-F5C7-45FB-8CF3-31B45F9C2DAC}" type="datetimeFigureOut">
               <a:rPr lang="en-US" dirty="0"/>
-              <a:t>2/15/2024</a:t>
+              <a:t>2/20/2024</a:t>
             </a:fld>
             <a:endParaRPr lang="en-US" dirty="0"/>
           </a:p>
@@ -2809,7 +2810,7 @@
           <a:p>
             <a:fld id="{1160EA64-D806-43AC-9DF2-F8C432F32B4C}" type="datetimeFigureOut">
               <a:rPr lang="en-US" dirty="0"/>
-              <a:t>2/15/2024</a:t>
+              <a:t>2/20/2024</a:t>
             </a:fld>
             <a:endParaRPr lang="en-US" dirty="0"/>
           </a:p>
@@ -3716,8 +3717,21 @@
                 <a:ea typeface="Tahoma" panose="020B0604030504040204" pitchFamily="34" charset="0"/>
                 <a:cs typeface="Tahoma" panose="020B0604030504040204" pitchFamily="34" charset="0"/>
               </a:rPr>
-              <a:t>type: Là tag name như ‘div’ ‘span’... hoặc React component (function, class...)</a:t>
-            </a:r>
+              <a:t>type: </a:t>
+            </a:r>
+            <a:r>
+              <a:rPr lang="en-US" dirty="0" smtClean="0">
+                <a:latin typeface="Tahoma" panose="020B0604030504040204" pitchFamily="34" charset="0"/>
+                <a:ea typeface="Tahoma" panose="020B0604030504040204" pitchFamily="34" charset="0"/>
+                <a:cs typeface="Tahoma" panose="020B0604030504040204" pitchFamily="34" charset="0"/>
+              </a:rPr>
+              <a:t>Có thể là string/function/class</a:t>
+            </a:r>
+            <a:endParaRPr lang="en-US" dirty="0" smtClean="0">
+              <a:latin typeface="Tahoma" panose="020B0604030504040204" pitchFamily="34" charset="0"/>
+              <a:ea typeface="Tahoma" panose="020B0604030504040204" pitchFamily="34" charset="0"/>
+              <a:cs typeface="Tahoma" panose="020B0604030504040204" pitchFamily="34" charset="0"/>
+            </a:endParaRPr>
           </a:p>
           <a:p>
             <a:pPr lvl="1"/>
@@ -6733,6 +6747,638 @@
 </p:sld>
 </file>
 
+<file path=ppt/slides/slide18.xml><?xml version="1.0" encoding="utf-8"?>
+<p:sld xmlns:a="http://schemas.openxmlformats.org/drawingml/2006/main" xmlns:r="http://schemas.openxmlformats.org/officeDocument/2006/relationships" xmlns:p="http://schemas.openxmlformats.org/presentationml/2006/main">
+  <p:cSld>
+    <p:spTree>
+      <p:nvGrpSpPr>
+        <p:cNvPr id="1" name=""/>
+        <p:cNvGrpSpPr/>
+        <p:nvPr/>
+      </p:nvGrpSpPr>
+      <p:grpSpPr>
+        <a:xfrm>
+          <a:off x="0" y="0"/>
+          <a:ext cx="0" cy="0"/>
+          <a:chOff x="0" y="0"/>
+          <a:chExt cx="0" cy="0"/>
+        </a:xfrm>
+      </p:grpSpPr>
+      <p:sp>
+        <p:nvSpPr>
+          <p:cNvPr id="2" name="Title 1"/>
+          <p:cNvSpPr>
+            <a:spLocks noGrp="1"/>
+          </p:cNvSpPr>
+          <p:nvPr>
+            <p:ph type="title"/>
+          </p:nvPr>
+        </p:nvSpPr>
+        <p:spPr/>
+        <p:txBody>
+          <a:bodyPr>
+            <a:normAutofit/>
+          </a:bodyPr>
+          <a:lstStyle/>
+          <a:p>
+            <a:r>
+              <a:rPr lang="en-US" dirty="0">
+                <a:latin typeface="Tahoma" panose="020B0604030504040204" pitchFamily="34" charset="0"/>
+                <a:ea typeface="Tahoma" panose="020B0604030504040204" pitchFamily="34" charset="0"/>
+                <a:cs typeface="Tahoma" panose="020B0604030504040204" pitchFamily="34" charset="0"/>
+              </a:rPr>
+              <a:t>React.createElement()</a:t>
+            </a:r>
+          </a:p>
+        </p:txBody>
+      </p:sp>
+      <p:sp>
+        <p:nvSpPr>
+          <p:cNvPr id="3" name="Content Placeholder 2"/>
+          <p:cNvSpPr>
+            <a:spLocks noGrp="1"/>
+          </p:cNvSpPr>
+          <p:nvPr>
+            <p:ph idx="1"/>
+          </p:nvPr>
+        </p:nvSpPr>
+        <p:spPr/>
+        <p:txBody>
+          <a:bodyPr>
+            <a:normAutofit/>
+          </a:bodyPr>
+          <a:lstStyle/>
+          <a:p>
+            <a:r>
+              <a:rPr lang="en-US" dirty="0" smtClean="0">
+                <a:latin typeface="Tahoma" panose="020B0604030504040204" pitchFamily="34" charset="0"/>
+                <a:ea typeface="Tahoma" panose="020B0604030504040204" pitchFamily="34" charset="0"/>
+                <a:cs typeface="Tahoma" panose="020B0604030504040204" pitchFamily="34" charset="0"/>
+              </a:rPr>
+              <a:t>Ví dụ về type là function</a:t>
+            </a:r>
+            <a:endParaRPr lang="vi-VN" dirty="0">
+              <a:latin typeface="Tahoma" panose="020B0604030504040204" pitchFamily="34" charset="0"/>
+              <a:ea typeface="Tahoma" panose="020B0604030504040204" pitchFamily="34" charset="0"/>
+              <a:cs typeface="Tahoma" panose="020B0604030504040204" pitchFamily="34" charset="0"/>
+            </a:endParaRPr>
+          </a:p>
+        </p:txBody>
+      </p:sp>
+      <p:sp>
+        <p:nvSpPr>
+          <p:cNvPr id="4" name="Rectangle 3"/>
+          <p:cNvSpPr/>
+          <p:nvPr/>
+        </p:nvSpPr>
+        <p:spPr>
+          <a:xfrm>
+            <a:off x="3048000" y="3173372"/>
+            <a:ext cx="6096000" cy="1600438"/>
+          </a:xfrm>
+          <a:prstGeom prst="rect">
+            <a:avLst/>
+          </a:prstGeom>
+          <a:solidFill>
+            <a:schemeClr val="tx1"/>
+          </a:solidFill>
+        </p:spPr>
+        <p:txBody>
+          <a:bodyPr>
+            <a:spAutoFit/>
+          </a:bodyPr>
+          <a:lstStyle/>
+          <a:p>
+            <a:r>
+              <a:rPr lang="en-US" sz="1400" dirty="0">
+                <a:solidFill>
+                  <a:srgbClr val="CCCCCC"/>
+                </a:solidFill>
+                <a:latin typeface="Consolas" panose="020B0609020204030204" pitchFamily="49" charset="0"/>
+              </a:rPr>
+              <a:t>    </a:t>
+            </a:r>
+            <a:r>
+              <a:rPr lang="en-US" sz="1400" dirty="0">
+                <a:solidFill>
+                  <a:srgbClr val="808080"/>
+                </a:solidFill>
+                <a:latin typeface="Consolas" panose="020B0609020204030204" pitchFamily="49" charset="0"/>
+              </a:rPr>
+              <a:t>&lt;</a:t>
+            </a:r>
+            <a:r>
+              <a:rPr lang="en-US" sz="1400" dirty="0">
+                <a:solidFill>
+                  <a:srgbClr val="569CD6"/>
+                </a:solidFill>
+                <a:latin typeface="Consolas" panose="020B0609020204030204" pitchFamily="49" charset="0"/>
+              </a:rPr>
+              <a:t>script</a:t>
+            </a:r>
+            <a:r>
+              <a:rPr lang="en-US" sz="1400" dirty="0">
+                <a:solidFill>
+                  <a:srgbClr val="808080"/>
+                </a:solidFill>
+                <a:latin typeface="Consolas" panose="020B0609020204030204" pitchFamily="49" charset="0"/>
+              </a:rPr>
+              <a:t>&gt;</a:t>
+            </a:r>
+            <a:endParaRPr lang="en-US" sz="1400" dirty="0">
+              <a:solidFill>
+                <a:srgbClr val="CCCCCC"/>
+              </a:solidFill>
+              <a:latin typeface="Consolas" panose="020B0609020204030204" pitchFamily="49" charset="0"/>
+            </a:endParaRPr>
+          </a:p>
+          <a:p>
+            <a:r>
+              <a:rPr lang="en-US" sz="1400" dirty="0">
+                <a:solidFill>
+                  <a:srgbClr val="D4D4D4"/>
+                </a:solidFill>
+                <a:latin typeface="Consolas" panose="020B0609020204030204" pitchFamily="49" charset="0"/>
+              </a:rPr>
+              <a:t>        </a:t>
+            </a:r>
+            <a:r>
+              <a:rPr lang="en-US" sz="1400" dirty="0">
+                <a:solidFill>
+                  <a:srgbClr val="569CD6"/>
+                </a:solidFill>
+                <a:latin typeface="Consolas" panose="020B0609020204030204" pitchFamily="49" charset="0"/>
+              </a:rPr>
+              <a:t>function</a:t>
+            </a:r>
+            <a:r>
+              <a:rPr lang="en-US" sz="1400" dirty="0">
+                <a:solidFill>
+                  <a:srgbClr val="D4D4D4"/>
+                </a:solidFill>
+                <a:latin typeface="Consolas" panose="020B0609020204030204" pitchFamily="49" charset="0"/>
+              </a:rPr>
+              <a:t> </a:t>
+            </a:r>
+            <a:r>
+              <a:rPr lang="en-US" sz="1400" dirty="0">
+                <a:solidFill>
+                  <a:srgbClr val="DCDCAA"/>
+                </a:solidFill>
+                <a:latin typeface="Consolas" panose="020B0609020204030204" pitchFamily="49" charset="0"/>
+              </a:rPr>
+              <a:t>Header</a:t>
+            </a:r>
+            <a:r>
+              <a:rPr lang="en-US" sz="1400" dirty="0">
+                <a:solidFill>
+                  <a:srgbClr val="D4D4D4"/>
+                </a:solidFill>
+                <a:latin typeface="Consolas" panose="020B0609020204030204" pitchFamily="49" charset="0"/>
+              </a:rPr>
+              <a:t>() {</a:t>
+            </a:r>
+            <a:endParaRPr lang="en-US" sz="1400" dirty="0">
+              <a:solidFill>
+                <a:srgbClr val="CCCCCC"/>
+              </a:solidFill>
+              <a:latin typeface="Consolas" panose="020B0609020204030204" pitchFamily="49" charset="0"/>
+            </a:endParaRPr>
+          </a:p>
+          <a:p>
+            <a:r>
+              <a:rPr lang="en-US" sz="1400" dirty="0">
+                <a:solidFill>
+                  <a:srgbClr val="D4D4D4"/>
+                </a:solidFill>
+                <a:latin typeface="Consolas" panose="020B0609020204030204" pitchFamily="49" charset="0"/>
+              </a:rPr>
+              <a:t>            </a:t>
+            </a:r>
+            <a:r>
+              <a:rPr lang="en-US" sz="1400" dirty="0">
+                <a:solidFill>
+                  <a:srgbClr val="C586C0"/>
+                </a:solidFill>
+                <a:latin typeface="Consolas" panose="020B0609020204030204" pitchFamily="49" charset="0"/>
+              </a:rPr>
+              <a:t>return</a:t>
+            </a:r>
+            <a:r>
+              <a:rPr lang="en-US" sz="1400" dirty="0">
+                <a:solidFill>
+                  <a:srgbClr val="D4D4D4"/>
+                </a:solidFill>
+                <a:latin typeface="Consolas" panose="020B0609020204030204" pitchFamily="49" charset="0"/>
+              </a:rPr>
+              <a:t> </a:t>
+            </a:r>
+            <a:r>
+              <a:rPr lang="en-US" sz="1400" dirty="0">
+                <a:solidFill>
+                  <a:srgbClr val="9CDCFE"/>
+                </a:solidFill>
+                <a:latin typeface="Consolas" panose="020B0609020204030204" pitchFamily="49" charset="0"/>
+              </a:rPr>
+              <a:t>React</a:t>
+            </a:r>
+            <a:r>
+              <a:rPr lang="en-US" sz="1400" dirty="0">
+                <a:solidFill>
+                  <a:srgbClr val="D4D4D4"/>
+                </a:solidFill>
+                <a:latin typeface="Consolas" panose="020B0609020204030204" pitchFamily="49" charset="0"/>
+              </a:rPr>
+              <a:t>.</a:t>
+            </a:r>
+            <a:r>
+              <a:rPr lang="en-US" sz="1400" dirty="0">
+                <a:solidFill>
+                  <a:srgbClr val="DCDCAA"/>
+                </a:solidFill>
+                <a:latin typeface="Consolas" panose="020B0609020204030204" pitchFamily="49" charset="0"/>
+              </a:rPr>
+              <a:t>createElement</a:t>
+            </a:r>
+            <a:r>
+              <a:rPr lang="en-US" sz="1400" dirty="0">
+                <a:solidFill>
+                  <a:srgbClr val="D4D4D4"/>
+                </a:solidFill>
+                <a:latin typeface="Consolas" panose="020B0609020204030204" pitchFamily="49" charset="0"/>
+              </a:rPr>
+              <a:t>(</a:t>
+            </a:r>
+            <a:r>
+              <a:rPr lang="en-US" sz="1400" dirty="0">
+                <a:solidFill>
+                  <a:srgbClr val="CE9178"/>
+                </a:solidFill>
+                <a:latin typeface="Consolas" panose="020B0609020204030204" pitchFamily="49" charset="0"/>
+              </a:rPr>
+              <a:t>'h1'</a:t>
+            </a:r>
+            <a:r>
+              <a:rPr lang="en-US" sz="1400" dirty="0">
+                <a:solidFill>
+                  <a:srgbClr val="D4D4D4"/>
+                </a:solidFill>
+                <a:latin typeface="Consolas" panose="020B0609020204030204" pitchFamily="49" charset="0"/>
+              </a:rPr>
+              <a:t>, </a:t>
+            </a:r>
+            <a:r>
+              <a:rPr lang="en-US" sz="1400" dirty="0">
+                <a:solidFill>
+                  <a:srgbClr val="569CD6"/>
+                </a:solidFill>
+                <a:latin typeface="Consolas" panose="020B0609020204030204" pitchFamily="49" charset="0"/>
+              </a:rPr>
+              <a:t>null</a:t>
+            </a:r>
+            <a:r>
+              <a:rPr lang="en-US" sz="1400" dirty="0">
+                <a:solidFill>
+                  <a:srgbClr val="D4D4D4"/>
+                </a:solidFill>
+                <a:latin typeface="Consolas" panose="020B0609020204030204" pitchFamily="49" charset="0"/>
+              </a:rPr>
+              <a:t>, </a:t>
+            </a:r>
+            <a:r>
+              <a:rPr lang="en-US" sz="1400" dirty="0">
+                <a:solidFill>
+                  <a:srgbClr val="CE9178"/>
+                </a:solidFill>
+                <a:latin typeface="Consolas" panose="020B0609020204030204" pitchFamily="49" charset="0"/>
+              </a:rPr>
+              <a:t>'Header'</a:t>
+            </a:r>
+            <a:r>
+              <a:rPr lang="en-US" sz="1400" dirty="0">
+                <a:solidFill>
+                  <a:srgbClr val="D4D4D4"/>
+                </a:solidFill>
+                <a:latin typeface="Consolas" panose="020B0609020204030204" pitchFamily="49" charset="0"/>
+              </a:rPr>
+              <a:t>)</a:t>
+            </a:r>
+            <a:endParaRPr lang="en-US" sz="1400" dirty="0">
+              <a:solidFill>
+                <a:srgbClr val="CCCCCC"/>
+              </a:solidFill>
+              <a:latin typeface="Consolas" panose="020B0609020204030204" pitchFamily="49" charset="0"/>
+            </a:endParaRPr>
+          </a:p>
+          <a:p>
+            <a:r>
+              <a:rPr lang="en-US" sz="1400" dirty="0">
+                <a:solidFill>
+                  <a:srgbClr val="D4D4D4"/>
+                </a:solidFill>
+                <a:latin typeface="Consolas" panose="020B0609020204030204" pitchFamily="49" charset="0"/>
+              </a:rPr>
+              <a:t>        }</a:t>
+            </a:r>
+            <a:endParaRPr lang="en-US" sz="1400" dirty="0">
+              <a:solidFill>
+                <a:srgbClr val="CCCCCC"/>
+              </a:solidFill>
+              <a:latin typeface="Consolas" panose="020B0609020204030204" pitchFamily="49" charset="0"/>
+            </a:endParaRPr>
+          </a:p>
+          <a:p>
+            <a:r>
+              <a:rPr lang="en-US" sz="1400" dirty="0">
+                <a:solidFill>
+                  <a:srgbClr val="D4D4D4"/>
+                </a:solidFill>
+                <a:latin typeface="Consolas" panose="020B0609020204030204" pitchFamily="49" charset="0"/>
+              </a:rPr>
+              <a:t>        </a:t>
+            </a:r>
+            <a:r>
+              <a:rPr lang="en-US" sz="1400" dirty="0">
+                <a:solidFill>
+                  <a:srgbClr val="569CD6"/>
+                </a:solidFill>
+                <a:latin typeface="Consolas" panose="020B0609020204030204" pitchFamily="49" charset="0"/>
+              </a:rPr>
+              <a:t>const</a:t>
+            </a:r>
+            <a:r>
+              <a:rPr lang="en-US" sz="1400" dirty="0">
+                <a:solidFill>
+                  <a:srgbClr val="D4D4D4"/>
+                </a:solidFill>
+                <a:latin typeface="Consolas" panose="020B0609020204030204" pitchFamily="49" charset="0"/>
+              </a:rPr>
+              <a:t> </a:t>
+            </a:r>
+            <a:r>
+              <a:rPr lang="en-US" sz="1400" dirty="0">
+                <a:solidFill>
+                  <a:srgbClr val="4FC1FF"/>
+                </a:solidFill>
+                <a:latin typeface="Consolas" panose="020B0609020204030204" pitchFamily="49" charset="0"/>
+              </a:rPr>
+              <a:t>header</a:t>
+            </a:r>
+            <a:r>
+              <a:rPr lang="en-US" sz="1400" dirty="0">
+                <a:solidFill>
+                  <a:srgbClr val="D4D4D4"/>
+                </a:solidFill>
+                <a:latin typeface="Consolas" panose="020B0609020204030204" pitchFamily="49" charset="0"/>
+              </a:rPr>
+              <a:t> = </a:t>
+            </a:r>
+            <a:r>
+              <a:rPr lang="en-US" sz="1400" dirty="0">
+                <a:solidFill>
+                  <a:srgbClr val="9CDCFE"/>
+                </a:solidFill>
+                <a:latin typeface="Consolas" panose="020B0609020204030204" pitchFamily="49" charset="0"/>
+              </a:rPr>
+              <a:t>React</a:t>
+            </a:r>
+            <a:r>
+              <a:rPr lang="en-US" sz="1400" dirty="0">
+                <a:solidFill>
+                  <a:srgbClr val="D4D4D4"/>
+                </a:solidFill>
+                <a:latin typeface="Consolas" panose="020B0609020204030204" pitchFamily="49" charset="0"/>
+              </a:rPr>
+              <a:t>.</a:t>
+            </a:r>
+            <a:r>
+              <a:rPr lang="en-US" sz="1400" dirty="0">
+                <a:solidFill>
+                  <a:srgbClr val="DCDCAA"/>
+                </a:solidFill>
+                <a:latin typeface="Consolas" panose="020B0609020204030204" pitchFamily="49" charset="0"/>
+              </a:rPr>
+              <a:t>createElement</a:t>
+            </a:r>
+            <a:r>
+              <a:rPr lang="en-US" sz="1400" dirty="0">
+                <a:solidFill>
+                  <a:srgbClr val="D4D4D4"/>
+                </a:solidFill>
+                <a:latin typeface="Consolas" panose="020B0609020204030204" pitchFamily="49" charset="0"/>
+              </a:rPr>
+              <a:t>(</a:t>
+            </a:r>
+            <a:r>
+              <a:rPr lang="en-US" sz="1400" dirty="0">
+                <a:solidFill>
+                  <a:srgbClr val="DCDCAA"/>
+                </a:solidFill>
+                <a:latin typeface="Consolas" panose="020B0609020204030204" pitchFamily="49" charset="0"/>
+              </a:rPr>
+              <a:t>Header</a:t>
+            </a:r>
+            <a:r>
+              <a:rPr lang="en-US" sz="1400" dirty="0">
+                <a:solidFill>
+                  <a:srgbClr val="D4D4D4"/>
+                </a:solidFill>
+                <a:latin typeface="Consolas" panose="020B0609020204030204" pitchFamily="49" charset="0"/>
+              </a:rPr>
+              <a:t>, </a:t>
+            </a:r>
+            <a:r>
+              <a:rPr lang="en-US" sz="1400" dirty="0">
+                <a:solidFill>
+                  <a:srgbClr val="569CD6"/>
+                </a:solidFill>
+                <a:latin typeface="Consolas" panose="020B0609020204030204" pitchFamily="49" charset="0"/>
+              </a:rPr>
+              <a:t>null</a:t>
+            </a:r>
+            <a:r>
+              <a:rPr lang="en-US" sz="1400" dirty="0">
+                <a:solidFill>
+                  <a:srgbClr val="D4D4D4"/>
+                </a:solidFill>
+                <a:latin typeface="Consolas" panose="020B0609020204030204" pitchFamily="49" charset="0"/>
+              </a:rPr>
+              <a:t>)</a:t>
+            </a:r>
+            <a:endParaRPr lang="en-US" sz="1400" dirty="0">
+              <a:solidFill>
+                <a:srgbClr val="CCCCCC"/>
+              </a:solidFill>
+              <a:latin typeface="Consolas" panose="020B0609020204030204" pitchFamily="49" charset="0"/>
+            </a:endParaRPr>
+          </a:p>
+          <a:p>
+            <a:r>
+              <a:rPr lang="en-US" sz="1400" dirty="0">
+                <a:solidFill>
+                  <a:srgbClr val="D4D4D4"/>
+                </a:solidFill>
+                <a:latin typeface="Consolas" panose="020B0609020204030204" pitchFamily="49" charset="0"/>
+              </a:rPr>
+              <a:t>        </a:t>
+            </a:r>
+            <a:r>
+              <a:rPr lang="en-US" sz="1400" dirty="0">
+                <a:solidFill>
+                  <a:srgbClr val="9CDCFE"/>
+                </a:solidFill>
+                <a:latin typeface="Consolas" panose="020B0609020204030204" pitchFamily="49" charset="0"/>
+              </a:rPr>
+              <a:t>ReactDOM</a:t>
+            </a:r>
+            <a:r>
+              <a:rPr lang="en-US" sz="1400" dirty="0">
+                <a:solidFill>
+                  <a:srgbClr val="D4D4D4"/>
+                </a:solidFill>
+                <a:latin typeface="Consolas" panose="020B0609020204030204" pitchFamily="49" charset="0"/>
+              </a:rPr>
+              <a:t>.</a:t>
+            </a:r>
+            <a:r>
+              <a:rPr lang="en-US" sz="1400" dirty="0">
+                <a:solidFill>
+                  <a:srgbClr val="DCDCAA"/>
+                </a:solidFill>
+                <a:latin typeface="Consolas" panose="020B0609020204030204" pitchFamily="49" charset="0"/>
+              </a:rPr>
+              <a:t>createRoot</a:t>
+            </a:r>
+            <a:r>
+              <a:rPr lang="en-US" sz="1400" dirty="0">
+                <a:solidFill>
+                  <a:srgbClr val="D4D4D4"/>
+                </a:solidFill>
+                <a:latin typeface="Consolas" panose="020B0609020204030204" pitchFamily="49" charset="0"/>
+              </a:rPr>
+              <a:t>(</a:t>
+            </a:r>
+            <a:r>
+              <a:rPr lang="en-US" sz="1400" dirty="0">
+                <a:solidFill>
+                  <a:srgbClr val="9CDCFE"/>
+                </a:solidFill>
+                <a:latin typeface="Consolas" panose="020B0609020204030204" pitchFamily="49" charset="0"/>
+              </a:rPr>
+              <a:t>main</a:t>
+            </a:r>
+            <a:r>
+              <a:rPr lang="en-US" sz="1400" dirty="0">
+                <a:solidFill>
+                  <a:srgbClr val="D4D4D4"/>
+                </a:solidFill>
+                <a:latin typeface="Consolas" panose="020B0609020204030204" pitchFamily="49" charset="0"/>
+              </a:rPr>
+              <a:t>).</a:t>
+            </a:r>
+            <a:r>
+              <a:rPr lang="en-US" sz="1400" dirty="0">
+                <a:solidFill>
+                  <a:srgbClr val="DCDCAA"/>
+                </a:solidFill>
+                <a:latin typeface="Consolas" panose="020B0609020204030204" pitchFamily="49" charset="0"/>
+              </a:rPr>
+              <a:t>render</a:t>
+            </a:r>
+            <a:r>
+              <a:rPr lang="en-US" sz="1400" dirty="0">
+                <a:solidFill>
+                  <a:srgbClr val="D4D4D4"/>
+                </a:solidFill>
+                <a:latin typeface="Consolas" panose="020B0609020204030204" pitchFamily="49" charset="0"/>
+              </a:rPr>
+              <a:t>(</a:t>
+            </a:r>
+            <a:r>
+              <a:rPr lang="en-US" sz="1400" dirty="0">
+                <a:solidFill>
+                  <a:srgbClr val="4FC1FF"/>
+                </a:solidFill>
+                <a:latin typeface="Consolas" panose="020B0609020204030204" pitchFamily="49" charset="0"/>
+              </a:rPr>
+              <a:t>header</a:t>
+            </a:r>
+            <a:r>
+              <a:rPr lang="en-US" sz="1400" dirty="0">
+                <a:solidFill>
+                  <a:srgbClr val="D4D4D4"/>
+                </a:solidFill>
+                <a:latin typeface="Consolas" panose="020B0609020204030204" pitchFamily="49" charset="0"/>
+              </a:rPr>
+              <a:t>);</a:t>
+            </a:r>
+            <a:endParaRPr lang="en-US" sz="1400" dirty="0">
+              <a:solidFill>
+                <a:srgbClr val="CCCCCC"/>
+              </a:solidFill>
+              <a:latin typeface="Consolas" panose="020B0609020204030204" pitchFamily="49" charset="0"/>
+            </a:endParaRPr>
+          </a:p>
+          <a:p>
+            <a:r>
+              <a:rPr lang="en-US" sz="1400" dirty="0">
+                <a:solidFill>
+                  <a:srgbClr val="D4D4D4"/>
+                </a:solidFill>
+                <a:latin typeface="Consolas" panose="020B0609020204030204" pitchFamily="49" charset="0"/>
+              </a:rPr>
+              <a:t>    </a:t>
+            </a:r>
+            <a:r>
+              <a:rPr lang="en-US" sz="1400" dirty="0">
+                <a:solidFill>
+                  <a:srgbClr val="808080"/>
+                </a:solidFill>
+                <a:latin typeface="Consolas" panose="020B0609020204030204" pitchFamily="49" charset="0"/>
+              </a:rPr>
+              <a:t>&lt;/</a:t>
+            </a:r>
+            <a:r>
+              <a:rPr lang="en-US" sz="1400" dirty="0">
+                <a:solidFill>
+                  <a:srgbClr val="569CD6"/>
+                </a:solidFill>
+                <a:latin typeface="Consolas" panose="020B0609020204030204" pitchFamily="49" charset="0"/>
+              </a:rPr>
+              <a:t>script</a:t>
+            </a:r>
+            <a:r>
+              <a:rPr lang="en-US" sz="1400" dirty="0">
+                <a:solidFill>
+                  <a:srgbClr val="808080"/>
+                </a:solidFill>
+                <a:latin typeface="Consolas" panose="020B0609020204030204" pitchFamily="49" charset="0"/>
+              </a:rPr>
+              <a:t>&gt;</a:t>
+            </a:r>
+            <a:endParaRPr lang="en-US" sz="1400" b="0" dirty="0">
+              <a:solidFill>
+                <a:srgbClr val="CCCCCC"/>
+              </a:solidFill>
+              <a:effectLst/>
+              <a:latin typeface="Consolas" panose="020B0609020204030204" pitchFamily="49" charset="0"/>
+            </a:endParaRPr>
+          </a:p>
+        </p:txBody>
+      </p:sp>
+    </p:spTree>
+    <p:extLst>
+      <p:ext uri="{BB962C8B-B14F-4D97-AF65-F5344CB8AC3E}">
+        <p14:creationId xmlns:p14="http://schemas.microsoft.com/office/powerpoint/2010/main" val="3207754043"/>
+      </p:ext>
+    </p:extLst>
+  </p:cSld>
+  <p:clrMapOvr>
+    <a:masterClrMapping/>
+  </p:clrMapOvr>
+</p:sld>
+</file>
+
 <file path=ppt/slides/slide2.xml><?xml version="1.0" encoding="utf-8"?>
 <p:sld xmlns:a="http://schemas.openxmlformats.org/drawingml/2006/main" xmlns:r="http://schemas.openxmlformats.org/officeDocument/2006/relationships" xmlns:p="http://schemas.openxmlformats.org/presentationml/2006/main">
   <p:cSld>
@@ -7432,23 +8078,7 @@
                 <a:ea typeface="Tahoma" panose="020B0604030504040204" pitchFamily="34" charset="0"/>
                 <a:cs typeface="Tahoma" panose="020B0604030504040204" pitchFamily="34" charset="0"/>
               </a:rPr>
-              <a:t>Chúng ta code sẽ sử dụng phiên bản development cho dễ dàng đọc source </a:t>
-            </a:r>
-            <a:r>
-              <a:rPr lang="en-US" dirty="0" smtClean="0">
-                <a:latin typeface="Tahoma" panose="020B0604030504040204" pitchFamily="34" charset="0"/>
-                <a:ea typeface="Tahoma" panose="020B0604030504040204" pitchFamily="34" charset="0"/>
-                <a:cs typeface="Tahoma" panose="020B0604030504040204" pitchFamily="34" charset="0"/>
-              </a:rPr>
-              <a:t>và debug khi </a:t>
-            </a:r>
-            <a:r>
-              <a:rPr lang="en-US" dirty="0" smtClean="0">
-                <a:latin typeface="Tahoma" panose="020B0604030504040204" pitchFamily="34" charset="0"/>
-                <a:ea typeface="Tahoma" panose="020B0604030504040204" pitchFamily="34" charset="0"/>
-                <a:cs typeface="Tahoma" panose="020B0604030504040204" pitchFamily="34" charset="0"/>
-              </a:rPr>
-              <a:t>có lỗi</a:t>
+              <a:t>Chúng ta code sẽ sử dụng phiên bản development cho dễ dàng đọc source và debug khi có lỗi</a:t>
             </a:r>
           </a:p>
           <a:p>
